--- a/slides/project_taster_session.pptx
+++ b/slides/project_taster_session.pptx
@@ -226,7 +226,7 @@
             <a:fld id="{5D17BE05-9E16-42F6-B694-C296DBF9CD20}" type="datetimeFigureOut">
               <a:rPr lang="en-US" smtClean="0"/>
               <a:pPr/>
-              <a:t>1/16/2017</a:t>
+              <a:t>1/17/2017</a:t>
             </a:fld>
             <a:endParaRPr lang="en-US"/>
           </a:p>
@@ -394,7 +394,7 @@
             <a:fld id="{19DE11FE-B14C-4DEE-8005-EB77E70214F8}" type="datetimeFigureOut">
               <a:rPr lang="en-US" smtClean="0"/>
               <a:pPr/>
-              <a:t>1/16/2017</a:t>
+              <a:t>1/17/2017</a:t>
             </a:fld>
             <a:endParaRPr lang="en-US"/>
           </a:p>
@@ -1059,7 +1059,7 @@
                   </a:prstClr>
                 </a:solidFill>
               </a:rPr>
-              <a:t>1/16/2017</a:t>
+              <a:t>1/17/2017</a:t>
             </a:fld>
             <a:endParaRPr lang="en-US">
               <a:solidFill>
@@ -1260,7 +1260,7 @@
                   </a:prstClr>
                 </a:solidFill>
               </a:rPr>
-              <a:t>1/16/2017</a:t>
+              <a:t>1/17/2017</a:t>
             </a:fld>
             <a:endParaRPr lang="en-US">
               <a:solidFill>
@@ -1471,7 +1471,7 @@
                   </a:prstClr>
                 </a:solidFill>
               </a:rPr>
-              <a:t>1/16/2017</a:t>
+              <a:t>1/17/2017</a:t>
             </a:fld>
             <a:endParaRPr lang="en-US">
               <a:solidFill>
@@ -1672,7 +1672,7 @@
                   </a:prstClr>
                 </a:solidFill>
               </a:rPr>
-              <a:t>1/16/2017</a:t>
+              <a:t>1/17/2017</a:t>
             </a:fld>
             <a:endParaRPr lang="en-US">
               <a:solidFill>
@@ -1949,7 +1949,7 @@
                   </a:prstClr>
                 </a:solidFill>
               </a:rPr>
-              <a:t>1/16/2017</a:t>
+              <a:t>1/17/2017</a:t>
             </a:fld>
             <a:endParaRPr lang="en-US">
               <a:solidFill>
@@ -2268,7 +2268,7 @@
                   </a:prstClr>
                 </a:solidFill>
               </a:rPr>
-              <a:t>1/16/2017</a:t>
+              <a:t>1/17/2017</a:t>
             </a:fld>
             <a:endParaRPr lang="en-US">
               <a:solidFill>
@@ -2721,7 +2721,7 @@
                   </a:prstClr>
                 </a:solidFill>
               </a:rPr>
-              <a:t>1/16/2017</a:t>
+              <a:t>1/17/2017</a:t>
             </a:fld>
             <a:endParaRPr lang="en-US">
               <a:solidFill>
@@ -2870,7 +2870,7 @@
                   </a:prstClr>
                 </a:solidFill>
               </a:rPr>
-              <a:t>1/16/2017</a:t>
+              <a:t>1/17/2017</a:t>
             </a:fld>
             <a:endParaRPr lang="en-US">
               <a:solidFill>
@@ -2996,7 +2996,7 @@
                   </a:prstClr>
                 </a:solidFill>
               </a:rPr>
-              <a:t>1/16/2017</a:t>
+              <a:t>1/17/2017</a:t>
             </a:fld>
             <a:endParaRPr lang="en-US">
               <a:solidFill>
@@ -3304,7 +3304,7 @@
                   </a:prstClr>
                 </a:solidFill>
               </a:rPr>
-              <a:t>1/16/2017</a:t>
+              <a:t>1/17/2017</a:t>
             </a:fld>
             <a:endParaRPr lang="en-US">
               <a:solidFill>
@@ -3588,7 +3588,7 @@
                   </a:prstClr>
                 </a:solidFill>
               </a:rPr>
-              <a:t>1/16/2017</a:t>
+              <a:t>1/17/2017</a:t>
             </a:fld>
             <a:endParaRPr lang="en-US">
               <a:solidFill>
@@ -3835,7 +3835,7 @@
                   </a:prstClr>
                 </a:solidFill>
               </a:rPr>
-              <a:t>1/16/2017</a:t>
+              <a:t>1/17/2017</a:t>
             </a:fld>
             <a:endParaRPr lang="en-US">
               <a:solidFill>
@@ -4479,18 +4479,7 @@
                 <a:ea typeface="WenQuanYi Zen Hei" charset="0"/>
                 <a:cs typeface="Arial" pitchFamily="34" charset="0"/>
               </a:rPr>
-              <a:t>Lucas </a:t>
-            </a:r>
-            <a:r>
-              <a:rPr lang="en-US" sz="2400" b="1" dirty="0" smtClean="0">
-                <a:solidFill>
-                  <a:srgbClr val="000000"/>
-                </a:solidFill>
-                <a:latin typeface="Arial" pitchFamily="34" charset="0"/>
-                <a:ea typeface="WenQuanYi Zen Hei" charset="0"/>
-                <a:cs typeface="Arial" pitchFamily="34" charset="0"/>
-              </a:rPr>
-              <a:t>Cordeiro</a:t>
+              <a:t>Lucas Cordeiro</a:t>
             </a:r>
           </a:p>
           <a:p>
@@ -4695,10 +4684,6 @@
               </a:rPr>
               <a:t>Control Software in Unmanned Aerial Vehicle</a:t>
             </a:r>
-            <a:endParaRPr lang="en-GB" sz="3200" b="1" dirty="0" smtClean="0">
-              <a:latin typeface="Arial" pitchFamily="34" charset="0"/>
-              <a:cs typeface="Arial" pitchFamily="34" charset="0"/>
-            </a:endParaRPr>
           </a:p>
         </p:txBody>
       </p:sp>
@@ -7329,10 +7314,6 @@
               </a:rPr>
               <a:t>Synthesizing Control Software in UAVs</a:t>
             </a:r>
-            <a:endParaRPr lang="en-GB" sz="3200" b="1" dirty="0" smtClean="0">
-              <a:latin typeface="Arial" pitchFamily="34" charset="0"/>
-              <a:cs typeface="Arial" pitchFamily="34" charset="0"/>
-            </a:endParaRPr>
           </a:p>
         </p:txBody>
       </p:sp>
@@ -7344,7 +7325,7 @@
         </p:nvGrpSpPr>
         <p:grpSpPr>
           <a:xfrm>
-            <a:off x="1815145" y="1622077"/>
+            <a:off x="2051720" y="2492896"/>
             <a:ext cx="5527589" cy="3823147"/>
             <a:chOff x="2161309" y="886864"/>
             <a:chExt cx="6759806" cy="4655866"/>
@@ -8090,6 +8071,1127 @@
           </p:txBody>
         </p:sp>
       </p:grpSp>
+      <p:sp>
+        <p:nvSpPr>
+          <p:cNvPr id="2" name="Retângulo 1"/>
+          <p:cNvSpPr/>
+          <p:nvPr/>
+        </p:nvSpPr>
+        <p:spPr>
+          <a:xfrm>
+            <a:off x="251520" y="1157843"/>
+            <a:ext cx="8712968" cy="830997"/>
+          </a:xfrm>
+          <a:prstGeom prst="rect">
+            <a:avLst/>
+          </a:prstGeom>
+        </p:spPr>
+        <p:txBody>
+          <a:bodyPr wrap="square">
+            <a:spAutoFit/>
+          </a:bodyPr>
+          <a:lstStyle/>
+          <a:p>
+            <a:pPr marL="342900" indent="-342900">
+              <a:buFont typeface="Arial" panose="020B0604020202020204" pitchFamily="34" charset="0"/>
+              <a:buChar char="•"/>
+            </a:pPr>
+            <a:r>
+              <a:rPr lang="en-US" sz="2400" dirty="0" smtClean="0">
+                <a:latin typeface="Arial" panose="020B0604020202020204" pitchFamily="34" charset="0"/>
+                <a:cs typeface="Arial" panose="020B0604020202020204" pitchFamily="34" charset="0"/>
+              </a:rPr>
+              <a:t>CEGIS </a:t>
+            </a:r>
+            <a:r>
+              <a:rPr lang="en-US" sz="2400" dirty="0">
+                <a:latin typeface="Arial" panose="020B0604020202020204" pitchFamily="34" charset="0"/>
+                <a:cs typeface="Arial" panose="020B0604020202020204" pitchFamily="34" charset="0"/>
+              </a:rPr>
+              <a:t>automates the design of digital controllers that are </a:t>
+            </a:r>
+            <a:r>
+              <a:rPr lang="en-US" sz="2400" b="1" dirty="0" smtClean="0">
+                <a:latin typeface="Arial" panose="020B0604020202020204" pitchFamily="34" charset="0"/>
+                <a:cs typeface="Arial" panose="020B0604020202020204" pitchFamily="34" charset="0"/>
+              </a:rPr>
+              <a:t>correct-by-construction</a:t>
+            </a:r>
+            <a:endParaRPr lang="en-US" sz="2400" dirty="0">
+              <a:latin typeface="Arial" panose="020B0604020202020204" pitchFamily="34" charset="0"/>
+              <a:cs typeface="Arial" panose="020B0604020202020204" pitchFamily="34" charset="0"/>
+            </a:endParaRPr>
+          </a:p>
+        </p:txBody>
+      </p:sp>
+      <p:sp>
+        <p:nvSpPr>
+          <p:cNvPr id="3" name="Retângulo 2"/>
+          <p:cNvSpPr/>
+          <p:nvPr/>
+        </p:nvSpPr>
+        <p:spPr>
+          <a:xfrm>
+            <a:off x="233031" y="4667652"/>
+            <a:ext cx="2417773" cy="1569660"/>
+          </a:xfrm>
+          <a:prstGeom prst="rect">
+            <a:avLst/>
+          </a:prstGeom>
+        </p:spPr>
+        <p:txBody>
+          <a:bodyPr wrap="square">
+            <a:spAutoFit/>
+          </a:bodyPr>
+          <a:lstStyle/>
+          <a:p>
+            <a:r>
+              <a:rPr lang="en-US" sz="2400" dirty="0">
+                <a:latin typeface="Arial" panose="020B0604020202020204" pitchFamily="34" charset="0"/>
+                <a:cs typeface="Arial" panose="020B0604020202020204" pitchFamily="34" charset="0"/>
+              </a:rPr>
+              <a:t>finite-precision arithmetic and related rounding errors</a:t>
+            </a:r>
+          </a:p>
+        </p:txBody>
+      </p:sp>
+      <mc:AlternateContent xmlns:mc="http://schemas.openxmlformats.org/markup-compatibility/2006">
+        <mc:Choice xmlns:a14="http://schemas.microsoft.com/office/drawing/2010/main" Requires="a14">
+          <p:sp>
+            <p:nvSpPr>
+              <p:cNvPr id="4" name="CaixaDeTexto 3"/>
+              <p:cNvSpPr txBox="1"/>
+              <p:nvPr/>
+            </p:nvSpPr>
+            <p:spPr>
+              <a:xfrm>
+                <a:off x="251520" y="2564904"/>
+                <a:ext cx="2493247" cy="602857"/>
+              </a:xfrm>
+              <a:prstGeom prst="rect">
+                <a:avLst/>
+              </a:prstGeom>
+              <a:noFill/>
+            </p:spPr>
+            <p:txBody>
+              <a:bodyPr wrap="none" lIns="0" tIns="0" rIns="0" bIns="0" rtlCol="0">
+                <a:spAutoFit/>
+              </a:bodyPr>
+              <a:lstStyle/>
+              <a:p>
+                <a14:m>
+                  <m:oMathPara xmlns:m="http://schemas.openxmlformats.org/officeDocument/2006/math">
+                    <m:oMathParaPr>
+                      <m:jc m:val="centerGroup"/>
+                    </m:oMathParaPr>
+                    <m:oMath xmlns:m="http://schemas.openxmlformats.org/officeDocument/2006/math">
+                      <m:r>
+                        <a:rPr lang="pt-BR" b="0" i="1" smtClean="0">
+                          <a:latin typeface="Cambria Math" panose="02040503050406030204" pitchFamily="18" charset="0"/>
+                        </a:rPr>
+                        <m:t>𝐶</m:t>
+                      </m:r>
+                      <m:d>
+                        <m:dPr>
+                          <m:ctrlPr>
+                            <a:rPr lang="pt-BR" b="0" i="1" smtClean="0">
+                              <a:latin typeface="Cambria Math" panose="02040503050406030204" pitchFamily="18" charset="0"/>
+                            </a:rPr>
+                          </m:ctrlPr>
+                        </m:dPr>
+                        <m:e>
+                          <m:r>
+                            <a:rPr lang="pt-BR" b="0" i="1" smtClean="0">
+                              <a:latin typeface="Cambria Math" panose="02040503050406030204" pitchFamily="18" charset="0"/>
+                            </a:rPr>
+                            <m:t>𝑧</m:t>
+                          </m:r>
+                        </m:e>
+                      </m:d>
+                      <m:r>
+                        <a:rPr lang="pt-BR" b="0" i="1" smtClean="0">
+                          <a:latin typeface="Cambria Math" panose="02040503050406030204" pitchFamily="18" charset="0"/>
+                        </a:rPr>
+                        <m:t>=</m:t>
+                      </m:r>
+                      <m:f>
+                        <m:fPr>
+                          <m:ctrlPr>
+                            <a:rPr lang="pt-BR" b="0" i="1" smtClean="0">
+                              <a:latin typeface="Cambria Math" panose="02040503050406030204" pitchFamily="18" charset="0"/>
+                            </a:rPr>
+                          </m:ctrlPr>
+                        </m:fPr>
+                        <m:num>
+                          <m:sSub>
+                            <m:sSubPr>
+                              <m:ctrlPr>
+                                <a:rPr lang="pt-BR" b="0" i="1" smtClean="0">
+                                  <a:latin typeface="Cambria Math" panose="02040503050406030204" pitchFamily="18" charset="0"/>
+                                </a:rPr>
+                              </m:ctrlPr>
+                            </m:sSubPr>
+                            <m:e>
+                              <m:r>
+                                <a:rPr lang="pt-BR" b="0" i="1" smtClean="0">
+                                  <a:latin typeface="Cambria Math" panose="02040503050406030204" pitchFamily="18" charset="0"/>
+                                </a:rPr>
+                                <m:t>𝑎</m:t>
+                              </m:r>
+                            </m:e>
+                            <m:sub>
+                              <m:r>
+                                <a:rPr lang="pt-BR" b="0" i="1" smtClean="0">
+                                  <a:latin typeface="Cambria Math" panose="02040503050406030204" pitchFamily="18" charset="0"/>
+                                </a:rPr>
+                                <m:t>2</m:t>
+                              </m:r>
+                            </m:sub>
+                          </m:sSub>
+                          <m:sSup>
+                            <m:sSupPr>
+                              <m:ctrlPr>
+                                <a:rPr lang="pt-BR" b="0" i="1" smtClean="0">
+                                  <a:latin typeface="Cambria Math" panose="02040503050406030204" pitchFamily="18" charset="0"/>
+                                </a:rPr>
+                              </m:ctrlPr>
+                            </m:sSupPr>
+                            <m:e>
+                              <m:r>
+                                <a:rPr lang="pt-BR" b="0" i="1" smtClean="0">
+                                  <a:latin typeface="Cambria Math" panose="02040503050406030204" pitchFamily="18" charset="0"/>
+                                </a:rPr>
+                                <m:t>𝑧</m:t>
+                              </m:r>
+                            </m:e>
+                            <m:sup>
+                              <m:r>
+                                <a:rPr lang="pt-BR" b="0" i="1" smtClean="0">
+                                  <a:latin typeface="Cambria Math" panose="02040503050406030204" pitchFamily="18" charset="0"/>
+                                </a:rPr>
+                                <m:t>2</m:t>
+                              </m:r>
+                            </m:sup>
+                          </m:sSup>
+                          <m:r>
+                            <a:rPr lang="pt-BR" b="0" i="1" smtClean="0">
+                              <a:latin typeface="Cambria Math" panose="02040503050406030204" pitchFamily="18" charset="0"/>
+                            </a:rPr>
+                            <m:t>+</m:t>
+                          </m:r>
+                          <m:sSub>
+                            <m:sSubPr>
+                              <m:ctrlPr>
+                                <a:rPr lang="pt-BR" i="1">
+                                  <a:latin typeface="Cambria Math" panose="02040503050406030204" pitchFamily="18" charset="0"/>
+                                </a:rPr>
+                              </m:ctrlPr>
+                            </m:sSubPr>
+                            <m:e>
+                              <m:r>
+                                <a:rPr lang="pt-BR" i="1">
+                                  <a:latin typeface="Cambria Math" panose="02040503050406030204" pitchFamily="18" charset="0"/>
+                                </a:rPr>
+                                <m:t>𝑎</m:t>
+                              </m:r>
+                            </m:e>
+                            <m:sub>
+                              <m:r>
+                                <a:rPr lang="pt-BR" b="0" i="1" smtClean="0">
+                                  <a:latin typeface="Cambria Math" panose="02040503050406030204" pitchFamily="18" charset="0"/>
+                                </a:rPr>
+                                <m:t>1</m:t>
+                              </m:r>
+                            </m:sub>
+                          </m:sSub>
+                          <m:r>
+                            <a:rPr lang="pt-BR" b="0" i="1" smtClean="0">
+                              <a:latin typeface="Cambria Math" panose="02040503050406030204" pitchFamily="18" charset="0"/>
+                            </a:rPr>
+                            <m:t>𝑧</m:t>
+                          </m:r>
+                          <m:r>
+                            <a:rPr lang="pt-BR" b="0" i="1" smtClean="0">
+                              <a:latin typeface="Cambria Math" panose="02040503050406030204" pitchFamily="18" charset="0"/>
+                            </a:rPr>
+                            <m:t>+</m:t>
+                          </m:r>
+                          <m:sSub>
+                            <m:sSubPr>
+                              <m:ctrlPr>
+                                <a:rPr lang="pt-BR" i="1">
+                                  <a:latin typeface="Cambria Math" panose="02040503050406030204" pitchFamily="18" charset="0"/>
+                                </a:rPr>
+                              </m:ctrlPr>
+                            </m:sSubPr>
+                            <m:e>
+                              <m:r>
+                                <a:rPr lang="pt-BR" i="1">
+                                  <a:latin typeface="Cambria Math" panose="02040503050406030204" pitchFamily="18" charset="0"/>
+                                </a:rPr>
+                                <m:t>𝑎</m:t>
+                              </m:r>
+                            </m:e>
+                            <m:sub>
+                              <m:r>
+                                <a:rPr lang="pt-BR" b="0" i="1" smtClean="0">
+                                  <a:latin typeface="Cambria Math" panose="02040503050406030204" pitchFamily="18" charset="0"/>
+                                </a:rPr>
+                                <m:t>0</m:t>
+                              </m:r>
+                            </m:sub>
+                          </m:sSub>
+                        </m:num>
+                        <m:den>
+                          <m:sSub>
+                            <m:sSubPr>
+                              <m:ctrlPr>
+                                <a:rPr lang="pt-BR" i="1">
+                                  <a:latin typeface="Cambria Math" panose="02040503050406030204" pitchFamily="18" charset="0"/>
+                                </a:rPr>
+                              </m:ctrlPr>
+                            </m:sSubPr>
+                            <m:e>
+                              <m:r>
+                                <a:rPr lang="pt-BR" b="0" i="1" smtClean="0">
+                                  <a:latin typeface="Cambria Math" panose="02040503050406030204" pitchFamily="18" charset="0"/>
+                                </a:rPr>
+                                <m:t>𝑏</m:t>
+                              </m:r>
+                            </m:e>
+                            <m:sub>
+                              <m:r>
+                                <a:rPr lang="pt-BR" i="1">
+                                  <a:latin typeface="Cambria Math" panose="02040503050406030204" pitchFamily="18" charset="0"/>
+                                </a:rPr>
+                                <m:t>2</m:t>
+                              </m:r>
+                            </m:sub>
+                          </m:sSub>
+                          <m:sSup>
+                            <m:sSupPr>
+                              <m:ctrlPr>
+                                <a:rPr lang="pt-BR" i="1">
+                                  <a:latin typeface="Cambria Math" panose="02040503050406030204" pitchFamily="18" charset="0"/>
+                                </a:rPr>
+                              </m:ctrlPr>
+                            </m:sSupPr>
+                            <m:e>
+                              <m:r>
+                                <a:rPr lang="pt-BR" i="1">
+                                  <a:latin typeface="Cambria Math" panose="02040503050406030204" pitchFamily="18" charset="0"/>
+                                </a:rPr>
+                                <m:t>𝑧</m:t>
+                              </m:r>
+                            </m:e>
+                            <m:sup>
+                              <m:r>
+                                <a:rPr lang="pt-BR" i="1">
+                                  <a:latin typeface="Cambria Math" panose="02040503050406030204" pitchFamily="18" charset="0"/>
+                                </a:rPr>
+                                <m:t>2</m:t>
+                              </m:r>
+                            </m:sup>
+                          </m:sSup>
+                          <m:r>
+                            <a:rPr lang="pt-BR" i="1">
+                              <a:latin typeface="Cambria Math" panose="02040503050406030204" pitchFamily="18" charset="0"/>
+                            </a:rPr>
+                            <m:t>+</m:t>
+                          </m:r>
+                          <m:sSub>
+                            <m:sSubPr>
+                              <m:ctrlPr>
+                                <a:rPr lang="pt-BR" i="1">
+                                  <a:latin typeface="Cambria Math" panose="02040503050406030204" pitchFamily="18" charset="0"/>
+                                </a:rPr>
+                              </m:ctrlPr>
+                            </m:sSubPr>
+                            <m:e>
+                              <m:r>
+                                <a:rPr lang="pt-BR" b="0" i="1" smtClean="0">
+                                  <a:latin typeface="Cambria Math" panose="02040503050406030204" pitchFamily="18" charset="0"/>
+                                </a:rPr>
+                                <m:t>𝑏</m:t>
+                              </m:r>
+                            </m:e>
+                            <m:sub>
+                              <m:r>
+                                <a:rPr lang="pt-BR" i="1">
+                                  <a:latin typeface="Cambria Math" panose="02040503050406030204" pitchFamily="18" charset="0"/>
+                                </a:rPr>
+                                <m:t>1</m:t>
+                              </m:r>
+                            </m:sub>
+                          </m:sSub>
+                          <m:r>
+                            <a:rPr lang="pt-BR" i="1">
+                              <a:latin typeface="Cambria Math" panose="02040503050406030204" pitchFamily="18" charset="0"/>
+                            </a:rPr>
+                            <m:t>𝑧</m:t>
+                          </m:r>
+                          <m:r>
+                            <a:rPr lang="pt-BR" i="1">
+                              <a:latin typeface="Cambria Math" panose="02040503050406030204" pitchFamily="18" charset="0"/>
+                            </a:rPr>
+                            <m:t>+</m:t>
+                          </m:r>
+                          <m:sSub>
+                            <m:sSubPr>
+                              <m:ctrlPr>
+                                <a:rPr lang="pt-BR" i="1">
+                                  <a:latin typeface="Cambria Math" panose="02040503050406030204" pitchFamily="18" charset="0"/>
+                                </a:rPr>
+                              </m:ctrlPr>
+                            </m:sSubPr>
+                            <m:e>
+                              <m:r>
+                                <a:rPr lang="pt-BR" b="0" i="1" smtClean="0">
+                                  <a:latin typeface="Cambria Math" panose="02040503050406030204" pitchFamily="18" charset="0"/>
+                                </a:rPr>
+                                <m:t>𝑏</m:t>
+                              </m:r>
+                            </m:e>
+                            <m:sub>
+                              <m:r>
+                                <a:rPr lang="pt-BR" i="1">
+                                  <a:latin typeface="Cambria Math" panose="02040503050406030204" pitchFamily="18" charset="0"/>
+                                </a:rPr>
+                                <m:t>0</m:t>
+                              </m:r>
+                            </m:sub>
+                          </m:sSub>
+                        </m:den>
+                      </m:f>
+                    </m:oMath>
+                  </m:oMathPara>
+                </a14:m>
+                <a:endParaRPr lang="en-US" dirty="0"/>
+              </a:p>
+            </p:txBody>
+          </p:sp>
+        </mc:Choice>
+        <mc:Fallback>
+          <p:sp>
+            <p:nvSpPr>
+              <p:cNvPr id="4" name="CaixaDeTexto 3"/>
+              <p:cNvSpPr txBox="1">
+                <a:spLocks noRot="1" noChangeAspect="1" noMove="1" noResize="1" noEditPoints="1" noAdjustHandles="1" noChangeArrowheads="1" noChangeShapeType="1" noTextEdit="1"/>
+              </p:cNvSpPr>
+              <p:nvPr/>
+            </p:nvSpPr>
+            <p:spPr>
+              <a:xfrm>
+                <a:off x="251520" y="2564904"/>
+                <a:ext cx="2493247" cy="602857"/>
+              </a:xfrm>
+              <a:prstGeom prst="rect">
+                <a:avLst/>
+              </a:prstGeom>
+              <a:blipFill rotWithShape="0">
+                <a:blip r:embed="rId3"/>
+                <a:stretch>
+                  <a:fillRect/>
+                </a:stretch>
+              </a:blipFill>
+            </p:spPr>
+            <p:txBody>
+              <a:bodyPr/>
+              <a:lstStyle/>
+              <a:p>
+                <a:r>
+                  <a:rPr lang="en-US">
+                    <a:noFill/>
+                  </a:rPr>
+                  <a:t> </a:t>
+                </a:r>
+              </a:p>
+            </p:txBody>
+          </p:sp>
+        </mc:Fallback>
+      </mc:AlternateContent>
+      <mc:AlternateContent xmlns:mc="http://schemas.openxmlformats.org/markup-compatibility/2006">
+        <mc:Choice xmlns:a14="http://schemas.microsoft.com/office/drawing/2010/main" Requires="a14">
+          <p:sp>
+            <p:nvSpPr>
+              <p:cNvPr id="22" name="CaixaDeTexto 21"/>
+              <p:cNvSpPr txBox="1"/>
+              <p:nvPr/>
+            </p:nvSpPr>
+            <p:spPr>
+              <a:xfrm>
+                <a:off x="5076056" y="1772816"/>
+                <a:ext cx="2134110" cy="525016"/>
+              </a:xfrm>
+              <a:prstGeom prst="rect">
+                <a:avLst/>
+              </a:prstGeom>
+              <a:noFill/>
+            </p:spPr>
+            <p:txBody>
+              <a:bodyPr wrap="none" lIns="0" tIns="0" rIns="0" bIns="0" rtlCol="0">
+                <a:spAutoFit/>
+              </a:bodyPr>
+              <a:lstStyle/>
+              <a:p>
+                <a14:m>
+                  <m:oMathPara xmlns:m="http://schemas.openxmlformats.org/officeDocument/2006/math">
+                    <m:oMathParaPr>
+                      <m:jc m:val="centerGroup"/>
+                    </m:oMathParaPr>
+                    <m:oMath xmlns:m="http://schemas.openxmlformats.org/officeDocument/2006/math">
+                      <m:d>
+                        <m:dPr>
+                          <m:ctrlPr>
+                            <a:rPr lang="pt-BR" b="0" i="1" smtClean="0">
+                              <a:latin typeface="Cambria Math" panose="02040503050406030204" pitchFamily="18" charset="0"/>
+                            </a:rPr>
+                          </m:ctrlPr>
+                        </m:dPr>
+                        <m:e>
+                          <m:r>
+                            <a:rPr lang="pt-BR" b="0" i="1" smtClean="0">
+                              <a:latin typeface="Cambria Math" panose="02040503050406030204" pitchFamily="18" charset="0"/>
+                            </a:rPr>
+                            <m:t>1</m:t>
+                          </m:r>
+                        </m:e>
+                      </m:d>
+                      <m:r>
+                        <a:rPr lang="pt-BR" b="0" i="1" smtClean="0">
+                          <a:latin typeface="Cambria Math" panose="02040503050406030204" pitchFamily="18" charset="0"/>
+                        </a:rPr>
+                        <m:t> </m:t>
+                      </m:r>
+                      <m:r>
+                        <a:rPr lang="pt-BR" b="0" i="1" smtClean="0">
+                          <a:latin typeface="Cambria Math" panose="02040503050406030204" pitchFamily="18" charset="0"/>
+                        </a:rPr>
+                        <m:t>𝐶</m:t>
+                      </m:r>
+                      <m:d>
+                        <m:dPr>
+                          <m:ctrlPr>
+                            <a:rPr lang="pt-BR" b="0" i="1" smtClean="0">
+                              <a:latin typeface="Cambria Math" panose="02040503050406030204" pitchFamily="18" charset="0"/>
+                            </a:rPr>
+                          </m:ctrlPr>
+                        </m:dPr>
+                        <m:e>
+                          <m:r>
+                            <a:rPr lang="pt-BR" b="0" i="1" smtClean="0">
+                              <a:latin typeface="Cambria Math" panose="02040503050406030204" pitchFamily="18" charset="0"/>
+                            </a:rPr>
+                            <m:t>𝑧</m:t>
+                          </m:r>
+                        </m:e>
+                      </m:d>
+                      <m:r>
+                        <a:rPr lang="pt-BR" b="0" i="1" smtClean="0">
+                          <a:latin typeface="Cambria Math" panose="02040503050406030204" pitchFamily="18" charset="0"/>
+                        </a:rPr>
+                        <m:t>=</m:t>
+                      </m:r>
+                      <m:f>
+                        <m:fPr>
+                          <m:ctrlPr>
+                            <a:rPr lang="pt-BR" b="0" i="1" smtClean="0">
+                              <a:latin typeface="Cambria Math" panose="02040503050406030204" pitchFamily="18" charset="0"/>
+                            </a:rPr>
+                          </m:ctrlPr>
+                        </m:fPr>
+                        <m:num>
+                          <m:r>
+                            <a:rPr lang="pt-BR" b="0" i="1" smtClean="0">
+                              <a:latin typeface="Cambria Math" panose="02040503050406030204" pitchFamily="18" charset="0"/>
+                            </a:rPr>
+                            <m:t>0.026</m:t>
+                          </m:r>
+                        </m:num>
+                        <m:den>
+                          <m:r>
+                            <a:rPr lang="pt-BR" i="1">
+                              <a:latin typeface="Cambria Math" panose="02040503050406030204" pitchFamily="18" charset="0"/>
+                            </a:rPr>
+                            <m:t>𝑧</m:t>
+                          </m:r>
+                          <m:r>
+                            <a:rPr lang="pt-BR" i="1">
+                              <a:latin typeface="Cambria Math" panose="02040503050406030204" pitchFamily="18" charset="0"/>
+                            </a:rPr>
+                            <m:t>+1.00</m:t>
+                          </m:r>
+                          <m:r>
+                            <a:rPr lang="pt-BR" b="0" i="1" smtClean="0">
+                              <a:latin typeface="Cambria Math" panose="02040503050406030204" pitchFamily="18" charset="0"/>
+                            </a:rPr>
+                            <m:t>2</m:t>
+                          </m:r>
+                        </m:den>
+                      </m:f>
+                    </m:oMath>
+                  </m:oMathPara>
+                </a14:m>
+                <a:endParaRPr lang="pt-BR" b="0" dirty="0" smtClean="0"/>
+              </a:p>
+            </p:txBody>
+          </p:sp>
+        </mc:Choice>
+        <mc:Fallback>
+          <p:sp>
+            <p:nvSpPr>
+              <p:cNvPr id="22" name="CaixaDeTexto 21"/>
+              <p:cNvSpPr txBox="1">
+                <a:spLocks noRot="1" noChangeAspect="1" noMove="1" noResize="1" noEditPoints="1" noAdjustHandles="1" noChangeArrowheads="1" noChangeShapeType="1" noTextEdit="1"/>
+              </p:cNvSpPr>
+              <p:nvPr/>
+            </p:nvSpPr>
+            <p:spPr>
+              <a:xfrm>
+                <a:off x="5076056" y="1772816"/>
+                <a:ext cx="2134110" cy="525016"/>
+              </a:xfrm>
+              <a:prstGeom prst="rect">
+                <a:avLst/>
+              </a:prstGeom>
+              <a:blipFill rotWithShape="0">
+                <a:blip r:embed="rId4"/>
+                <a:stretch>
+                  <a:fillRect/>
+                </a:stretch>
+              </a:blipFill>
+            </p:spPr>
+            <p:txBody>
+              <a:bodyPr/>
+              <a:lstStyle/>
+              <a:p>
+                <a:r>
+                  <a:rPr lang="en-US">
+                    <a:noFill/>
+                  </a:rPr>
+                  <a:t> </a:t>
+                </a:r>
+              </a:p>
+            </p:txBody>
+          </p:sp>
+        </mc:Fallback>
+      </mc:AlternateContent>
+      <mc:AlternateContent xmlns:mc="http://schemas.openxmlformats.org/markup-compatibility/2006">
+        <mc:Choice xmlns:a14="http://schemas.microsoft.com/office/drawing/2010/main" Requires="a14">
+          <p:sp>
+            <p:nvSpPr>
+              <p:cNvPr id="23" name="CaixaDeTexto 22"/>
+              <p:cNvSpPr txBox="1"/>
+              <p:nvPr/>
+            </p:nvSpPr>
+            <p:spPr>
+              <a:xfrm>
+                <a:off x="5076056" y="2409885"/>
+                <a:ext cx="3967946" cy="560410"/>
+              </a:xfrm>
+              <a:prstGeom prst="rect">
+                <a:avLst/>
+              </a:prstGeom>
+              <a:noFill/>
+            </p:spPr>
+            <p:txBody>
+              <a:bodyPr wrap="none" lIns="0" tIns="0" rIns="0" bIns="0" rtlCol="0">
+                <a:spAutoFit/>
+              </a:bodyPr>
+              <a:lstStyle/>
+              <a:p>
+                <a14:m>
+                  <m:oMathPara xmlns:m="http://schemas.openxmlformats.org/officeDocument/2006/math">
+                    <m:oMathParaPr>
+                      <m:jc m:val="centerGroup"/>
+                    </m:oMathParaPr>
+                    <m:oMath xmlns:m="http://schemas.openxmlformats.org/officeDocument/2006/math">
+                      <m:d>
+                        <m:dPr>
+                          <m:ctrlPr>
+                            <a:rPr lang="pt-BR" b="0" i="1" smtClean="0">
+                              <a:latin typeface="Cambria Math" panose="02040503050406030204" pitchFamily="18" charset="0"/>
+                            </a:rPr>
+                          </m:ctrlPr>
+                        </m:dPr>
+                        <m:e>
+                          <m:r>
+                            <a:rPr lang="pt-BR" b="0" i="1" smtClean="0">
+                              <a:latin typeface="Cambria Math" panose="02040503050406030204" pitchFamily="18" charset="0"/>
+                            </a:rPr>
+                            <m:t>2</m:t>
+                          </m:r>
+                        </m:e>
+                      </m:d>
+                      <m:r>
+                        <a:rPr lang="pt-BR" b="0" i="1" smtClean="0">
+                          <a:latin typeface="Cambria Math" panose="02040503050406030204" pitchFamily="18" charset="0"/>
+                        </a:rPr>
+                        <m:t>𝐶</m:t>
+                      </m:r>
+                      <m:d>
+                        <m:dPr>
+                          <m:ctrlPr>
+                            <a:rPr lang="pt-BR" b="0" i="1" smtClean="0">
+                              <a:latin typeface="Cambria Math" panose="02040503050406030204" pitchFamily="18" charset="0"/>
+                            </a:rPr>
+                          </m:ctrlPr>
+                        </m:dPr>
+                        <m:e>
+                          <m:r>
+                            <a:rPr lang="pt-BR" b="0" i="1" smtClean="0">
+                              <a:latin typeface="Cambria Math" panose="02040503050406030204" pitchFamily="18" charset="0"/>
+                            </a:rPr>
+                            <m:t>𝑧</m:t>
+                          </m:r>
+                        </m:e>
+                      </m:d>
+                      <m:r>
+                        <a:rPr lang="pt-BR" b="0" i="1" smtClean="0">
+                          <a:latin typeface="Cambria Math" panose="02040503050406030204" pitchFamily="18" charset="0"/>
+                        </a:rPr>
+                        <m:t>=</m:t>
+                      </m:r>
+                      <m:f>
+                        <m:fPr>
+                          <m:ctrlPr>
+                            <a:rPr lang="pt-BR" b="0" i="1" smtClean="0">
+                              <a:latin typeface="Cambria Math" panose="02040503050406030204" pitchFamily="18" charset="0"/>
+                            </a:rPr>
+                          </m:ctrlPr>
+                        </m:fPr>
+                        <m:num>
+                          <m:r>
+                            <a:rPr lang="pt-BR" b="0" i="1" smtClean="0">
+                              <a:latin typeface="Cambria Math" panose="02040503050406030204" pitchFamily="18" charset="0"/>
+                            </a:rPr>
+                            <m:t>12.402</m:t>
+                          </m:r>
+                          <m:sSup>
+                            <m:sSupPr>
+                              <m:ctrlPr>
+                                <a:rPr lang="pt-BR" b="0" i="1" smtClean="0">
+                                  <a:latin typeface="Cambria Math" panose="02040503050406030204" pitchFamily="18" charset="0"/>
+                                </a:rPr>
+                              </m:ctrlPr>
+                            </m:sSupPr>
+                            <m:e>
+                              <m:r>
+                                <a:rPr lang="pt-BR" b="0" i="1" smtClean="0">
+                                  <a:latin typeface="Cambria Math" panose="02040503050406030204" pitchFamily="18" charset="0"/>
+                                </a:rPr>
+                                <m:t>𝑧</m:t>
+                              </m:r>
+                            </m:e>
+                            <m:sup>
+                              <m:r>
+                                <a:rPr lang="pt-BR" b="0" i="1" smtClean="0">
+                                  <a:latin typeface="Cambria Math" panose="02040503050406030204" pitchFamily="18" charset="0"/>
+                                </a:rPr>
+                                <m:t>2</m:t>
+                              </m:r>
+                            </m:sup>
+                          </m:sSup>
+                          <m:r>
+                            <a:rPr lang="pt-BR" b="0" i="1" smtClean="0">
+                              <a:latin typeface="Cambria Math" panose="02040503050406030204" pitchFamily="18" charset="0"/>
+                            </a:rPr>
+                            <m:t>−11.439</m:t>
+                          </m:r>
+                          <m:r>
+                            <a:rPr lang="pt-BR" b="0" i="1" smtClean="0">
+                              <a:latin typeface="Cambria Math" panose="02040503050406030204" pitchFamily="18" charset="0"/>
+                            </a:rPr>
+                            <m:t>𝑧</m:t>
+                          </m:r>
+                          <m:r>
+                            <a:rPr lang="pt-BR" b="0" i="1" smtClean="0">
+                              <a:latin typeface="Cambria Math" panose="02040503050406030204" pitchFamily="18" charset="0"/>
+                            </a:rPr>
+                            <m:t>+0.596</m:t>
+                          </m:r>
+                        </m:num>
+                        <m:den>
+                          <m:r>
+                            <a:rPr lang="pt-BR" i="1" smtClean="0">
+                              <a:latin typeface="Cambria Math" panose="02040503050406030204" pitchFamily="18" charset="0"/>
+                            </a:rPr>
+                            <m:t>4</m:t>
+                          </m:r>
+                          <m:r>
+                            <a:rPr lang="pt-BR" b="0" i="1" smtClean="0">
+                              <a:latin typeface="Cambria Math" panose="02040503050406030204" pitchFamily="18" charset="0"/>
+                            </a:rPr>
+                            <m:t>.003</m:t>
+                          </m:r>
+                          <m:sSup>
+                            <m:sSupPr>
+                              <m:ctrlPr>
+                                <a:rPr lang="pt-BR" i="1">
+                                  <a:latin typeface="Cambria Math" panose="02040503050406030204" pitchFamily="18" charset="0"/>
+                                </a:rPr>
+                              </m:ctrlPr>
+                            </m:sSupPr>
+                            <m:e>
+                              <m:r>
+                                <a:rPr lang="pt-BR" i="1">
+                                  <a:latin typeface="Cambria Math" panose="02040503050406030204" pitchFamily="18" charset="0"/>
+                                </a:rPr>
+                                <m:t>𝑧</m:t>
+                              </m:r>
+                            </m:e>
+                            <m:sup>
+                              <m:r>
+                                <a:rPr lang="pt-BR" i="1">
+                                  <a:latin typeface="Cambria Math" panose="02040503050406030204" pitchFamily="18" charset="0"/>
+                                </a:rPr>
+                                <m:t>2</m:t>
+                              </m:r>
+                            </m:sup>
+                          </m:sSup>
+                          <m:r>
+                            <a:rPr lang="pt-BR" b="0" i="1" smtClean="0">
+                              <a:latin typeface="Cambria Math" panose="02040503050406030204" pitchFamily="18" charset="0"/>
+                            </a:rPr>
+                            <m:t>−</m:t>
+                          </m:r>
+                          <m:r>
+                            <a:rPr lang="pt-BR" i="1" smtClean="0">
+                              <a:latin typeface="Cambria Math" panose="02040503050406030204" pitchFamily="18" charset="0"/>
+                            </a:rPr>
+                            <m:t>0</m:t>
+                          </m:r>
+                          <m:r>
+                            <a:rPr lang="pt-BR" b="0" i="1" smtClean="0">
+                              <a:latin typeface="Cambria Math" panose="02040503050406030204" pitchFamily="18" charset="0"/>
+                            </a:rPr>
+                            <m:t>.287</m:t>
+                          </m:r>
+                          <m:r>
+                            <a:rPr lang="pt-BR" i="1">
+                              <a:latin typeface="Cambria Math" panose="02040503050406030204" pitchFamily="18" charset="0"/>
+                            </a:rPr>
+                            <m:t>𝑧</m:t>
+                          </m:r>
+                          <m:r>
+                            <a:rPr lang="pt-BR" i="1">
+                              <a:latin typeface="Cambria Math" panose="02040503050406030204" pitchFamily="18" charset="0"/>
+                            </a:rPr>
+                            <m:t>+0.01</m:t>
+                          </m:r>
+                          <m:r>
+                            <a:rPr lang="pt-BR" b="0" i="1" smtClean="0">
+                              <a:latin typeface="Cambria Math" panose="02040503050406030204" pitchFamily="18" charset="0"/>
+                            </a:rPr>
+                            <m:t>5</m:t>
+                          </m:r>
+                        </m:den>
+                      </m:f>
+                    </m:oMath>
+                  </m:oMathPara>
+                </a14:m>
+                <a:endParaRPr lang="en-US" dirty="0"/>
+              </a:p>
+            </p:txBody>
+          </p:sp>
+        </mc:Choice>
+        <mc:Fallback>
+          <p:sp>
+            <p:nvSpPr>
+              <p:cNvPr id="23" name="CaixaDeTexto 22"/>
+              <p:cNvSpPr txBox="1">
+                <a:spLocks noRot="1" noChangeAspect="1" noMove="1" noResize="1" noEditPoints="1" noAdjustHandles="1" noChangeArrowheads="1" noChangeShapeType="1" noTextEdit="1"/>
+              </p:cNvSpPr>
+              <p:nvPr/>
+            </p:nvSpPr>
+            <p:spPr>
+              <a:xfrm>
+                <a:off x="5076056" y="2409885"/>
+                <a:ext cx="3967946" cy="560410"/>
+              </a:xfrm>
+              <a:prstGeom prst="rect">
+                <a:avLst/>
+              </a:prstGeom>
+              <a:blipFill rotWithShape="0">
+                <a:blip r:embed="rId5"/>
+                <a:stretch>
+                  <a:fillRect/>
+                </a:stretch>
+              </a:blipFill>
+            </p:spPr>
+            <p:txBody>
+              <a:bodyPr/>
+              <a:lstStyle/>
+              <a:p>
+                <a:r>
+                  <a:rPr lang="en-US">
+                    <a:noFill/>
+                  </a:rPr>
+                  <a:t> </a:t>
+                </a:r>
+              </a:p>
+            </p:txBody>
+          </p:sp>
+        </mc:Fallback>
+      </mc:AlternateContent>
+      <mc:AlternateContent xmlns:mc="http://schemas.openxmlformats.org/markup-compatibility/2006">
+        <mc:Choice xmlns:a14="http://schemas.microsoft.com/office/drawing/2010/main" Requires="a14">
+          <p:sp>
+            <p:nvSpPr>
+              <p:cNvPr id="30" name="CaixaDeTexto 29"/>
+              <p:cNvSpPr txBox="1"/>
+              <p:nvPr/>
+            </p:nvSpPr>
+            <p:spPr>
+              <a:xfrm>
+                <a:off x="5068550" y="3068960"/>
+                <a:ext cx="3839705" cy="560410"/>
+              </a:xfrm>
+              <a:prstGeom prst="rect">
+                <a:avLst/>
+              </a:prstGeom>
+              <a:noFill/>
+            </p:spPr>
+            <p:txBody>
+              <a:bodyPr wrap="none" lIns="0" tIns="0" rIns="0" bIns="0" rtlCol="0">
+                <a:spAutoFit/>
+              </a:bodyPr>
+              <a:lstStyle/>
+              <a:p>
+                <a14:m>
+                  <m:oMathPara xmlns:m="http://schemas.openxmlformats.org/officeDocument/2006/math">
+                    <m:oMathParaPr>
+                      <m:jc m:val="centerGroup"/>
+                    </m:oMathParaPr>
+                    <m:oMath xmlns:m="http://schemas.openxmlformats.org/officeDocument/2006/math">
+                      <m:d>
+                        <m:dPr>
+                          <m:ctrlPr>
+                            <a:rPr lang="pt-BR" b="0" i="1" smtClean="0">
+                              <a:latin typeface="Cambria Math" panose="02040503050406030204" pitchFamily="18" charset="0"/>
+                            </a:rPr>
+                          </m:ctrlPr>
+                        </m:dPr>
+                        <m:e>
+                          <m:r>
+                            <a:rPr lang="pt-BR" b="0" i="1" smtClean="0">
+                              <a:latin typeface="Cambria Math" panose="02040503050406030204" pitchFamily="18" charset="0"/>
+                            </a:rPr>
+                            <m:t>3</m:t>
+                          </m:r>
+                        </m:e>
+                      </m:d>
+                      <m:r>
+                        <a:rPr lang="pt-BR" b="0" i="1" smtClean="0">
+                          <a:latin typeface="Cambria Math" panose="02040503050406030204" pitchFamily="18" charset="0"/>
+                        </a:rPr>
+                        <m:t>𝐶</m:t>
+                      </m:r>
+                      <m:d>
+                        <m:dPr>
+                          <m:ctrlPr>
+                            <a:rPr lang="pt-BR" b="0" i="1" smtClean="0">
+                              <a:latin typeface="Cambria Math" panose="02040503050406030204" pitchFamily="18" charset="0"/>
+                            </a:rPr>
+                          </m:ctrlPr>
+                        </m:dPr>
+                        <m:e>
+                          <m:r>
+                            <a:rPr lang="pt-BR" b="0" i="1" smtClean="0">
+                              <a:latin typeface="Cambria Math" panose="02040503050406030204" pitchFamily="18" charset="0"/>
+                            </a:rPr>
+                            <m:t>𝑧</m:t>
+                          </m:r>
+                        </m:e>
+                      </m:d>
+                      <m:r>
+                        <a:rPr lang="pt-BR" b="0" i="1" smtClean="0">
+                          <a:latin typeface="Cambria Math" panose="02040503050406030204" pitchFamily="18" charset="0"/>
+                        </a:rPr>
+                        <m:t>=</m:t>
+                      </m:r>
+                      <m:f>
+                        <m:fPr>
+                          <m:ctrlPr>
+                            <a:rPr lang="pt-BR" b="0" i="1" smtClean="0">
+                              <a:latin typeface="Cambria Math" panose="02040503050406030204" pitchFamily="18" charset="0"/>
+                            </a:rPr>
+                          </m:ctrlPr>
+                        </m:fPr>
+                        <m:num>
+                          <m:r>
+                            <a:rPr lang="pt-BR" b="0" i="1" smtClean="0">
+                              <a:latin typeface="Cambria Math" panose="02040503050406030204" pitchFamily="18" charset="0"/>
+                            </a:rPr>
+                            <m:t>11.305</m:t>
+                          </m:r>
+                          <m:sSup>
+                            <m:sSupPr>
+                              <m:ctrlPr>
+                                <a:rPr lang="pt-BR" b="0" i="1" smtClean="0">
+                                  <a:latin typeface="Cambria Math" panose="02040503050406030204" pitchFamily="18" charset="0"/>
+                                </a:rPr>
+                              </m:ctrlPr>
+                            </m:sSupPr>
+                            <m:e>
+                              <m:r>
+                                <a:rPr lang="pt-BR" b="0" i="1" smtClean="0">
+                                  <a:latin typeface="Cambria Math" panose="02040503050406030204" pitchFamily="18" charset="0"/>
+                                </a:rPr>
+                                <m:t>𝑧</m:t>
+                              </m:r>
+                            </m:e>
+                            <m:sup>
+                              <m:r>
+                                <a:rPr lang="pt-BR" b="0" i="1" smtClean="0">
+                                  <a:latin typeface="Cambria Math" panose="02040503050406030204" pitchFamily="18" charset="0"/>
+                                </a:rPr>
+                                <m:t>2</m:t>
+                              </m:r>
+                            </m:sup>
+                          </m:sSup>
+                          <m:r>
+                            <a:rPr lang="pt-BR" b="0" i="1" smtClean="0">
+                              <a:latin typeface="Cambria Math" panose="02040503050406030204" pitchFamily="18" charset="0"/>
+                            </a:rPr>
+                            <m:t>+5.864</m:t>
+                          </m:r>
+                          <m:r>
+                            <a:rPr lang="pt-BR" b="0" i="1" smtClean="0">
+                              <a:latin typeface="Cambria Math" panose="02040503050406030204" pitchFamily="18" charset="0"/>
+                            </a:rPr>
+                            <m:t>𝑧</m:t>
+                          </m:r>
+                          <m:r>
+                            <a:rPr lang="pt-BR" b="0" i="1" smtClean="0">
+                              <a:latin typeface="Cambria Math" panose="02040503050406030204" pitchFamily="18" charset="0"/>
+                            </a:rPr>
+                            <m:t>+4.901</m:t>
+                          </m:r>
+                        </m:num>
+                        <m:den>
+                          <m:r>
+                            <a:rPr lang="pt-BR" b="0" i="1" smtClean="0">
+                              <a:latin typeface="Cambria Math" panose="02040503050406030204" pitchFamily="18" charset="0"/>
+                            </a:rPr>
+                            <m:t>1</m:t>
+                          </m:r>
+                          <m:r>
+                            <a:rPr lang="pt-BR" b="0" i="1" smtClean="0">
+                              <a:latin typeface="Cambria Math" panose="02040503050406030204" pitchFamily="18" charset="0"/>
+                            </a:rPr>
+                            <m:t>.097</m:t>
+                          </m:r>
+                          <m:sSup>
+                            <m:sSupPr>
+                              <m:ctrlPr>
+                                <a:rPr lang="pt-BR" i="1">
+                                  <a:latin typeface="Cambria Math" panose="02040503050406030204" pitchFamily="18" charset="0"/>
+                                </a:rPr>
+                              </m:ctrlPr>
+                            </m:sSupPr>
+                            <m:e>
+                              <m:r>
+                                <a:rPr lang="pt-BR" i="1">
+                                  <a:latin typeface="Cambria Math" panose="02040503050406030204" pitchFamily="18" charset="0"/>
+                                </a:rPr>
+                                <m:t>𝑧</m:t>
+                              </m:r>
+                            </m:e>
+                            <m:sup>
+                              <m:r>
+                                <a:rPr lang="pt-BR" i="1">
+                                  <a:latin typeface="Cambria Math" panose="02040503050406030204" pitchFamily="18" charset="0"/>
+                                </a:rPr>
+                                <m:t>2</m:t>
+                              </m:r>
+                            </m:sup>
+                          </m:sSup>
+                          <m:r>
+                            <a:rPr lang="pt-BR" b="0" i="1" smtClean="0">
+                              <a:latin typeface="Cambria Math" panose="02040503050406030204" pitchFamily="18" charset="0"/>
+                            </a:rPr>
+                            <m:t>+</m:t>
+                          </m:r>
+                          <m:r>
+                            <a:rPr lang="pt-BR" i="1" smtClean="0">
+                              <a:latin typeface="Cambria Math" panose="02040503050406030204" pitchFamily="18" charset="0"/>
+                            </a:rPr>
+                            <m:t>0</m:t>
+                          </m:r>
+                          <m:r>
+                            <a:rPr lang="pt-BR" b="0" i="1" smtClean="0">
+                              <a:latin typeface="Cambria Math" panose="02040503050406030204" pitchFamily="18" charset="0"/>
+                            </a:rPr>
+                            <m:t>.063</m:t>
+                          </m:r>
+                          <m:r>
+                            <a:rPr lang="pt-BR" i="1">
+                              <a:latin typeface="Cambria Math" panose="02040503050406030204" pitchFamily="18" charset="0"/>
+                            </a:rPr>
+                            <m:t>𝑧</m:t>
+                          </m:r>
+                          <m:r>
+                            <a:rPr lang="pt-BR" i="1">
+                              <a:latin typeface="Cambria Math" panose="02040503050406030204" pitchFamily="18" charset="0"/>
+                            </a:rPr>
+                            <m:t>+0.12</m:t>
+                          </m:r>
+                          <m:r>
+                            <a:rPr lang="pt-BR" b="0" i="1" smtClean="0">
+                              <a:latin typeface="Cambria Math" panose="02040503050406030204" pitchFamily="18" charset="0"/>
+                            </a:rPr>
+                            <m:t>8</m:t>
+                          </m:r>
+                        </m:den>
+                      </m:f>
+                    </m:oMath>
+                  </m:oMathPara>
+                </a14:m>
+                <a:endParaRPr lang="en-US" dirty="0"/>
+              </a:p>
+            </p:txBody>
+          </p:sp>
+        </mc:Choice>
+        <mc:Fallback>
+          <p:sp>
+            <p:nvSpPr>
+              <p:cNvPr id="30" name="CaixaDeTexto 29"/>
+              <p:cNvSpPr txBox="1">
+                <a:spLocks noRot="1" noChangeAspect="1" noMove="1" noResize="1" noEditPoints="1" noAdjustHandles="1" noChangeArrowheads="1" noChangeShapeType="1" noTextEdit="1"/>
+              </p:cNvSpPr>
+              <p:nvPr/>
+            </p:nvSpPr>
+            <p:spPr>
+              <a:xfrm>
+                <a:off x="5068550" y="3068960"/>
+                <a:ext cx="3839705" cy="560410"/>
+              </a:xfrm>
+              <a:prstGeom prst="rect">
+                <a:avLst/>
+              </a:prstGeom>
+              <a:blipFill rotWithShape="0">
+                <a:blip r:embed="rId6"/>
+                <a:stretch>
+                  <a:fillRect/>
+                </a:stretch>
+              </a:blipFill>
+            </p:spPr>
+            <p:txBody>
+              <a:bodyPr/>
+              <a:lstStyle/>
+              <a:p>
+                <a:r>
+                  <a:rPr lang="en-US">
+                    <a:noFill/>
+                  </a:rPr>
+                  <a:t> </a:t>
+                </a:r>
+              </a:p>
+            </p:txBody>
+          </p:sp>
+        </mc:Fallback>
+      </mc:AlternateContent>
     </p:spTree>
     <p:extLst>
       <p:ext uri="{BB962C8B-B14F-4D97-AF65-F5344CB8AC3E}">
@@ -8111,9 +9213,309 @@
   <p:timing>
     <p:tnLst>
       <p:par>
-        <p:cTn id="1" dur="indefinite" restart="never" nodeType="tmRoot"/>
+        <p:cTn id="1" dur="indefinite" restart="never" nodeType="tmRoot">
+          <p:childTnLst>
+            <p:seq concurrent="1" nextAc="seek">
+              <p:cTn id="2" dur="indefinite" nodeType="mainSeq">
+                <p:childTnLst>
+                  <p:par>
+                    <p:cTn id="3" fill="hold">
+                      <p:stCondLst>
+                        <p:cond delay="indefinite"/>
+                      </p:stCondLst>
+                      <p:childTnLst>
+                        <p:par>
+                          <p:cTn id="4" fill="hold">
+                            <p:stCondLst>
+                              <p:cond delay="0"/>
+                            </p:stCondLst>
+                            <p:childTnLst>
+                              <p:par>
+                                <p:cTn id="5" presetID="1" presetClass="entr" presetSubtype="0" fill="hold" nodeType="clickEffect">
+                                  <p:stCondLst>
+                                    <p:cond delay="0"/>
+                                  </p:stCondLst>
+                                  <p:childTnLst>
+                                    <p:set>
+                                      <p:cBhvr>
+                                        <p:cTn id="6" dur="1" fill="hold">
+                                          <p:stCondLst>
+                                            <p:cond delay="0"/>
+                                          </p:stCondLst>
+                                        </p:cTn>
+                                        <p:tgtEl>
+                                          <p:spTgt spid="7"/>
+                                        </p:tgtEl>
+                                        <p:attrNameLst>
+                                          <p:attrName>style.visibility</p:attrName>
+                                        </p:attrNameLst>
+                                      </p:cBhvr>
+                                      <p:to>
+                                        <p:strVal val="visible"/>
+                                      </p:to>
+                                    </p:set>
+                                  </p:childTnLst>
+                                </p:cTn>
+                              </p:par>
+                            </p:childTnLst>
+                          </p:cTn>
+                        </p:par>
+                      </p:childTnLst>
+                    </p:cTn>
+                  </p:par>
+                  <p:par>
+                    <p:cTn id="7" fill="hold">
+                      <p:stCondLst>
+                        <p:cond delay="indefinite"/>
+                      </p:stCondLst>
+                      <p:childTnLst>
+                        <p:par>
+                          <p:cTn id="8" fill="hold">
+                            <p:stCondLst>
+                              <p:cond delay="0"/>
+                            </p:stCondLst>
+                            <p:childTnLst>
+                              <p:par>
+                                <p:cTn id="9" presetID="1" presetClass="entr" presetSubtype="0" fill="hold" grpId="0" nodeType="clickEffect">
+                                  <p:stCondLst>
+                                    <p:cond delay="0"/>
+                                  </p:stCondLst>
+                                  <p:childTnLst>
+                                    <p:set>
+                                      <p:cBhvr>
+                                        <p:cTn id="10" dur="1" fill="hold">
+                                          <p:stCondLst>
+                                            <p:cond delay="0"/>
+                                          </p:stCondLst>
+                                        </p:cTn>
+                                        <p:tgtEl>
+                                          <p:spTgt spid="3"/>
+                                        </p:tgtEl>
+                                        <p:attrNameLst>
+                                          <p:attrName>style.visibility</p:attrName>
+                                        </p:attrNameLst>
+                                      </p:cBhvr>
+                                      <p:to>
+                                        <p:strVal val="visible"/>
+                                      </p:to>
+                                    </p:set>
+                                  </p:childTnLst>
+                                </p:cTn>
+                              </p:par>
+                            </p:childTnLst>
+                          </p:cTn>
+                        </p:par>
+                      </p:childTnLst>
+                    </p:cTn>
+                  </p:par>
+                  <p:par>
+                    <p:cTn id="11" fill="hold">
+                      <p:stCondLst>
+                        <p:cond delay="indefinite"/>
+                      </p:stCondLst>
+                      <p:childTnLst>
+                        <p:par>
+                          <p:cTn id="12" fill="hold">
+                            <p:stCondLst>
+                              <p:cond delay="0"/>
+                            </p:stCondLst>
+                            <p:childTnLst>
+                              <p:par>
+                                <p:cTn id="13" presetID="1" presetClass="entr" presetSubtype="0" fill="hold" grpId="0" nodeType="clickEffect">
+                                  <p:stCondLst>
+                                    <p:cond delay="0"/>
+                                  </p:stCondLst>
+                                  <p:childTnLst>
+                                    <p:set>
+                                      <p:cBhvr>
+                                        <p:cTn id="14" dur="1" fill="hold">
+                                          <p:stCondLst>
+                                            <p:cond delay="0"/>
+                                          </p:stCondLst>
+                                        </p:cTn>
+                                        <p:tgtEl>
+                                          <p:spTgt spid="4"/>
+                                        </p:tgtEl>
+                                        <p:attrNameLst>
+                                          <p:attrName>style.visibility</p:attrName>
+                                        </p:attrNameLst>
+                                      </p:cBhvr>
+                                      <p:to>
+                                        <p:strVal val="visible"/>
+                                      </p:to>
+                                    </p:set>
+                                  </p:childTnLst>
+                                </p:cTn>
+                              </p:par>
+                            </p:childTnLst>
+                          </p:cTn>
+                        </p:par>
+                      </p:childTnLst>
+                    </p:cTn>
+                  </p:par>
+                  <p:par>
+                    <p:cTn id="15" fill="hold">
+                      <p:stCondLst>
+                        <p:cond delay="indefinite"/>
+                      </p:stCondLst>
+                      <p:childTnLst>
+                        <p:par>
+                          <p:cTn id="16" fill="hold">
+                            <p:stCondLst>
+                              <p:cond delay="0"/>
+                            </p:stCondLst>
+                            <p:childTnLst>
+                              <p:par>
+                                <p:cTn id="17" presetID="1" presetClass="entr" presetSubtype="0" fill="hold" grpId="0" nodeType="clickEffect">
+                                  <p:stCondLst>
+                                    <p:cond delay="0"/>
+                                  </p:stCondLst>
+                                  <p:childTnLst>
+                                    <p:set>
+                                      <p:cBhvr>
+                                        <p:cTn id="18" dur="1" fill="hold">
+                                          <p:stCondLst>
+                                            <p:cond delay="0"/>
+                                          </p:stCondLst>
+                                        </p:cTn>
+                                        <p:tgtEl>
+                                          <p:spTgt spid="22"/>
+                                        </p:tgtEl>
+                                        <p:attrNameLst>
+                                          <p:attrName>style.visibility</p:attrName>
+                                        </p:attrNameLst>
+                                      </p:cBhvr>
+                                      <p:to>
+                                        <p:strVal val="visible"/>
+                                      </p:to>
+                                    </p:set>
+                                  </p:childTnLst>
+                                </p:cTn>
+                              </p:par>
+                            </p:childTnLst>
+                          </p:cTn>
+                        </p:par>
+                      </p:childTnLst>
+                    </p:cTn>
+                  </p:par>
+                  <p:par>
+                    <p:cTn id="19" fill="hold">
+                      <p:stCondLst>
+                        <p:cond delay="indefinite"/>
+                      </p:stCondLst>
+                      <p:childTnLst>
+                        <p:par>
+                          <p:cTn id="20" fill="hold">
+                            <p:stCondLst>
+                              <p:cond delay="0"/>
+                            </p:stCondLst>
+                            <p:childTnLst>
+                              <p:par>
+                                <p:cTn id="21" presetID="1" presetClass="entr" presetSubtype="0" fill="hold" grpId="0" nodeType="clickEffect">
+                                  <p:stCondLst>
+                                    <p:cond delay="0"/>
+                                  </p:stCondLst>
+                                  <p:childTnLst>
+                                    <p:set>
+                                      <p:cBhvr>
+                                        <p:cTn id="22" dur="1" fill="hold">
+                                          <p:stCondLst>
+                                            <p:cond delay="0"/>
+                                          </p:stCondLst>
+                                        </p:cTn>
+                                        <p:tgtEl>
+                                          <p:spTgt spid="23"/>
+                                        </p:tgtEl>
+                                        <p:attrNameLst>
+                                          <p:attrName>style.visibility</p:attrName>
+                                        </p:attrNameLst>
+                                      </p:cBhvr>
+                                      <p:to>
+                                        <p:strVal val="visible"/>
+                                      </p:to>
+                                    </p:set>
+                                  </p:childTnLst>
+                                </p:cTn>
+                              </p:par>
+                            </p:childTnLst>
+                          </p:cTn>
+                        </p:par>
+                      </p:childTnLst>
+                    </p:cTn>
+                  </p:par>
+                  <p:par>
+                    <p:cTn id="23" fill="hold">
+                      <p:stCondLst>
+                        <p:cond delay="indefinite"/>
+                      </p:stCondLst>
+                      <p:childTnLst>
+                        <p:par>
+                          <p:cTn id="24" fill="hold">
+                            <p:stCondLst>
+                              <p:cond delay="0"/>
+                            </p:stCondLst>
+                            <p:childTnLst>
+                              <p:par>
+                                <p:cTn id="25" presetID="1" presetClass="entr" presetSubtype="0" fill="hold" grpId="0" nodeType="clickEffect">
+                                  <p:stCondLst>
+                                    <p:cond delay="0"/>
+                                  </p:stCondLst>
+                                  <p:childTnLst>
+                                    <p:set>
+                                      <p:cBhvr>
+                                        <p:cTn id="26" dur="1" fill="hold">
+                                          <p:stCondLst>
+                                            <p:cond delay="0"/>
+                                          </p:stCondLst>
+                                        </p:cTn>
+                                        <p:tgtEl>
+                                          <p:spTgt spid="30"/>
+                                        </p:tgtEl>
+                                        <p:attrNameLst>
+                                          <p:attrName>style.visibility</p:attrName>
+                                        </p:attrNameLst>
+                                      </p:cBhvr>
+                                      <p:to>
+                                        <p:strVal val="visible"/>
+                                      </p:to>
+                                    </p:set>
+                                  </p:childTnLst>
+                                </p:cTn>
+                              </p:par>
+                            </p:childTnLst>
+                          </p:cTn>
+                        </p:par>
+                      </p:childTnLst>
+                    </p:cTn>
+                  </p:par>
+                </p:childTnLst>
+              </p:cTn>
+              <p:prevCondLst>
+                <p:cond evt="onPrev" delay="0">
+                  <p:tgtEl>
+                    <p:sldTgt/>
+                  </p:tgtEl>
+                </p:cond>
+              </p:prevCondLst>
+              <p:nextCondLst>
+                <p:cond evt="onNext" delay="0">
+                  <p:tgtEl>
+                    <p:sldTgt/>
+                  </p:tgtEl>
+                </p:cond>
+              </p:nextCondLst>
+            </p:seq>
+          </p:childTnLst>
+        </p:cTn>
       </p:par>
     </p:tnLst>
+    <p:bldLst>
+      <p:bldP spid="3" grpId="0"/>
+      <p:bldP spid="4" grpId="0"/>
+      <p:bldP spid="22" grpId="0"/>
+      <p:bldP spid="23" grpId="0"/>
+      <p:bldP spid="30" grpId="0"/>
+    </p:bldLst>
   </p:timing>
 </p:sld>
 </file>

--- a/slides/project_taster_session.pptx
+++ b/slides/project_taster_session.pptx
@@ -5856,8 +5856,8 @@
         </p:nvSpPr>
         <p:spPr>
           <a:xfrm>
-            <a:off x="457200" y="2000520"/>
-            <a:ext cx="8229240" cy="3977280"/>
+            <a:off x="261551" y="1275589"/>
+            <a:ext cx="8470557" cy="3977280"/>
           </a:xfrm>
           <a:prstGeom prst="rect">
             <a:avLst/>
@@ -5872,6 +5872,12 @@
           <a:lstStyle/>
           <a:p>
             <a:pPr marL="432000" indent="-324000">
+              <a:spcBef>
+                <a:spcPts val="600"/>
+              </a:spcBef>
+              <a:spcAft>
+                <a:spcPts val="600"/>
+              </a:spcAft>
               <a:buClr>
                 <a:srgbClr val="000000"/>
               </a:buClr>
@@ -5891,11 +5897,84 @@
                 </a:uFill>
                 <a:latin typeface="+mj-lt"/>
               </a:rPr>
-              <a:t>Its goal is to provide computers with the ability to automatically learn a behavior that provably satisfies a given high-level specification. </a:t>
+              <a:t>Its goal is to provide computers with the ability to automatically </a:t>
             </a:r>
+            <a:r>
+              <a:rPr lang="en-US" sz="2800" b="1" strike="noStrike" spc="-1" dirty="0">
+                <a:solidFill>
+                  <a:srgbClr val="000000"/>
+                </a:solidFill>
+                <a:uFill>
+                  <a:solidFill>
+                    <a:srgbClr val="FFFFFF"/>
+                  </a:solidFill>
+                </a:uFill>
+                <a:latin typeface="+mj-lt"/>
+              </a:rPr>
+              <a:t>learn a behavior </a:t>
+            </a:r>
+            <a:r>
+              <a:rPr lang="en-US" sz="2800" b="0" strike="noStrike" spc="-1" dirty="0">
+                <a:solidFill>
+                  <a:srgbClr val="000000"/>
+                </a:solidFill>
+                <a:uFill>
+                  <a:solidFill>
+                    <a:srgbClr val="FFFFFF"/>
+                  </a:solidFill>
+                </a:uFill>
+                <a:latin typeface="+mj-lt"/>
+              </a:rPr>
+              <a:t>that provably satisfies a given </a:t>
+            </a:r>
+            <a:r>
+              <a:rPr lang="en-US" sz="2800" b="1" strike="noStrike" spc="-1" dirty="0">
+                <a:solidFill>
+                  <a:srgbClr val="000000"/>
+                </a:solidFill>
+                <a:uFill>
+                  <a:solidFill>
+                    <a:srgbClr val="FFFFFF"/>
+                  </a:solidFill>
+                </a:uFill>
+                <a:latin typeface="+mj-lt"/>
+              </a:rPr>
+              <a:t>high-level </a:t>
+            </a:r>
+            <a:r>
+              <a:rPr lang="en-US" sz="2800" b="1" strike="noStrike" spc="-1" dirty="0" smtClean="0">
+                <a:solidFill>
+                  <a:srgbClr val="000000"/>
+                </a:solidFill>
+                <a:uFill>
+                  <a:solidFill>
+                    <a:srgbClr val="FFFFFF"/>
+                  </a:solidFill>
+                </a:uFill>
+                <a:latin typeface="+mj-lt"/>
+              </a:rPr>
+              <a:t>specification</a:t>
+            </a:r>
+            <a:endParaRPr lang="en-US" sz="2800" b="1" strike="noStrike" spc="-1" dirty="0">
+              <a:solidFill>
+                <a:srgbClr val="000000"/>
+              </a:solidFill>
+              <a:uFill>
+                <a:solidFill>
+                  <a:srgbClr val="FFFFFF"/>
+                </a:solidFill>
+              </a:uFill>
+              <a:latin typeface="+mj-lt"/>
+            </a:endParaRPr>
           </a:p>
           <a:p>
             <a:pPr marL="432000" indent="-324000">
+              <a:spcBef>
+                <a:spcPts val="600"/>
+              </a:spcBef>
+              <a:spcAft>
+                <a:spcPts val="600"/>
+              </a:spcAft>
               <a:buClr>
                 <a:srgbClr val="000000"/>
               </a:buClr>
@@ -5943,7 +6022,63 @@
                 </a:uFill>
                 <a:latin typeface="+mj-lt"/>
               </a:rPr>
-              <a:t> from incomplete specifications (e.g. examples), deductive machine learning starts with a complete problem description and develops a </a:t>
+              <a:t> from incomplete </a:t>
+            </a:r>
+            <a:r>
+              <a:rPr lang="en-US" sz="2800" b="0" strike="noStrike" spc="-1" dirty="0" smtClean="0">
+                <a:solidFill>
+                  <a:srgbClr val="000000"/>
+                </a:solidFill>
+                <a:uFill>
+                  <a:solidFill>
+                    <a:srgbClr val="FFFFFF"/>
+                  </a:solidFill>
+                </a:uFill>
+                <a:latin typeface="+mj-lt"/>
+              </a:rPr>
+              <a:t>specifications, </a:t>
+            </a:r>
+            <a:r>
+              <a:rPr lang="en-US" sz="2800" b="0" strike="noStrike" spc="-1" dirty="0">
+                <a:solidFill>
+                  <a:srgbClr val="000000"/>
+                </a:solidFill>
+                <a:uFill>
+                  <a:solidFill>
+                    <a:srgbClr val="FFFFFF"/>
+                  </a:solidFill>
+                </a:uFill>
+                <a:latin typeface="+mj-lt"/>
+              </a:rPr>
+              <a:t>deductive machine learning starts with a </a:t>
+            </a:r>
+            <a:r>
+              <a:rPr lang="en-US" sz="2800" b="1" strike="noStrike" spc="-1" dirty="0">
+                <a:solidFill>
+                  <a:srgbClr val="000000"/>
+                </a:solidFill>
+                <a:uFill>
+                  <a:solidFill>
+                    <a:srgbClr val="FFFFFF"/>
+                  </a:solidFill>
+                </a:uFill>
+                <a:latin typeface="+mj-lt"/>
+              </a:rPr>
+              <a:t>complete problem description</a:t>
+            </a:r>
+            <a:r>
+              <a:rPr lang="en-US" sz="2800" b="0" strike="noStrike" spc="-1" dirty="0">
+                <a:solidFill>
+                  <a:srgbClr val="000000"/>
+                </a:solidFill>
+                <a:uFill>
+                  <a:solidFill>
+                    <a:srgbClr val="FFFFFF"/>
+                  </a:solidFill>
+                </a:uFill>
+                <a:latin typeface="+mj-lt"/>
+              </a:rPr>
+              <a:t> and develops a </a:t>
             </a:r>
             <a:r>
               <a:rPr lang="en-US" sz="2800" b="0" strike="noStrike" spc="-1" dirty="0" err="1">
@@ -5971,8 +6106,33 @@
                 </a:uFill>
                 <a:latin typeface="+mj-lt"/>
               </a:rPr>
-              <a:t> as a particular solution.</a:t>
+              <a:t> as a particular </a:t>
             </a:r>
+            <a:r>
+              <a:rPr lang="en-US" sz="2800" b="0" strike="noStrike" spc="-1" dirty="0" smtClean="0">
+                <a:solidFill>
+                  <a:srgbClr val="000000"/>
+                </a:solidFill>
+                <a:uFill>
+                  <a:solidFill>
+                    <a:srgbClr val="FFFFFF"/>
+                  </a:solidFill>
+                </a:uFill>
+                <a:latin typeface="+mj-lt"/>
+              </a:rPr>
+              <a:t>solution</a:t>
+            </a:r>
+            <a:endParaRPr lang="en-US" sz="2800" b="0" strike="noStrike" spc="-1" dirty="0">
+              <a:solidFill>
+                <a:srgbClr val="000000"/>
+              </a:solidFill>
+              <a:uFill>
+                <a:solidFill>
+                  <a:srgbClr val="FFFFFF"/>
+                </a:solidFill>
+              </a:uFill>
+              <a:latin typeface="+mj-lt"/>
+            </a:endParaRPr>
           </a:p>
         </p:txBody>
       </p:sp>
@@ -5984,8 +6144,8 @@
         </p:nvSpPr>
         <p:spPr>
           <a:xfrm>
-            <a:off x="228600" y="243000"/>
-            <a:ext cx="8051400" cy="941564"/>
+            <a:off x="261552" y="12336"/>
+            <a:ext cx="8643550" cy="941564"/>
           </a:xfrm>
           <a:prstGeom prst="rect">
             <a:avLst/>
@@ -6016,6 +6176,535 @@
           </a:p>
         </p:txBody>
       </p:sp>
+      <p:grpSp>
+        <p:nvGrpSpPr>
+          <p:cNvPr id="19" name="Grupo 18"/>
+          <p:cNvGrpSpPr/>
+          <p:nvPr/>
+        </p:nvGrpSpPr>
+        <p:grpSpPr>
+          <a:xfrm>
+            <a:off x="3174296" y="4736754"/>
+            <a:ext cx="5640190" cy="1762897"/>
+            <a:chOff x="3174296" y="4736754"/>
+            <a:chExt cx="5640190" cy="1762897"/>
+          </a:xfrm>
+        </p:grpSpPr>
+        <p:cxnSp>
+          <p:nvCxnSpPr>
+            <p:cNvPr id="3" name="Conector reto 2"/>
+            <p:cNvCxnSpPr/>
+            <p:nvPr/>
+          </p:nvCxnSpPr>
+          <p:spPr>
+            <a:xfrm>
+              <a:off x="4629662" y="5609964"/>
+              <a:ext cx="3954162" cy="0"/>
+            </a:xfrm>
+            <a:prstGeom prst="line">
+              <a:avLst/>
+            </a:prstGeom>
+            <a:ln w="12700">
+              <a:prstDash val="dash"/>
+            </a:ln>
+          </p:spPr>
+          <p:style>
+            <a:lnRef idx="1">
+              <a:schemeClr val="accent1"/>
+            </a:lnRef>
+            <a:fillRef idx="0">
+              <a:schemeClr val="accent1"/>
+            </a:fillRef>
+            <a:effectRef idx="0">
+              <a:schemeClr val="accent1"/>
+            </a:effectRef>
+            <a:fontRef idx="minor">
+              <a:schemeClr val="tx1"/>
+            </a:fontRef>
+          </p:style>
+        </p:cxnSp>
+        <p:sp>
+          <p:nvSpPr>
+            <p:cNvPr id="4" name="Retângulo de cantos arredondados 3"/>
+            <p:cNvSpPr/>
+            <p:nvPr/>
+          </p:nvSpPr>
+          <p:spPr>
+            <a:xfrm>
+              <a:off x="5782960" y="4736754"/>
+              <a:ext cx="1713469" cy="444843"/>
+            </a:xfrm>
+            <a:prstGeom prst="roundRect">
+              <a:avLst/>
+            </a:prstGeom>
+          </p:spPr>
+          <p:style>
+            <a:lnRef idx="2">
+              <a:schemeClr val="accent1">
+                <a:shade val="50000"/>
+              </a:schemeClr>
+            </a:lnRef>
+            <a:fillRef idx="1">
+              <a:schemeClr val="accent1"/>
+            </a:fillRef>
+            <a:effectRef idx="0">
+              <a:schemeClr val="accent1"/>
+            </a:effectRef>
+            <a:fontRef idx="minor">
+              <a:schemeClr val="lt1"/>
+            </a:fontRef>
+          </p:style>
+          <p:txBody>
+            <a:bodyPr rtlCol="0" anchor="ctr"/>
+            <a:lstStyle/>
+            <a:p>
+              <a:pPr algn="ctr"/>
+              <a:r>
+                <a:rPr lang="en-US" dirty="0" smtClean="0">
+                  <a:latin typeface="Verdana" panose="020B0604030504040204" pitchFamily="34" charset="0"/>
+                  <a:ea typeface="Verdana" panose="020B0604030504040204" pitchFamily="34" charset="0"/>
+                  <a:cs typeface="Verdana" panose="020B0604030504040204" pitchFamily="34" charset="0"/>
+                </a:rPr>
+                <a:t>specification</a:t>
+              </a:r>
+            </a:p>
+          </p:txBody>
+        </p:sp>
+        <p:sp>
+          <p:nvSpPr>
+            <p:cNvPr id="7" name="Retângulo de cantos arredondados 6"/>
+            <p:cNvSpPr/>
+            <p:nvPr/>
+          </p:nvSpPr>
+          <p:spPr>
+            <a:xfrm>
+              <a:off x="4728511" y="5895830"/>
+              <a:ext cx="1260390" cy="603821"/>
+            </a:xfrm>
+            <a:prstGeom prst="roundRect">
+              <a:avLst/>
+            </a:prstGeom>
+          </p:spPr>
+          <p:style>
+            <a:lnRef idx="2">
+              <a:schemeClr val="accent1">
+                <a:shade val="50000"/>
+              </a:schemeClr>
+            </a:lnRef>
+            <a:fillRef idx="1">
+              <a:schemeClr val="accent1"/>
+            </a:fillRef>
+            <a:effectRef idx="0">
+              <a:schemeClr val="accent1"/>
+            </a:effectRef>
+            <a:fontRef idx="minor">
+              <a:schemeClr val="lt1"/>
+            </a:fontRef>
+          </p:style>
+          <p:txBody>
+            <a:bodyPr rtlCol="0" anchor="ctr"/>
+            <a:lstStyle/>
+            <a:p>
+              <a:pPr algn="ctr"/>
+              <a:r>
+                <a:rPr lang="en-US" dirty="0" smtClean="0">
+                  <a:latin typeface="Verdana" panose="020B0604030504040204" pitchFamily="34" charset="0"/>
+                  <a:ea typeface="Verdana" panose="020B0604030504040204" pitchFamily="34" charset="0"/>
+                  <a:cs typeface="Verdana" panose="020B0604030504040204" pitchFamily="34" charset="0"/>
+                </a:rPr>
+                <a:t>training data</a:t>
+              </a:r>
+              <a:endParaRPr lang="en-US" dirty="0">
+                <a:latin typeface="Verdana" panose="020B0604030504040204" pitchFamily="34" charset="0"/>
+                <a:ea typeface="Verdana" panose="020B0604030504040204" pitchFamily="34" charset="0"/>
+                <a:cs typeface="Verdana" panose="020B0604030504040204" pitchFamily="34" charset="0"/>
+              </a:endParaRPr>
+            </a:p>
+          </p:txBody>
+        </p:sp>
+        <p:sp>
+          <p:nvSpPr>
+            <p:cNvPr id="8" name="Retângulo de cantos arredondados 7"/>
+            <p:cNvSpPr/>
+            <p:nvPr/>
+          </p:nvSpPr>
+          <p:spPr>
+            <a:xfrm>
+              <a:off x="7426410" y="5895829"/>
+              <a:ext cx="1388076" cy="603821"/>
+            </a:xfrm>
+            <a:prstGeom prst="roundRect">
+              <a:avLst/>
+            </a:prstGeom>
+          </p:spPr>
+          <p:style>
+            <a:lnRef idx="2">
+              <a:schemeClr val="accent1">
+                <a:shade val="50000"/>
+              </a:schemeClr>
+            </a:lnRef>
+            <a:fillRef idx="1">
+              <a:schemeClr val="accent1"/>
+            </a:fillRef>
+            <a:effectRef idx="0">
+              <a:schemeClr val="accent1"/>
+            </a:effectRef>
+            <a:fontRef idx="minor">
+              <a:schemeClr val="lt1"/>
+            </a:fontRef>
+          </p:style>
+          <p:txBody>
+            <a:bodyPr rtlCol="0" anchor="ctr"/>
+            <a:lstStyle/>
+            <a:p>
+              <a:pPr algn="ctr"/>
+              <a:r>
+                <a:rPr lang="en-US" dirty="0" smtClean="0">
+                  <a:latin typeface="Verdana" panose="020B0604030504040204" pitchFamily="34" charset="0"/>
+                  <a:ea typeface="Verdana" panose="020B0604030504040204" pitchFamily="34" charset="0"/>
+                  <a:cs typeface="Verdana" panose="020B0604030504040204" pitchFamily="34" charset="0"/>
+                </a:rPr>
+                <a:t>predicted </a:t>
+              </a:r>
+              <a:r>
+                <a:rPr lang="en-US" dirty="0" err="1" smtClean="0">
+                  <a:latin typeface="Verdana" panose="020B0604030504040204" pitchFamily="34" charset="0"/>
+                  <a:ea typeface="Verdana" panose="020B0604030504040204" pitchFamily="34" charset="0"/>
+                  <a:cs typeface="Verdana" panose="020B0604030504040204" pitchFamily="34" charset="0"/>
+                </a:rPr>
+                <a:t>behaviour</a:t>
+              </a:r>
+              <a:endParaRPr lang="en-US" dirty="0">
+                <a:latin typeface="Verdana" panose="020B0604030504040204" pitchFamily="34" charset="0"/>
+                <a:ea typeface="Verdana" panose="020B0604030504040204" pitchFamily="34" charset="0"/>
+                <a:cs typeface="Verdana" panose="020B0604030504040204" pitchFamily="34" charset="0"/>
+              </a:endParaRPr>
+            </a:p>
+          </p:txBody>
+        </p:sp>
+        <p:sp>
+          <p:nvSpPr>
+            <p:cNvPr id="5" name="CaixaDeTexto 4"/>
+            <p:cNvSpPr txBox="1"/>
+            <p:nvPr/>
+          </p:nvSpPr>
+          <p:spPr>
+            <a:xfrm>
+              <a:off x="4629662" y="5259106"/>
+              <a:ext cx="1127232" cy="338554"/>
+            </a:xfrm>
+            <a:prstGeom prst="rect">
+              <a:avLst/>
+            </a:prstGeom>
+            <a:noFill/>
+          </p:spPr>
+          <p:txBody>
+            <a:bodyPr wrap="none" rtlCol="0">
+              <a:spAutoFit/>
+            </a:bodyPr>
+            <a:lstStyle/>
+            <a:p>
+              <a:r>
+                <a:rPr lang="en-US" sz="1600" dirty="0">
+                  <a:latin typeface="Verdana" panose="020B0604030504040204" pitchFamily="34" charset="0"/>
+                  <a:ea typeface="Verdana" panose="020B0604030504040204" pitchFamily="34" charset="0"/>
+                  <a:cs typeface="Verdana" panose="020B0604030504040204" pitchFamily="34" charset="0"/>
+                </a:rPr>
+                <a:t>i</a:t>
+              </a:r>
+              <a:r>
+                <a:rPr lang="en-US" sz="1600" dirty="0" smtClean="0">
+                  <a:latin typeface="Verdana" panose="020B0604030504040204" pitchFamily="34" charset="0"/>
+                  <a:ea typeface="Verdana" panose="020B0604030504040204" pitchFamily="34" charset="0"/>
+                  <a:cs typeface="Verdana" panose="020B0604030504040204" pitchFamily="34" charset="0"/>
+                </a:rPr>
+                <a:t>nduction</a:t>
+              </a:r>
+              <a:endParaRPr lang="en-US" sz="1600" dirty="0">
+                <a:latin typeface="Verdana" panose="020B0604030504040204" pitchFamily="34" charset="0"/>
+                <a:ea typeface="Verdana" panose="020B0604030504040204" pitchFamily="34" charset="0"/>
+                <a:cs typeface="Verdana" panose="020B0604030504040204" pitchFamily="34" charset="0"/>
+              </a:endParaRPr>
+            </a:p>
+          </p:txBody>
+        </p:sp>
+        <p:sp>
+          <p:nvSpPr>
+            <p:cNvPr id="10" name="CaixaDeTexto 9"/>
+            <p:cNvSpPr txBox="1"/>
+            <p:nvPr/>
+          </p:nvSpPr>
+          <p:spPr>
+            <a:xfrm>
+              <a:off x="7331673" y="5268343"/>
+              <a:ext cx="1191352" cy="338554"/>
+            </a:xfrm>
+            <a:prstGeom prst="rect">
+              <a:avLst/>
+            </a:prstGeom>
+            <a:noFill/>
+          </p:spPr>
+          <p:txBody>
+            <a:bodyPr wrap="none" rtlCol="0">
+              <a:spAutoFit/>
+            </a:bodyPr>
+            <a:lstStyle/>
+            <a:p>
+              <a:r>
+                <a:rPr lang="en-US" sz="1600" dirty="0">
+                  <a:latin typeface="Verdana" panose="020B0604030504040204" pitchFamily="34" charset="0"/>
+                  <a:ea typeface="Verdana" panose="020B0604030504040204" pitchFamily="34" charset="0"/>
+                  <a:cs typeface="Verdana" panose="020B0604030504040204" pitchFamily="34" charset="0"/>
+                </a:rPr>
+                <a:t>d</a:t>
+              </a:r>
+              <a:r>
+                <a:rPr lang="en-US" sz="1600" dirty="0" smtClean="0">
+                  <a:latin typeface="Verdana" panose="020B0604030504040204" pitchFamily="34" charset="0"/>
+                  <a:ea typeface="Verdana" panose="020B0604030504040204" pitchFamily="34" charset="0"/>
+                  <a:cs typeface="Verdana" panose="020B0604030504040204" pitchFamily="34" charset="0"/>
+                </a:rPr>
+                <a:t>eduction</a:t>
+              </a:r>
+              <a:endParaRPr lang="en-US" sz="1600" dirty="0">
+                <a:latin typeface="Verdana" panose="020B0604030504040204" pitchFamily="34" charset="0"/>
+                <a:ea typeface="Verdana" panose="020B0604030504040204" pitchFamily="34" charset="0"/>
+                <a:cs typeface="Verdana" panose="020B0604030504040204" pitchFamily="34" charset="0"/>
+              </a:endParaRPr>
+            </a:p>
+          </p:txBody>
+        </p:sp>
+        <p:cxnSp>
+          <p:nvCxnSpPr>
+            <p:cNvPr id="9" name="Conector de seta reta 8"/>
+            <p:cNvCxnSpPr>
+              <a:stCxn id="7" idx="0"/>
+              <a:endCxn id="4" idx="2"/>
+            </p:cNvCxnSpPr>
+            <p:nvPr/>
+          </p:nvCxnSpPr>
+          <p:spPr>
+            <a:xfrm flipV="1">
+              <a:off x="5358706" y="5181597"/>
+              <a:ext cx="1280989" cy="714233"/>
+            </a:xfrm>
+            <a:prstGeom prst="straightConnector1">
+              <a:avLst/>
+            </a:prstGeom>
+            <a:ln w="19050">
+              <a:tailEnd type="triangle"/>
+            </a:ln>
+          </p:spPr>
+          <p:style>
+            <a:lnRef idx="1">
+              <a:schemeClr val="accent1"/>
+            </a:lnRef>
+            <a:fillRef idx="0">
+              <a:schemeClr val="accent1"/>
+            </a:fillRef>
+            <a:effectRef idx="0">
+              <a:schemeClr val="accent1"/>
+            </a:effectRef>
+            <a:fontRef idx="minor">
+              <a:schemeClr val="tx1"/>
+            </a:fontRef>
+          </p:style>
+        </p:cxnSp>
+        <p:cxnSp>
+          <p:nvCxnSpPr>
+            <p:cNvPr id="12" name="Conector de seta reta 11"/>
+            <p:cNvCxnSpPr>
+              <a:stCxn id="4" idx="2"/>
+              <a:endCxn id="8" idx="0"/>
+            </p:cNvCxnSpPr>
+            <p:nvPr/>
+          </p:nvCxnSpPr>
+          <p:spPr>
+            <a:xfrm>
+              <a:off x="6639695" y="5181597"/>
+              <a:ext cx="1480753" cy="714232"/>
+            </a:xfrm>
+            <a:prstGeom prst="straightConnector1">
+              <a:avLst/>
+            </a:prstGeom>
+            <a:ln w="19050">
+              <a:tailEnd type="triangle"/>
+            </a:ln>
+          </p:spPr>
+          <p:style>
+            <a:lnRef idx="1">
+              <a:schemeClr val="accent1"/>
+            </a:lnRef>
+            <a:fillRef idx="0">
+              <a:schemeClr val="accent1"/>
+            </a:fillRef>
+            <a:effectRef idx="0">
+              <a:schemeClr val="accent1"/>
+            </a:effectRef>
+            <a:fontRef idx="minor">
+              <a:schemeClr val="tx1"/>
+            </a:fontRef>
+          </p:style>
+        </p:cxnSp>
+        <p:cxnSp>
+          <p:nvCxnSpPr>
+            <p:cNvPr id="16" name="Conector de seta reta 15"/>
+            <p:cNvCxnSpPr>
+              <a:stCxn id="7" idx="3"/>
+              <a:endCxn id="8" idx="1"/>
+            </p:cNvCxnSpPr>
+            <p:nvPr/>
+          </p:nvCxnSpPr>
+          <p:spPr>
+            <a:xfrm flipV="1">
+              <a:off x="5988901" y="6197740"/>
+              <a:ext cx="1437509" cy="1"/>
+            </a:xfrm>
+            <a:prstGeom prst="straightConnector1">
+              <a:avLst/>
+            </a:prstGeom>
+            <a:ln w="19050">
+              <a:prstDash val="dash"/>
+              <a:tailEnd type="triangle"/>
+            </a:ln>
+          </p:spPr>
+          <p:style>
+            <a:lnRef idx="1">
+              <a:schemeClr val="accent1"/>
+            </a:lnRef>
+            <a:fillRef idx="0">
+              <a:schemeClr val="accent1"/>
+            </a:fillRef>
+            <a:effectRef idx="0">
+              <a:schemeClr val="accent1"/>
+            </a:effectRef>
+            <a:fontRef idx="minor">
+              <a:schemeClr val="tx1"/>
+            </a:fontRef>
+          </p:style>
+        </p:cxnSp>
+        <p:sp>
+          <p:nvSpPr>
+            <p:cNvPr id="17" name="Retângulo 16"/>
+            <p:cNvSpPr/>
+            <p:nvPr/>
+          </p:nvSpPr>
+          <p:spPr>
+            <a:xfrm>
+              <a:off x="5982739" y="5794107"/>
+              <a:ext cx="1819180" cy="338554"/>
+            </a:xfrm>
+            <a:prstGeom prst="rect">
+              <a:avLst/>
+            </a:prstGeom>
+          </p:spPr>
+          <p:txBody>
+            <a:bodyPr wrap="square">
+              <a:spAutoFit/>
+            </a:bodyPr>
+            <a:lstStyle/>
+            <a:p>
+              <a:r>
+                <a:rPr lang="en-US" sz="1600" dirty="0" err="1">
+                  <a:latin typeface="Verdana" panose="020B0604030504040204" pitchFamily="34" charset="0"/>
+                  <a:ea typeface="Verdana" panose="020B0604030504040204" pitchFamily="34" charset="0"/>
+                  <a:cs typeface="Verdana" panose="020B0604030504040204" pitchFamily="34" charset="0"/>
+                </a:rPr>
+                <a:t>transductive</a:t>
+              </a:r>
+              <a:endParaRPr lang="en-US" sz="1600" dirty="0">
+                <a:latin typeface="Verdana" panose="020B0604030504040204" pitchFamily="34" charset="0"/>
+                <a:ea typeface="Verdana" panose="020B0604030504040204" pitchFamily="34" charset="0"/>
+                <a:cs typeface="Verdana" panose="020B0604030504040204" pitchFamily="34" charset="0"/>
+              </a:endParaRPr>
+            </a:p>
+          </p:txBody>
+        </p:sp>
+        <p:sp>
+          <p:nvSpPr>
+            <p:cNvPr id="21" name="CaixaDeTexto 20"/>
+            <p:cNvSpPr txBox="1"/>
+            <p:nvPr/>
+          </p:nvSpPr>
+          <p:spPr>
+            <a:xfrm>
+              <a:off x="3174296" y="4968463"/>
+              <a:ext cx="1385123" cy="338554"/>
+            </a:xfrm>
+            <a:prstGeom prst="rect">
+              <a:avLst/>
+            </a:prstGeom>
+            <a:noFill/>
+          </p:spPr>
+          <p:txBody>
+            <a:bodyPr wrap="none" rtlCol="0">
+              <a:spAutoFit/>
+            </a:bodyPr>
+            <a:lstStyle/>
+            <a:p>
+              <a:r>
+                <a:rPr lang="en-US" sz="1600" dirty="0">
+                  <a:latin typeface="Verdana" panose="020B0604030504040204" pitchFamily="34" charset="0"/>
+                  <a:ea typeface="Verdana" panose="020B0604030504040204" pitchFamily="34" charset="0"/>
+                  <a:cs typeface="Verdana" panose="020B0604030504040204" pitchFamily="34" charset="0"/>
+                </a:rPr>
+                <a:t>m</a:t>
+              </a:r>
+              <a:r>
+                <a:rPr lang="en-US" sz="1600" dirty="0" smtClean="0">
+                  <a:latin typeface="Verdana" panose="020B0604030504040204" pitchFamily="34" charset="0"/>
+                  <a:ea typeface="Verdana" panose="020B0604030504040204" pitchFamily="34" charset="0"/>
+                  <a:cs typeface="Verdana" panose="020B0604030504040204" pitchFamily="34" charset="0"/>
+                </a:rPr>
+                <a:t>odel-level</a:t>
+              </a:r>
+              <a:endParaRPr lang="en-US" sz="1600" dirty="0">
+                <a:latin typeface="Verdana" panose="020B0604030504040204" pitchFamily="34" charset="0"/>
+                <a:ea typeface="Verdana" panose="020B0604030504040204" pitchFamily="34" charset="0"/>
+                <a:cs typeface="Verdana" panose="020B0604030504040204" pitchFamily="34" charset="0"/>
+              </a:endParaRPr>
+            </a:p>
+          </p:txBody>
+        </p:sp>
+        <p:sp>
+          <p:nvSpPr>
+            <p:cNvPr id="22" name="CaixaDeTexto 21"/>
+            <p:cNvSpPr txBox="1"/>
+            <p:nvPr/>
+          </p:nvSpPr>
+          <p:spPr>
+            <a:xfrm>
+              <a:off x="3174296" y="5963384"/>
+              <a:ext cx="1208792" cy="338554"/>
+            </a:xfrm>
+            <a:prstGeom prst="rect">
+              <a:avLst/>
+            </a:prstGeom>
+            <a:noFill/>
+          </p:spPr>
+          <p:txBody>
+            <a:bodyPr wrap="none" rtlCol="0">
+              <a:spAutoFit/>
+            </a:bodyPr>
+            <a:lstStyle/>
+            <a:p>
+              <a:r>
+                <a:rPr lang="en-US" sz="1600" dirty="0" smtClean="0">
+                  <a:latin typeface="Verdana" panose="020B0604030504040204" pitchFamily="34" charset="0"/>
+                  <a:ea typeface="Verdana" panose="020B0604030504040204" pitchFamily="34" charset="0"/>
+                  <a:cs typeface="Verdana" panose="020B0604030504040204" pitchFamily="34" charset="0"/>
+                </a:rPr>
+                <a:t>data-level</a:t>
+              </a:r>
+              <a:endParaRPr lang="en-US" sz="1600" dirty="0">
+                <a:latin typeface="Verdana" panose="020B0604030504040204" pitchFamily="34" charset="0"/>
+                <a:ea typeface="Verdana" panose="020B0604030504040204" pitchFamily="34" charset="0"/>
+                <a:cs typeface="Verdana" panose="020B0604030504040204" pitchFamily="34" charset="0"/>
+              </a:endParaRPr>
+            </a:p>
+          </p:txBody>
+        </p:sp>
+      </p:grpSp>
     </p:spTree>
   </p:cSld>
   <p:clrMapOvr>
@@ -6026,8 +6715,105 @@
       <p:par>
         <p:cTn id="1" dur="indefinite" restart="never" nodeType="tmRoot">
           <p:childTnLst>
-            <p:seq>
-              <p:cTn id="2" nodeType="mainSeq"/>
+            <p:seq concurrent="1" nextAc="seek">
+              <p:cTn id="2" dur="indefinite" nodeType="mainSeq">
+                <p:childTnLst>
+                  <p:par>
+                    <p:cTn id="3" fill="hold">
+                      <p:stCondLst>
+                        <p:cond delay="indefinite"/>
+                      </p:stCondLst>
+                      <p:childTnLst>
+                        <p:par>
+                          <p:cTn id="4" fill="hold">
+                            <p:stCondLst>
+                              <p:cond delay="0"/>
+                            </p:stCondLst>
+                            <p:childTnLst>
+                              <p:par>
+                                <p:cTn id="5" presetID="1" presetClass="entr" presetSubtype="0" fill="hold" nodeType="clickEffect">
+                                  <p:stCondLst>
+                                    <p:cond delay="0"/>
+                                  </p:stCondLst>
+                                  <p:childTnLst>
+                                    <p:set>
+                                      <p:cBhvr>
+                                        <p:cTn id="6" dur="1" fill="hold">
+                                          <p:stCondLst>
+                                            <p:cond delay="0"/>
+                                          </p:stCondLst>
+                                        </p:cTn>
+                                        <p:tgtEl>
+                                          <p:spTgt spid="87">
+                                            <p:txEl>
+                                              <p:pRg st="1" end="1"/>
+                                            </p:txEl>
+                                          </p:spTgt>
+                                        </p:tgtEl>
+                                        <p:attrNameLst>
+                                          <p:attrName>style.visibility</p:attrName>
+                                        </p:attrNameLst>
+                                      </p:cBhvr>
+                                      <p:to>
+                                        <p:strVal val="visible"/>
+                                      </p:to>
+                                    </p:set>
+                                  </p:childTnLst>
+                                </p:cTn>
+                              </p:par>
+                            </p:childTnLst>
+                          </p:cTn>
+                        </p:par>
+                      </p:childTnLst>
+                    </p:cTn>
+                  </p:par>
+                  <p:par>
+                    <p:cTn id="7" fill="hold">
+                      <p:stCondLst>
+                        <p:cond delay="indefinite"/>
+                      </p:stCondLst>
+                      <p:childTnLst>
+                        <p:par>
+                          <p:cTn id="8" fill="hold">
+                            <p:stCondLst>
+                              <p:cond delay="0"/>
+                            </p:stCondLst>
+                            <p:childTnLst>
+                              <p:par>
+                                <p:cTn id="9" presetID="1" presetClass="entr" presetSubtype="0" fill="hold" nodeType="clickEffect">
+                                  <p:stCondLst>
+                                    <p:cond delay="0"/>
+                                  </p:stCondLst>
+                                  <p:childTnLst>
+                                    <p:set>
+                                      <p:cBhvr>
+                                        <p:cTn id="10" dur="1" fill="hold">
+                                          <p:stCondLst>
+                                            <p:cond delay="0"/>
+                                          </p:stCondLst>
+                                        </p:cTn>
+                                        <p:tgtEl>
+                                          <p:spTgt spid="19"/>
+                                        </p:tgtEl>
+                                        <p:attrNameLst>
+                                          <p:attrName>style.visibility</p:attrName>
+                                        </p:attrNameLst>
+                                      </p:cBhvr>
+                                      <p:to>
+                                        <p:strVal val="visible"/>
+                                      </p:to>
+                                    </p:set>
+                                  </p:childTnLst>
+                                </p:cTn>
+                              </p:par>
+                            </p:childTnLst>
+                          </p:cTn>
+                        </p:par>
+                      </p:childTnLst>
+                    </p:cTn>
+                  </p:par>
+                </p:childTnLst>
+              </p:cTn>
               <p:prevCondLst>
                 <p:cond evt="onPrev" delay="0">
                   <p:tgtEl>
@@ -6098,7 +6884,7 @@
               <a:buSzPct val="45000"/>
             </a:pPr>
             <a:r>
-              <a:rPr lang="en-US" sz="3200" b="1" strike="noStrike" spc="-1" dirty="0" smtClean="0">
+              <a:rPr lang="en-US" sz="3600" b="1" strike="noStrike" spc="-1" dirty="0" smtClean="0">
                 <a:solidFill>
                   <a:srgbClr val="000000"/>
                 </a:solidFill>
@@ -6109,9 +6895,9 @@
                 </a:uFill>
                 <a:latin typeface="+mj-lt"/>
               </a:rPr>
-              <a:t>Applications</a:t>
+              <a:t>Practical applications</a:t>
             </a:r>
-            <a:endParaRPr lang="en-US" sz="3200" b="1" strike="noStrike" spc="-1" dirty="0">
+            <a:endParaRPr lang="en-US" sz="3600" b="1" strike="noStrike" spc="-1" dirty="0">
               <a:solidFill>
                 <a:srgbClr val="000000"/>
               </a:solidFill>
@@ -6134,7 +6920,7 @@
         <p:spPr>
           <a:xfrm>
             <a:off x="270162" y="1088323"/>
-            <a:ext cx="8229240" cy="3977280"/>
+            <a:ext cx="8229240" cy="5246574"/>
           </a:xfrm>
           <a:prstGeom prst="rect">
             <a:avLst/>
@@ -6149,6 +6935,12 @@
           <a:lstStyle/>
           <a:p>
             <a:pPr marL="432000" indent="-324000">
+              <a:spcBef>
+                <a:spcPts val="600"/>
+              </a:spcBef>
+              <a:spcAft>
+                <a:spcPts val="600"/>
+              </a:spcAft>
               <a:buClr>
                 <a:srgbClr val="000000"/>
               </a:buClr>
@@ -6182,11 +6974,42 @@
                 </a:uFill>
                 <a:latin typeface="+mj-lt"/>
               </a:rPr>
-              <a:t>: given the specification of the winning criteria for a two-player game, learn a winning strategy.</a:t>
+              <a:t>: given the specification of the winning criteria for a two-player game, learn a winning </a:t>
             </a:r>
+            <a:r>
+              <a:rPr lang="en-US" sz="2800" b="0" strike="noStrike" spc="-1" dirty="0" smtClean="0">
+                <a:solidFill>
+                  <a:srgbClr val="000000"/>
+                </a:solidFill>
+                <a:uFill>
+                  <a:solidFill>
+                    <a:srgbClr val="FFFFFF"/>
+                  </a:solidFill>
+                </a:uFill>
+                <a:latin typeface="+mj-lt"/>
+              </a:rPr>
+              <a:t>strategy</a:t>
+            </a:r>
+            <a:endParaRPr lang="en-US" sz="2800" b="0" strike="noStrike" spc="-1" dirty="0">
+              <a:solidFill>
+                <a:srgbClr val="000000"/>
+              </a:solidFill>
+              <a:uFill>
+                <a:solidFill>
+                  <a:srgbClr val="FFFFFF"/>
+                </a:solidFill>
+              </a:uFill>
+              <a:latin typeface="+mj-lt"/>
+            </a:endParaRPr>
           </a:p>
           <a:p>
             <a:pPr marL="432000" indent="-324000">
+              <a:spcBef>
+                <a:spcPts val="600"/>
+              </a:spcBef>
+              <a:spcAft>
+                <a:spcPts val="600"/>
+              </a:spcAft>
               <a:buClr>
                 <a:srgbClr val="000000"/>
               </a:buClr>
@@ -6220,11 +7043,42 @@
                 </a:uFill>
                 <a:latin typeface="+mj-lt"/>
               </a:rPr>
-              <a:t>: given a buggy program according to a correctness specification, learn a repair that makes the program correct.</a:t>
+              <a:t>: given a buggy program according to a correctness specification, learn a repair that makes the program </a:t>
             </a:r>
+            <a:r>
+              <a:rPr lang="en-US" sz="2800" b="0" strike="noStrike" spc="-1" dirty="0" smtClean="0">
+                <a:solidFill>
+                  <a:srgbClr val="000000"/>
+                </a:solidFill>
+                <a:uFill>
+                  <a:solidFill>
+                    <a:srgbClr val="FFFFFF"/>
+                  </a:solidFill>
+                </a:uFill>
+                <a:latin typeface="+mj-lt"/>
+              </a:rPr>
+              <a:t>correct</a:t>
+            </a:r>
+            <a:endParaRPr lang="en-US" sz="2800" b="0" strike="noStrike" spc="-1" dirty="0">
+              <a:solidFill>
+                <a:srgbClr val="000000"/>
+              </a:solidFill>
+              <a:uFill>
+                <a:solidFill>
+                  <a:srgbClr val="FFFFFF"/>
+                </a:solidFill>
+              </a:uFill>
+              <a:latin typeface="+mj-lt"/>
+            </a:endParaRPr>
           </a:p>
           <a:p>
             <a:pPr marL="432000" indent="-324000">
+              <a:spcBef>
+                <a:spcPts val="600"/>
+              </a:spcBef>
+              <a:spcAft>
+                <a:spcPts val="600"/>
+              </a:spcAft>
               <a:buClr>
                 <a:srgbClr val="000000"/>
               </a:buClr>
@@ -6272,8 +7126,19 @@
                 </a:uFill>
                 <a:latin typeface="+mj-lt"/>
               </a:rPr>
-              <a:t>deadlock.</a:t>
+              <a:t>deadlock</a:t>
             </a:r>
+            <a:endParaRPr lang="en-US" sz="2800" b="0" strike="noStrike" spc="-1" dirty="0" smtClean="0">
+              <a:solidFill>
+                <a:srgbClr val="000000"/>
+              </a:solidFill>
+              <a:uFill>
+                <a:solidFill>
+                  <a:srgbClr val="FFFFFF"/>
+                </a:solidFill>
+              </a:uFill>
+              <a:latin typeface="+mj-lt"/>
+            </a:endParaRPr>
           </a:p>
         </p:txBody>
       </p:sp>
@@ -6287,8 +7152,109 @@
       <p:par>
         <p:cTn id="1" dur="indefinite" restart="never" nodeType="tmRoot">
           <p:childTnLst>
-            <p:seq>
-              <p:cTn id="2" nodeType="mainSeq"/>
+            <p:seq concurrent="1" nextAc="seek">
+              <p:cTn id="2" dur="indefinite" nodeType="mainSeq">
+                <p:childTnLst>
+                  <p:par>
+                    <p:cTn id="3" fill="hold">
+                      <p:stCondLst>
+                        <p:cond delay="indefinite"/>
+                      </p:stCondLst>
+                      <p:childTnLst>
+                        <p:par>
+                          <p:cTn id="4" fill="hold">
+                            <p:stCondLst>
+                              <p:cond delay="0"/>
+                            </p:stCondLst>
+                            <p:childTnLst>
+                              <p:par>
+                                <p:cTn id="5" presetID="1" presetClass="entr" presetSubtype="0" fill="hold" nodeType="clickEffect">
+                                  <p:stCondLst>
+                                    <p:cond delay="0"/>
+                                  </p:stCondLst>
+                                  <p:childTnLst>
+                                    <p:set>
+                                      <p:cBhvr>
+                                        <p:cTn id="6" dur="1" fill="hold">
+                                          <p:stCondLst>
+                                            <p:cond delay="0"/>
+                                          </p:stCondLst>
+                                        </p:cTn>
+                                        <p:tgtEl>
+                                          <p:spTgt spid="90">
+                                            <p:txEl>
+                                              <p:pRg st="1" end="1"/>
+                                            </p:txEl>
+                                          </p:spTgt>
+                                        </p:tgtEl>
+                                        <p:attrNameLst>
+                                          <p:attrName>style.visibility</p:attrName>
+                                        </p:attrNameLst>
+                                      </p:cBhvr>
+                                      <p:to>
+                                        <p:strVal val="visible"/>
+                                      </p:to>
+                                    </p:set>
+                                  </p:childTnLst>
+                                </p:cTn>
+                              </p:par>
+                            </p:childTnLst>
+                          </p:cTn>
+                        </p:par>
+                      </p:childTnLst>
+                    </p:cTn>
+                  </p:par>
+                  <p:par>
+                    <p:cTn id="7" fill="hold">
+                      <p:stCondLst>
+                        <p:cond delay="indefinite"/>
+                      </p:stCondLst>
+                      <p:childTnLst>
+                        <p:par>
+                          <p:cTn id="8" fill="hold">
+                            <p:stCondLst>
+                              <p:cond delay="0"/>
+                            </p:stCondLst>
+                            <p:childTnLst>
+                              <p:par>
+                                <p:cTn id="9" presetID="1" presetClass="entr" presetSubtype="0" fill="hold" nodeType="clickEffect">
+                                  <p:stCondLst>
+                                    <p:cond delay="0"/>
+                                  </p:stCondLst>
+                                  <p:childTnLst>
+                                    <p:set>
+                                      <p:cBhvr>
+                                        <p:cTn id="10" dur="1" fill="hold">
+                                          <p:stCondLst>
+                                            <p:cond delay="0"/>
+                                          </p:stCondLst>
+                                        </p:cTn>
+                                        <p:tgtEl>
+                                          <p:spTgt spid="90">
+                                            <p:txEl>
+                                              <p:pRg st="2" end="2"/>
+                                            </p:txEl>
+                                          </p:spTgt>
+                                        </p:tgtEl>
+                                        <p:attrNameLst>
+                                          <p:attrName>style.visibility</p:attrName>
+                                        </p:attrNameLst>
+                                      </p:cBhvr>
+                                      <p:to>
+                                        <p:strVal val="visible"/>
+                                      </p:to>
+                                    </p:set>
+                                  </p:childTnLst>
+                                </p:cTn>
+                              </p:par>
+                            </p:childTnLst>
+                          </p:cTn>
+                        </p:par>
+                      </p:childTnLst>
+                    </p:cTn>
+                  </p:par>
+                </p:childTnLst>
+              </p:cTn>
               <p:prevCondLst>
                 <p:cond evt="onPrev" delay="0">
                   <p:tgtEl>
@@ -6353,6 +7319,12 @@
           <a:lstStyle/>
           <a:p>
             <a:pPr marL="432000" indent="-324000">
+              <a:spcBef>
+                <a:spcPts val="300"/>
+              </a:spcBef>
+              <a:spcAft>
+                <a:spcPts val="300"/>
+              </a:spcAft>
               <a:buClr>
                 <a:srgbClr val="000000"/>
               </a:buClr>
@@ -6400,11 +7372,70 @@
                 </a:uFill>
                 <a:latin typeface="+mj-lt"/>
               </a:rPr>
-              <a:t>: learn code that takes advantage of a security vulnerability present in a given software in order to cause unintended behavior of that software.</a:t>
+              <a:t>: learn code that takes advantage of a security vulnerability present in a given software </a:t>
             </a:r>
+            <a:r>
+              <a:rPr lang="en-US" sz="2800" b="0" strike="noStrike" spc="-1" dirty="0" smtClean="0">
+                <a:solidFill>
+                  <a:srgbClr val="000000"/>
+                </a:solidFill>
+                <a:uFill>
+                  <a:solidFill>
+                    <a:srgbClr val="FFFFFF"/>
+                  </a:solidFill>
+                </a:uFill>
+                <a:latin typeface="+mj-lt"/>
+              </a:rPr>
+              <a:t>to </a:t>
+            </a:r>
+            <a:r>
+              <a:rPr lang="en-US" sz="2800" b="0" strike="noStrike" spc="-1" dirty="0">
+                <a:solidFill>
+                  <a:srgbClr val="000000"/>
+                </a:solidFill>
+                <a:uFill>
+                  <a:solidFill>
+                    <a:srgbClr val="FFFFFF"/>
+                  </a:solidFill>
+                </a:uFill>
+                <a:latin typeface="+mj-lt"/>
+              </a:rPr>
+              <a:t>cause unintended behavior of that </a:t>
+            </a:r>
+            <a:r>
+              <a:rPr lang="en-US" sz="2800" b="0" strike="noStrike" spc="-1" dirty="0" smtClean="0">
+                <a:solidFill>
+                  <a:srgbClr val="000000"/>
+                </a:solidFill>
+                <a:uFill>
+                  <a:solidFill>
+                    <a:srgbClr val="FFFFFF"/>
+                  </a:solidFill>
+                </a:uFill>
+                <a:latin typeface="+mj-lt"/>
+              </a:rPr>
+              <a:t>software</a:t>
+            </a:r>
+            <a:endParaRPr lang="en-US" sz="2800" b="0" strike="noStrike" spc="-1" dirty="0">
+              <a:solidFill>
+                <a:srgbClr val="000000"/>
+              </a:solidFill>
+              <a:uFill>
+                <a:solidFill>
+                  <a:srgbClr val="FFFFFF"/>
+                </a:solidFill>
+              </a:uFill>
+              <a:latin typeface="+mj-lt"/>
+            </a:endParaRPr>
           </a:p>
           <a:p>
             <a:pPr marL="432000" indent="-324000">
+              <a:spcBef>
+                <a:spcPts val="300"/>
+              </a:spcBef>
+              <a:spcAft>
+                <a:spcPts val="300"/>
+              </a:spcAft>
               <a:buClr>
                 <a:srgbClr val="000000"/>
               </a:buClr>
@@ -6438,11 +7469,42 @@
                 </a:uFill>
                 <a:latin typeface="+mj-lt"/>
               </a:rPr>
-              <a:t>: learn a protocol that performs a security-related function and potentially applies cryptographic methods.</a:t>
+              <a:t>: learn a protocol that performs a security-related function and potentially applies cryptographic </a:t>
             </a:r>
+            <a:r>
+              <a:rPr lang="en-US" sz="2800" b="0" strike="noStrike" spc="-1" dirty="0" smtClean="0">
+                <a:solidFill>
+                  <a:srgbClr val="000000"/>
+                </a:solidFill>
+                <a:uFill>
+                  <a:solidFill>
+                    <a:srgbClr val="FFFFFF"/>
+                  </a:solidFill>
+                </a:uFill>
+                <a:latin typeface="+mj-lt"/>
+              </a:rPr>
+              <a:t>methods</a:t>
+            </a:r>
+            <a:endParaRPr lang="en-US" sz="2800" b="0" strike="noStrike" spc="-1" dirty="0">
+              <a:solidFill>
+                <a:srgbClr val="000000"/>
+              </a:solidFill>
+              <a:uFill>
+                <a:solidFill>
+                  <a:srgbClr val="FFFFFF"/>
+                </a:solidFill>
+              </a:uFill>
+              <a:latin typeface="+mj-lt"/>
+            </a:endParaRPr>
           </a:p>
           <a:p>
             <a:pPr marL="432000" indent="-324000">
+              <a:spcBef>
+                <a:spcPts val="300"/>
+              </a:spcBef>
+              <a:spcAft>
+                <a:spcPts val="300"/>
+              </a:spcAft>
               <a:buClr>
                 <a:srgbClr val="000000"/>
               </a:buClr>
@@ -6476,35 +7538,7 @@
                 </a:uFill>
                 <a:latin typeface="+mj-lt"/>
               </a:rPr>
-              <a:t>: learn an encoding for some given data that uses fewer bits than the original representation. This can apply to both lossless and </a:t>
-            </a:r>
-            <a:r>
-              <a:rPr lang="en-US" sz="2800" b="0" strike="noStrike" spc="-1" dirty="0" err="1">
-                <a:solidFill>
-                  <a:srgbClr val="000000"/>
-                </a:solidFill>
-                <a:uFill>
-                  <a:solidFill>
-                    <a:srgbClr val="FFFFFF"/>
-                  </a:solidFill>
-                </a:uFill>
-                <a:latin typeface="+mj-lt"/>
-              </a:rPr>
-              <a:t>lossy</a:t>
-            </a:r>
-            <a:r>
-              <a:rPr lang="en-US" sz="2800" b="0" strike="noStrike" spc="-1" dirty="0">
-                <a:solidFill>
-                  <a:srgbClr val="000000"/>
-                </a:solidFill>
-                <a:uFill>
-                  <a:solidFill>
-                    <a:srgbClr val="FFFFFF"/>
-                  </a:solidFill>
-                </a:uFill>
-                <a:latin typeface="+mj-lt"/>
-              </a:rPr>
-              <a:t> compression</a:t>
+              <a:t>: learn an encoding for some given data that uses fewer bits than the original </a:t>
             </a:r>
             <a:r>
               <a:rPr lang="en-US" sz="2800" b="0" strike="noStrike" spc="-1" dirty="0" smtClean="0">
@@ -6518,11 +7552,17 @@
                 </a:uFill>
                 <a:latin typeface="+mj-lt"/>
               </a:rPr>
-              <a:t>.</a:t>
+              <a:t>representation</a:t>
             </a:r>
           </a:p>
           <a:p>
             <a:pPr marL="432000" indent="-324000">
+              <a:spcBef>
+                <a:spcPts val="300"/>
+              </a:spcBef>
+              <a:spcAft>
+                <a:spcPts val="300"/>
+              </a:spcAft>
               <a:buClr>
                 <a:srgbClr val="000000"/>
               </a:buClr>
@@ -6542,7 +7582,21 @@
                 </a:uFill>
                 <a:latin typeface="+mj-lt"/>
               </a:rPr>
-              <a:t>Control System:</a:t>
+              <a:t>Control </a:t>
+            </a:r>
+            <a:r>
+              <a:rPr lang="en-US" sz="2800" b="1" spc="-1" dirty="0" smtClean="0">
+                <a:solidFill>
+                  <a:srgbClr val="000000"/>
+                </a:solidFill>
+                <a:uFill>
+                  <a:solidFill>
+                    <a:srgbClr val="FFFFFF"/>
+                  </a:solidFill>
+                </a:uFill>
+                <a:latin typeface="+mj-lt"/>
+              </a:rPr>
+              <a:t>System:</a:t>
             </a:r>
             <a:r>
               <a:rPr lang="en-US" sz="2800" spc="-1" dirty="0" smtClean="0">
@@ -6574,7 +7628,7 @@
       </p:sp>
       <p:sp>
         <p:nvSpPr>
-          <p:cNvPr id="4" name="TextShape 1"/>
+          <p:cNvPr id="5" name="TextShape 1"/>
           <p:cNvSpPr txBox="1"/>
           <p:nvPr/>
         </p:nvSpPr>
@@ -6602,7 +7656,7 @@
               <a:buSzPct val="45000"/>
             </a:pPr>
             <a:r>
-              <a:rPr lang="en-US" sz="3200" b="1" strike="noStrike" spc="-1" dirty="0" smtClean="0">
+              <a:rPr lang="en-US" sz="3600" b="1" strike="noStrike" spc="-1" dirty="0" smtClean="0">
                 <a:solidFill>
                   <a:srgbClr val="000000"/>
                 </a:solidFill>
@@ -6613,9 +7667,9 @@
                 </a:uFill>
                 <a:latin typeface="+mj-lt"/>
               </a:rPr>
-              <a:t>Applications</a:t>
+              <a:t>Practical applications</a:t>
             </a:r>
-            <a:endParaRPr lang="en-US" sz="3200" b="1" strike="noStrike" spc="-1" dirty="0">
+            <a:endParaRPr lang="en-US" sz="3600" b="1" strike="noStrike" spc="-1" dirty="0">
               <a:solidFill>
                 <a:srgbClr val="000000"/>
               </a:solidFill>
@@ -6644,8 +7698,158 @@
       <p:par>
         <p:cTn id="1" dur="indefinite" restart="never" nodeType="tmRoot">
           <p:childTnLst>
-            <p:seq>
-              <p:cTn id="2" nodeType="mainSeq"/>
+            <p:seq concurrent="1" nextAc="seek">
+              <p:cTn id="2" dur="indefinite" nodeType="mainSeq">
+                <p:childTnLst>
+                  <p:par>
+                    <p:cTn id="3" fill="hold">
+                      <p:stCondLst>
+                        <p:cond delay="indefinite"/>
+                      </p:stCondLst>
+                      <p:childTnLst>
+                        <p:par>
+                          <p:cTn id="4" fill="hold">
+                            <p:stCondLst>
+                              <p:cond delay="0"/>
+                            </p:stCondLst>
+                            <p:childTnLst>
+                              <p:par>
+                                <p:cTn id="5" presetID="1" presetClass="entr" presetSubtype="0" fill="hold" nodeType="clickEffect">
+                                  <p:stCondLst>
+                                    <p:cond delay="0"/>
+                                  </p:stCondLst>
+                                  <p:childTnLst>
+                                    <p:set>
+                                      <p:cBhvr>
+                                        <p:cTn id="6" dur="1" fill="hold">
+                                          <p:stCondLst>
+                                            <p:cond delay="0"/>
+                                          </p:stCondLst>
+                                        </p:cTn>
+                                        <p:tgtEl>
+                                          <p:spTgt spid="90">
+                                            <p:txEl>
+                                              <p:pRg st="1" end="1"/>
+                                            </p:txEl>
+                                          </p:spTgt>
+                                        </p:tgtEl>
+                                        <p:attrNameLst>
+                                          <p:attrName>style.visibility</p:attrName>
+                                        </p:attrNameLst>
+                                      </p:cBhvr>
+                                      <p:to>
+                                        <p:strVal val="visible"/>
+                                      </p:to>
+                                    </p:set>
+                                  </p:childTnLst>
+                                </p:cTn>
+                              </p:par>
+                            </p:childTnLst>
+                          </p:cTn>
+                        </p:par>
+                      </p:childTnLst>
+                    </p:cTn>
+                  </p:par>
+                  <p:par>
+                    <p:cTn id="7" fill="hold">
+                      <p:stCondLst>
+                        <p:cond delay="indefinite"/>
+                      </p:stCondLst>
+                      <p:childTnLst>
+                        <p:par>
+                          <p:cTn id="8" fill="hold">
+                            <p:stCondLst>
+                              <p:cond delay="0"/>
+                            </p:stCondLst>
+                            <p:childTnLst>
+                              <p:par>
+                                <p:cTn id="9" presetID="1" presetClass="entr" presetSubtype="0" fill="hold" nodeType="clickEffect">
+                                  <p:stCondLst>
+                                    <p:cond delay="0"/>
+                                  </p:stCondLst>
+                                  <p:childTnLst>
+                                    <p:set>
+                                      <p:cBhvr>
+                                        <p:cTn id="10" dur="1" fill="hold">
+                                          <p:stCondLst>
+                                            <p:cond delay="0"/>
+                                          </p:stCondLst>
+                                        </p:cTn>
+                                        <p:tgtEl>
+                                          <p:spTgt spid="90">
+                                            <p:txEl>
+                                              <p:pRg st="2" end="2"/>
+                                            </p:txEl>
+                                          </p:spTgt>
+                                        </p:tgtEl>
+                                        <p:attrNameLst>
+                                          <p:attrName>style.visibility</p:attrName>
+                                        </p:attrNameLst>
+                                      </p:cBhvr>
+                                      <p:to>
+                                        <p:strVal val="visible"/>
+                                      </p:to>
+                                    </p:set>
+                                  </p:childTnLst>
+                                </p:cTn>
+                              </p:par>
+                            </p:childTnLst>
+                          </p:cTn>
+                        </p:par>
+                      </p:childTnLst>
+                    </p:cTn>
+                  </p:par>
+                  <p:par>
+                    <p:cTn id="11" fill="hold">
+                      <p:stCondLst>
+                        <p:cond delay="indefinite"/>
+                      </p:stCondLst>
+                      <p:childTnLst>
+                        <p:par>
+                          <p:cTn id="12" fill="hold">
+                            <p:stCondLst>
+                              <p:cond delay="0"/>
+                            </p:stCondLst>
+                            <p:childTnLst>
+                              <p:par>
+                                <p:cTn id="13" presetID="1" presetClass="entr" presetSubtype="0" fill="hold" nodeType="clickEffect">
+                                  <p:stCondLst>
+                                    <p:cond delay="0"/>
+                                  </p:stCondLst>
+                                  <p:childTnLst>
+                                    <p:set>
+                                      <p:cBhvr>
+                                        <p:cTn id="14" dur="1" fill="hold">
+                                          <p:stCondLst>
+                                            <p:cond delay="0"/>
+                                          </p:stCondLst>
+                                        </p:cTn>
+                                        <p:tgtEl>
+                                          <p:spTgt spid="90">
+                                            <p:txEl>
+                                              <p:pRg st="3" end="3"/>
+                                            </p:txEl>
+                                          </p:spTgt>
+                                        </p:tgtEl>
+                                        <p:attrNameLst>
+                                          <p:attrName>style.visibility</p:attrName>
+                                        </p:attrNameLst>
+                                      </p:cBhvr>
+                                      <p:to>
+                                        <p:strVal val="visible"/>
+                                      </p:to>
+                                    </p:set>
+                                  </p:childTnLst>
+                                </p:cTn>
+                              </p:par>
+                            </p:childTnLst>
+                          </p:cTn>
+                        </p:par>
+                      </p:childTnLst>
+                    </p:cTn>
+                  </p:par>
+                </p:childTnLst>
+              </p:cTn>
               <p:prevCondLst>
                 <p:cond evt="onPrev" delay="0">
                   <p:tgtEl>
@@ -6694,7 +7898,7 @@
         </p:nvSpPr>
         <p:spPr>
           <a:xfrm>
-            <a:off x="179640" y="-43200"/>
+            <a:off x="262020" y="-2010"/>
             <a:ext cx="8915040" cy="1151640"/>
           </a:xfrm>
           <a:prstGeom prst="rect">
@@ -6715,7 +7919,7 @@
               </a:lnSpc>
             </a:pPr>
             <a:r>
-              <a:rPr lang="en-US" sz="3200" b="1" strike="noStrike" spc="-1" dirty="0">
+              <a:rPr lang="en-US" sz="3600" b="1" strike="noStrike" spc="-1" dirty="0">
                 <a:solidFill>
                   <a:srgbClr val="000000"/>
                 </a:solidFill>
@@ -6726,9 +7930,79 @@
                 </a:uFill>
                 <a:latin typeface="Arial"/>
               </a:rPr>
-              <a:t>Control Software in Unmanned Aerial Vehicle</a:t>
+              <a:t>Control </a:t>
             </a:r>
-            <a:endParaRPr lang="en-US" sz="1800" b="0" strike="noStrike" spc="-1" dirty="0">
+            <a:r>
+              <a:rPr lang="en-US" sz="3600" b="1" strike="noStrike" spc="-1" dirty="0" smtClean="0">
+                <a:solidFill>
+                  <a:srgbClr val="000000"/>
+                </a:solidFill>
+                <a:uFill>
+                  <a:solidFill>
+                    <a:srgbClr val="FFFFFF"/>
+                  </a:solidFill>
+                </a:uFill>
+                <a:latin typeface="Arial"/>
+              </a:rPr>
+              <a:t>software </a:t>
+            </a:r>
+            <a:r>
+              <a:rPr lang="en-US" sz="3600" b="1" strike="noStrike" spc="-1" dirty="0">
+                <a:solidFill>
+                  <a:srgbClr val="000000"/>
+                </a:solidFill>
+                <a:uFill>
+                  <a:solidFill>
+                    <a:srgbClr val="FFFFFF"/>
+                  </a:solidFill>
+                </a:uFill>
+                <a:latin typeface="Arial"/>
+              </a:rPr>
+              <a:t>in </a:t>
+            </a:r>
+            <a:r>
+              <a:rPr lang="en-US" sz="3600" b="1" strike="noStrike" spc="-1" dirty="0" smtClean="0">
+                <a:solidFill>
+                  <a:srgbClr val="000000"/>
+                </a:solidFill>
+                <a:uFill>
+                  <a:solidFill>
+                    <a:srgbClr val="FFFFFF"/>
+                  </a:solidFill>
+                </a:uFill>
+                <a:latin typeface="Arial"/>
+              </a:rPr>
+              <a:t>unmanned </a:t>
+            </a:r>
+            <a:r>
+              <a:rPr lang="en-US" sz="3600" b="1" spc="-1" dirty="0">
+                <a:solidFill>
+                  <a:srgbClr val="000000"/>
+                </a:solidFill>
+                <a:uFill>
+                  <a:solidFill>
+                    <a:srgbClr val="FFFFFF"/>
+                  </a:solidFill>
+                </a:uFill>
+                <a:latin typeface="Arial"/>
+              </a:rPr>
+              <a:t>a</a:t>
+            </a:r>
+            <a:r>
+              <a:rPr lang="en-US" sz="3600" b="1" strike="noStrike" spc="-1" dirty="0" smtClean="0">
+                <a:solidFill>
+                  <a:srgbClr val="000000"/>
+                </a:solidFill>
+                <a:uFill>
+                  <a:solidFill>
+                    <a:srgbClr val="FFFFFF"/>
+                  </a:solidFill>
+                </a:uFill>
+                <a:latin typeface="Arial"/>
+              </a:rPr>
+              <a:t>erial vehicle</a:t>
+            </a:r>
+            <a:endParaRPr lang="en-US" sz="3600" b="0" strike="noStrike" spc="-1" dirty="0">
               <a:solidFill>
                 <a:srgbClr val="000000"/>
               </a:solidFill>
@@ -6744,19 +8018,524 @@
       </p:sp>
       <p:sp>
         <p:nvSpPr>
-          <p:cNvPr id="92" name="CustomShape 2"/>
+          <p:cNvPr id="117" name="CustomShape 26"/>
           <p:cNvSpPr/>
           <p:nvPr/>
         </p:nvSpPr>
         <p:spPr>
           <a:xfrm>
-            <a:off x="467640" y="4811760"/>
-            <a:ext cx="1402920" cy="1184760"/>
+            <a:off x="447404" y="1276211"/>
+            <a:ext cx="8482412" cy="486318"/>
           </a:xfrm>
           <a:prstGeom prst="rect">
             <a:avLst/>
           </a:prstGeom>
+          <a:noFill/>
           <a:ln>
+            <a:noFill/>
+          </a:ln>
+        </p:spPr>
+        <p:style>
+          <a:lnRef idx="0">
+            <a:scrgbClr r="0" g="0" b="0"/>
+          </a:lnRef>
+          <a:fillRef idx="0">
+            <a:scrgbClr r="0" g="0" b="0"/>
+          </a:fillRef>
+          <a:effectRef idx="0">
+            <a:scrgbClr r="0" g="0" b="0"/>
+          </a:effectRef>
+          <a:fontRef idx="minor"/>
+        </p:style>
+        <p:txBody>
+          <a:bodyPr lIns="90000" tIns="45000" rIns="90000" bIns="45000"/>
+          <a:lstStyle/>
+          <a:p>
+            <a:pPr>
+              <a:lnSpc>
+                <a:spcPct val="100000"/>
+              </a:lnSpc>
+            </a:pPr>
+            <a:r>
+              <a:rPr lang="en-GB" sz="2800" b="0" strike="noStrike" spc="-1" dirty="0">
+                <a:solidFill>
+                  <a:srgbClr val="000000"/>
+                </a:solidFill>
+                <a:uFill>
+                  <a:solidFill>
+                    <a:srgbClr val="FFFFFF"/>
+                  </a:solidFill>
+                </a:uFill>
+                <a:latin typeface="+mj-lt"/>
+                <a:ea typeface="Verdana"/>
+              </a:rPr>
+              <a:t>What is the </a:t>
+            </a:r>
+            <a:r>
+              <a:rPr lang="en-GB" sz="2800" b="1" strike="noStrike" spc="-1" dirty="0">
+                <a:solidFill>
+                  <a:srgbClr val="000000"/>
+                </a:solidFill>
+                <a:uFill>
+                  <a:solidFill>
+                    <a:srgbClr val="FFFFFF"/>
+                  </a:solidFill>
+                </a:uFill>
+                <a:latin typeface="+mj-lt"/>
+                <a:ea typeface="Verdana"/>
+              </a:rPr>
+              <a:t>shortest </a:t>
+            </a:r>
+            <a:r>
+              <a:rPr lang="en-GB" sz="2800" b="1" strike="noStrike" spc="-1" dirty="0" smtClean="0">
+                <a:solidFill>
+                  <a:srgbClr val="000000"/>
+                </a:solidFill>
+                <a:uFill>
+                  <a:solidFill>
+                    <a:srgbClr val="FFFFFF"/>
+                  </a:solidFill>
+                </a:uFill>
+                <a:latin typeface="+mj-lt"/>
+                <a:ea typeface="Verdana"/>
+              </a:rPr>
+              <a:t>trajectory</a:t>
+            </a:r>
+            <a:r>
+              <a:rPr lang="en-GB" sz="2800" spc="-1" dirty="0" smtClean="0">
+                <a:solidFill>
+                  <a:srgbClr val="000000"/>
+                </a:solidFill>
+                <a:uFill>
+                  <a:solidFill>
+                    <a:srgbClr val="FFFFFF"/>
+                  </a:solidFill>
+                </a:uFill>
+                <a:latin typeface="+mj-lt"/>
+                <a:ea typeface="Verdana"/>
+              </a:rPr>
+              <a:t>?</a:t>
+            </a:r>
+            <a:endParaRPr lang="en-GB" sz="2800" b="0" strike="noStrike" spc="-1" dirty="0">
+              <a:solidFill>
+                <a:srgbClr val="000000"/>
+              </a:solidFill>
+              <a:uFill>
+                <a:solidFill>
+                  <a:srgbClr val="FFFFFF"/>
+                </a:solidFill>
+              </a:uFill>
+              <a:latin typeface="+mj-lt"/>
+            </a:endParaRPr>
+          </a:p>
+        </p:txBody>
+      </p:sp>
+      <p:pic>
+        <p:nvPicPr>
+          <p:cNvPr id="109" name="Imagem 2"/>
+          <p:cNvPicPr/>
+          <p:nvPr/>
+        </p:nvPicPr>
+        <p:blipFill>
+          <a:blip r:embed="rId3"/>
+          <a:stretch/>
+        </p:blipFill>
+        <p:spPr>
+          <a:xfrm>
+            <a:off x="526604" y="2655736"/>
+            <a:ext cx="1154520" cy="769680"/>
+          </a:xfrm>
+          <a:prstGeom prst="rect">
+            <a:avLst/>
+          </a:prstGeom>
+          <a:ln>
+            <a:noFill/>
+          </a:ln>
+        </p:spPr>
+      </p:pic>
+      <p:sp>
+        <p:nvSpPr>
+          <p:cNvPr id="110" name="CustomShape 19"/>
+          <p:cNvSpPr/>
+          <p:nvPr/>
+        </p:nvSpPr>
+        <p:spPr>
+          <a:xfrm>
+            <a:off x="2295284" y="2413378"/>
+            <a:ext cx="1295640" cy="548280"/>
+          </a:xfrm>
+          <a:prstGeom prst="flowChartProcess">
+            <a:avLst/>
+          </a:prstGeom>
+          <a:solidFill>
+            <a:srgbClr val="999999"/>
+          </a:solidFill>
+          <a:ln w="9360">
+            <a:solidFill>
+              <a:srgbClr val="C5000B"/>
+            </a:solidFill>
+            <a:round/>
+          </a:ln>
+        </p:spPr>
+        <p:style>
+          <a:lnRef idx="0">
+            <a:scrgbClr r="0" g="0" b="0"/>
+          </a:lnRef>
+          <a:fillRef idx="0">
+            <a:scrgbClr r="0" g="0" b="0"/>
+          </a:fillRef>
+          <a:effectRef idx="0">
+            <a:scrgbClr r="0" g="0" b="0"/>
+          </a:effectRef>
+          <a:fontRef idx="minor"/>
+        </p:style>
+        <p:txBody>
+          <a:bodyPr wrap="none" lIns="90000" tIns="64440" rIns="90000" bIns="45000" anchor="ctr"/>
+          <a:lstStyle/>
+          <a:p>
+            <a:pPr algn="ctr">
+              <a:lnSpc>
+                <a:spcPct val="100000"/>
+              </a:lnSpc>
+            </a:pPr>
+            <a:r>
+              <a:rPr lang="en-GB" sz="1600" b="1" strike="noStrike" spc="-1">
+                <a:solidFill>
+                  <a:srgbClr val="000000"/>
+                </a:solidFill>
+                <a:uFill>
+                  <a:solidFill>
+                    <a:srgbClr val="FFFFFF"/>
+                  </a:solidFill>
+                </a:uFill>
+                <a:latin typeface="Verdana"/>
+                <a:ea typeface="Verdana"/>
+              </a:rPr>
+              <a:t>Obstacle 1</a:t>
+            </a:r>
+            <a:endParaRPr lang="en-GB" sz="1800" b="0" strike="noStrike" spc="-1">
+              <a:solidFill>
+                <a:srgbClr val="000000"/>
+              </a:solidFill>
+              <a:uFill>
+                <a:solidFill>
+                  <a:srgbClr val="FFFFFF"/>
+                </a:solidFill>
+              </a:uFill>
+              <a:latin typeface="Arial"/>
+            </a:endParaRPr>
+          </a:p>
+        </p:txBody>
+      </p:sp>
+      <p:sp>
+        <p:nvSpPr>
+          <p:cNvPr id="111" name="CustomShape 20"/>
+          <p:cNvSpPr/>
+          <p:nvPr/>
+        </p:nvSpPr>
+        <p:spPr>
+          <a:xfrm>
+            <a:off x="2799644" y="3485206"/>
+            <a:ext cx="1627560" cy="533520"/>
+          </a:xfrm>
+          <a:prstGeom prst="flowChartProcess">
+            <a:avLst/>
+          </a:prstGeom>
+          <a:solidFill>
+            <a:srgbClr val="999999"/>
+          </a:solidFill>
+          <a:ln w="9360">
+            <a:solidFill>
+              <a:srgbClr val="C5000B"/>
+            </a:solidFill>
+            <a:round/>
+          </a:ln>
+        </p:spPr>
+        <p:style>
+          <a:lnRef idx="0">
+            <a:scrgbClr r="0" g="0" b="0"/>
+          </a:lnRef>
+          <a:fillRef idx="0">
+            <a:scrgbClr r="0" g="0" b="0"/>
+          </a:fillRef>
+          <a:effectRef idx="0">
+            <a:scrgbClr r="0" g="0" b="0"/>
+          </a:effectRef>
+          <a:fontRef idx="minor"/>
+        </p:style>
+        <p:txBody>
+          <a:bodyPr wrap="none" lIns="90000" tIns="64440" rIns="90000" bIns="45000" anchor="ctr"/>
+          <a:lstStyle/>
+          <a:p>
+            <a:pPr algn="ctr">
+              <a:lnSpc>
+                <a:spcPct val="100000"/>
+              </a:lnSpc>
+            </a:pPr>
+            <a:r>
+              <a:rPr lang="en-GB" sz="1600" b="1" strike="noStrike" spc="-1">
+                <a:solidFill>
+                  <a:srgbClr val="000000"/>
+                </a:solidFill>
+                <a:uFill>
+                  <a:solidFill>
+                    <a:srgbClr val="FFFFFF"/>
+                  </a:solidFill>
+                </a:uFill>
+                <a:latin typeface="Verdana"/>
+                <a:ea typeface="Verdana"/>
+              </a:rPr>
+              <a:t>Obstacle 2</a:t>
+            </a:r>
+            <a:endParaRPr lang="en-GB" sz="1800" b="0" strike="noStrike" spc="-1">
+              <a:solidFill>
+                <a:srgbClr val="000000"/>
+              </a:solidFill>
+              <a:uFill>
+                <a:solidFill>
+                  <a:srgbClr val="FFFFFF"/>
+                </a:solidFill>
+              </a:uFill>
+              <a:latin typeface="Arial"/>
+            </a:endParaRPr>
+          </a:p>
+        </p:txBody>
+      </p:sp>
+      <p:sp>
+        <p:nvSpPr>
+          <p:cNvPr id="112" name="CustomShape 21"/>
+          <p:cNvSpPr/>
+          <p:nvPr/>
+        </p:nvSpPr>
+        <p:spPr>
+          <a:xfrm>
+            <a:off x="4679882" y="2706610"/>
+            <a:ext cx="1011960" cy="827280"/>
+          </a:xfrm>
+          <a:prstGeom prst="flowChartProcess">
+            <a:avLst/>
+          </a:prstGeom>
+          <a:solidFill>
+            <a:srgbClr val="999999"/>
+          </a:solidFill>
+          <a:ln w="9360">
+            <a:solidFill>
+              <a:srgbClr val="C5000B"/>
+            </a:solidFill>
+            <a:round/>
+          </a:ln>
+        </p:spPr>
+        <p:style>
+          <a:lnRef idx="0">
+            <a:scrgbClr r="0" g="0" b="0"/>
+          </a:lnRef>
+          <a:fillRef idx="0">
+            <a:scrgbClr r="0" g="0" b="0"/>
+          </a:fillRef>
+          <a:effectRef idx="0">
+            <a:scrgbClr r="0" g="0" b="0"/>
+          </a:effectRef>
+          <a:fontRef idx="minor"/>
+        </p:style>
+        <p:txBody>
+          <a:bodyPr wrap="none" lIns="90000" tIns="64440" rIns="90000" bIns="45000" anchor="ctr"/>
+          <a:lstStyle/>
+          <a:p>
+            <a:pPr algn="ctr">
+              <a:lnSpc>
+                <a:spcPct val="100000"/>
+              </a:lnSpc>
+            </a:pPr>
+            <a:r>
+              <a:rPr lang="en-GB" sz="1600" b="1" strike="noStrike" spc="-1">
+                <a:solidFill>
+                  <a:srgbClr val="000000"/>
+                </a:solidFill>
+                <a:uFill>
+                  <a:solidFill>
+                    <a:srgbClr val="FFFFFF"/>
+                  </a:solidFill>
+                </a:uFill>
+                <a:latin typeface="Verdana"/>
+                <a:ea typeface="Verdana"/>
+              </a:rPr>
+              <a:t>Obstacle</a:t>
+            </a:r>
+            <a:endParaRPr lang="en-GB" sz="1800" b="0" strike="noStrike" spc="-1">
+              <a:solidFill>
+                <a:srgbClr val="000000"/>
+              </a:solidFill>
+              <a:uFill>
+                <a:solidFill>
+                  <a:srgbClr val="FFFFFF"/>
+                </a:solidFill>
+              </a:uFill>
+              <a:latin typeface="Arial"/>
+            </a:endParaRPr>
+          </a:p>
+          <a:p>
+            <a:pPr algn="ctr">
+              <a:lnSpc>
+                <a:spcPct val="100000"/>
+              </a:lnSpc>
+            </a:pPr>
+            <a:r>
+              <a:rPr lang="en-GB" sz="1600" b="1" strike="noStrike" spc="-1">
+                <a:solidFill>
+                  <a:srgbClr val="000000"/>
+                </a:solidFill>
+                <a:uFill>
+                  <a:solidFill>
+                    <a:srgbClr val="FFFFFF"/>
+                  </a:solidFill>
+                </a:uFill>
+                <a:latin typeface="Verdana"/>
+                <a:ea typeface="Verdana"/>
+              </a:rPr>
+              <a:t>3</a:t>
+            </a:r>
+            <a:endParaRPr lang="en-GB" sz="1800" b="0" strike="noStrike" spc="-1">
+              <a:solidFill>
+                <a:srgbClr val="000000"/>
+              </a:solidFill>
+              <a:uFill>
+                <a:solidFill>
+                  <a:srgbClr val="FFFFFF"/>
+                </a:solidFill>
+              </a:uFill>
+              <a:latin typeface="Arial"/>
+            </a:endParaRPr>
+          </a:p>
+        </p:txBody>
+      </p:sp>
+      <p:sp>
+        <p:nvSpPr>
+          <p:cNvPr id="113" name="CustomShape 22"/>
+          <p:cNvSpPr/>
+          <p:nvPr/>
+        </p:nvSpPr>
+        <p:spPr>
+          <a:xfrm>
+            <a:off x="6220004" y="2246806"/>
+            <a:ext cx="1078920" cy="587160"/>
+          </a:xfrm>
+          <a:prstGeom prst="flowChartProcess">
+            <a:avLst/>
+          </a:prstGeom>
+          <a:solidFill>
+            <a:srgbClr val="999999"/>
+          </a:solidFill>
+          <a:ln w="9360">
+            <a:solidFill>
+              <a:srgbClr val="C5000B"/>
+            </a:solidFill>
+            <a:round/>
+          </a:ln>
+        </p:spPr>
+        <p:style>
+          <a:lnRef idx="0">
+            <a:scrgbClr r="0" g="0" b="0"/>
+          </a:lnRef>
+          <a:fillRef idx="0">
+            <a:scrgbClr r="0" g="0" b="0"/>
+          </a:fillRef>
+          <a:effectRef idx="0">
+            <a:scrgbClr r="0" g="0" b="0"/>
+          </a:effectRef>
+          <a:fontRef idx="minor"/>
+        </p:style>
+        <p:txBody>
+          <a:bodyPr wrap="none" lIns="90000" tIns="64440" rIns="90000" bIns="45000" anchor="ctr"/>
+          <a:lstStyle/>
+          <a:p>
+            <a:pPr algn="ctr">
+              <a:lnSpc>
+                <a:spcPct val="100000"/>
+              </a:lnSpc>
+            </a:pPr>
+            <a:r>
+              <a:rPr lang="en-GB" sz="1600" b="1" strike="noStrike" spc="-1">
+                <a:solidFill>
+                  <a:srgbClr val="000000"/>
+                </a:solidFill>
+                <a:uFill>
+                  <a:solidFill>
+                    <a:srgbClr val="FFFFFF"/>
+                  </a:solidFill>
+                </a:uFill>
+                <a:latin typeface="Verdana"/>
+                <a:ea typeface="Verdana"/>
+              </a:rPr>
+              <a:t>Obstacle</a:t>
+            </a:r>
+            <a:endParaRPr lang="en-GB" sz="1800" b="0" strike="noStrike" spc="-1">
+              <a:solidFill>
+                <a:srgbClr val="000000"/>
+              </a:solidFill>
+              <a:uFill>
+                <a:solidFill>
+                  <a:srgbClr val="FFFFFF"/>
+                </a:solidFill>
+              </a:uFill>
+              <a:latin typeface="Arial"/>
+            </a:endParaRPr>
+          </a:p>
+          <a:p>
+            <a:pPr algn="ctr">
+              <a:lnSpc>
+                <a:spcPct val="100000"/>
+              </a:lnSpc>
+            </a:pPr>
+            <a:r>
+              <a:rPr lang="en-GB" sz="1600" b="1" strike="noStrike" spc="-1">
+                <a:solidFill>
+                  <a:srgbClr val="000000"/>
+                </a:solidFill>
+                <a:uFill>
+                  <a:solidFill>
+                    <a:srgbClr val="FFFFFF"/>
+                  </a:solidFill>
+                </a:uFill>
+                <a:latin typeface="Verdana"/>
+                <a:ea typeface="Verdana"/>
+              </a:rPr>
+              <a:t>4</a:t>
+            </a:r>
+            <a:endParaRPr lang="en-GB" sz="1800" b="0" strike="noStrike" spc="-1">
+              <a:solidFill>
+                <a:srgbClr val="000000"/>
+              </a:solidFill>
+              <a:uFill>
+                <a:solidFill>
+                  <a:srgbClr val="FFFFFF"/>
+                </a:solidFill>
+              </a:uFill>
+              <a:latin typeface="Arial"/>
+            </a:endParaRPr>
+          </a:p>
+        </p:txBody>
+      </p:sp>
+      <p:sp>
+        <p:nvSpPr>
+          <p:cNvPr id="114" name="CustomShape 23"/>
+          <p:cNvSpPr/>
+          <p:nvPr/>
+        </p:nvSpPr>
+        <p:spPr>
+          <a:xfrm>
+            <a:off x="5896004" y="3371086"/>
+            <a:ext cx="1007640" cy="682560"/>
+          </a:xfrm>
+          <a:prstGeom prst="ellipse">
+            <a:avLst/>
+          </a:prstGeom>
+          <a:solidFill>
+            <a:srgbClr val="00B050"/>
+          </a:solidFill>
+          <a:ln>
+            <a:solidFill>
+              <a:srgbClr val="336600"/>
+            </a:solidFill>
             <a:round/>
           </a:ln>
         </p:spPr>
@@ -6784,1521 +8563,6 @@
               </a:lnSpc>
             </a:pPr>
             <a:r>
-              <a:rPr lang="en-GB" sz="1400" b="0" strike="noStrike" spc="-1">
-                <a:solidFill>
-                  <a:srgbClr val="FFFFFF"/>
-                </a:solidFill>
-                <a:uFill>
-                  <a:solidFill>
-                    <a:srgbClr val="FFFFFF"/>
-                  </a:solidFill>
-                </a:uFill>
-                <a:latin typeface="Verdana"/>
-                <a:ea typeface="Verdana"/>
-              </a:rPr>
-              <a:t>Attitude Digital Controller</a:t>
-            </a:r>
-            <a:endParaRPr lang="en-GB" sz="1800" b="0" strike="noStrike" spc="-1">
-              <a:solidFill>
-                <a:srgbClr val="000000"/>
-              </a:solidFill>
-              <a:uFill>
-                <a:solidFill>
-                  <a:srgbClr val="FFFFFF"/>
-                </a:solidFill>
-              </a:uFill>
-              <a:latin typeface="Arial"/>
-            </a:endParaRPr>
-          </a:p>
-        </p:txBody>
-      </p:sp>
-      <p:sp>
-        <p:nvSpPr>
-          <p:cNvPr id="93" name="CustomShape 3"/>
-          <p:cNvSpPr/>
-          <p:nvPr/>
-        </p:nvSpPr>
-        <p:spPr>
-          <a:xfrm>
-            <a:off x="2361960" y="4622400"/>
-            <a:ext cx="3367440" cy="1602720"/>
-          </a:xfrm>
-          <a:prstGeom prst="rect">
-            <a:avLst/>
-          </a:prstGeom>
-          <a:noFill/>
-          <a:ln>
-            <a:round/>
-          </a:ln>
-        </p:spPr>
-        <p:style>
-          <a:lnRef idx="2">
-            <a:schemeClr val="accent1">
-              <a:shade val="50000"/>
-            </a:schemeClr>
-          </a:lnRef>
-          <a:fillRef idx="1">
-            <a:schemeClr val="accent1"/>
-          </a:fillRef>
-          <a:effectRef idx="0">
-            <a:schemeClr val="accent1"/>
-          </a:effectRef>
-          <a:fontRef idx="minor"/>
-        </p:style>
-        <p:txBody>
-          <a:bodyPr lIns="90000" tIns="45000" rIns="90000" bIns="45000" anchor="ctr"/>
-          <a:lstStyle/>
-          <a:p>
-            <a:pPr algn="ctr">
-              <a:lnSpc>
-                <a:spcPct val="100000"/>
-              </a:lnSpc>
-            </a:pPr>
-            <a:endParaRPr lang="en-GB" sz="1800" b="0" strike="noStrike" spc="-1">
-              <a:solidFill>
-                <a:srgbClr val="000000"/>
-              </a:solidFill>
-              <a:uFill>
-                <a:solidFill>
-                  <a:srgbClr val="FFFFFF"/>
-                </a:solidFill>
-              </a:uFill>
-              <a:latin typeface="Arial"/>
-            </a:endParaRPr>
-          </a:p>
-          <a:p>
-            <a:pPr algn="ctr">
-              <a:lnSpc>
-                <a:spcPct val="100000"/>
-              </a:lnSpc>
-            </a:pPr>
-            <a:endParaRPr lang="en-GB" sz="1800" b="0" strike="noStrike" spc="-1">
-              <a:solidFill>
-                <a:srgbClr val="000000"/>
-              </a:solidFill>
-              <a:uFill>
-                <a:solidFill>
-                  <a:srgbClr val="FFFFFF"/>
-                </a:solidFill>
-              </a:uFill>
-              <a:latin typeface="Arial"/>
-            </a:endParaRPr>
-          </a:p>
-          <a:p>
-            <a:pPr algn="ctr">
-              <a:lnSpc>
-                <a:spcPct val="100000"/>
-              </a:lnSpc>
-            </a:pPr>
-            <a:endParaRPr lang="en-GB" sz="1800" b="0" strike="noStrike" spc="-1">
-              <a:solidFill>
-                <a:srgbClr val="000000"/>
-              </a:solidFill>
-              <a:uFill>
-                <a:solidFill>
-                  <a:srgbClr val="FFFFFF"/>
-                </a:solidFill>
-              </a:uFill>
-              <a:latin typeface="Arial"/>
-            </a:endParaRPr>
-          </a:p>
-        </p:txBody>
-      </p:sp>
-      <p:sp>
-        <p:nvSpPr>
-          <p:cNvPr id="94" name="CustomShape 4"/>
-          <p:cNvSpPr/>
-          <p:nvPr/>
-        </p:nvSpPr>
-        <p:spPr>
-          <a:xfrm>
-            <a:off x="4186080" y="4831560"/>
-            <a:ext cx="1402920" cy="1145520"/>
-          </a:xfrm>
-          <a:prstGeom prst="rect">
-            <a:avLst/>
-          </a:prstGeom>
-          <a:ln>
-            <a:round/>
-          </a:ln>
-        </p:spPr>
-        <p:style>
-          <a:lnRef idx="2">
-            <a:schemeClr val="accent1">
-              <a:shade val="50000"/>
-            </a:schemeClr>
-          </a:lnRef>
-          <a:fillRef idx="1">
-            <a:schemeClr val="accent1"/>
-          </a:fillRef>
-          <a:effectRef idx="0">
-            <a:schemeClr val="accent1"/>
-          </a:effectRef>
-          <a:fontRef idx="minor"/>
-        </p:style>
-        <p:txBody>
-          <a:bodyPr lIns="90000" tIns="45000" rIns="90000" bIns="45000" anchor="ctr"/>
-          <a:lstStyle/>
-          <a:p>
-            <a:pPr algn="ctr">
-              <a:lnSpc>
-                <a:spcPct val="100000"/>
-              </a:lnSpc>
-            </a:pPr>
-            <a:r>
-              <a:rPr lang="en-GB" sz="1400" b="0" strike="noStrike" spc="-1">
-                <a:solidFill>
-                  <a:srgbClr val="FFFFFF"/>
-                </a:solidFill>
-                <a:uFill>
-                  <a:solidFill>
-                    <a:srgbClr val="FFFFFF"/>
-                  </a:solidFill>
-                </a:uFill>
-                <a:latin typeface="Verdana"/>
-                <a:ea typeface="Verdana"/>
-              </a:rPr>
-              <a:t>Attitude and Position System</a:t>
-            </a:r>
-            <a:endParaRPr lang="en-GB" sz="1800" b="0" strike="noStrike" spc="-1">
-              <a:solidFill>
-                <a:srgbClr val="000000"/>
-              </a:solidFill>
-              <a:uFill>
-                <a:solidFill>
-                  <a:srgbClr val="FFFFFF"/>
-                </a:solidFill>
-              </a:uFill>
-              <a:latin typeface="Arial"/>
-            </a:endParaRPr>
-          </a:p>
-        </p:txBody>
-      </p:sp>
-      <p:sp>
-        <p:nvSpPr>
-          <p:cNvPr id="95" name="CustomShape 5"/>
-          <p:cNvSpPr/>
-          <p:nvPr/>
-        </p:nvSpPr>
-        <p:spPr>
-          <a:xfrm>
-            <a:off x="2514600" y="4831560"/>
-            <a:ext cx="1402920" cy="1145520"/>
-          </a:xfrm>
-          <a:prstGeom prst="rect">
-            <a:avLst/>
-          </a:prstGeom>
-          <a:ln>
-            <a:round/>
-          </a:ln>
-        </p:spPr>
-        <p:style>
-          <a:lnRef idx="2">
-            <a:schemeClr val="accent1">
-              <a:shade val="50000"/>
-            </a:schemeClr>
-          </a:lnRef>
-          <a:fillRef idx="1">
-            <a:schemeClr val="accent1"/>
-          </a:fillRef>
-          <a:effectRef idx="0">
-            <a:schemeClr val="accent1"/>
-          </a:effectRef>
-          <a:fontRef idx="minor"/>
-        </p:style>
-        <p:txBody>
-          <a:bodyPr lIns="90000" tIns="45000" rIns="90000" bIns="45000" anchor="ctr"/>
-          <a:lstStyle/>
-          <a:p>
-            <a:pPr algn="ctr">
-              <a:lnSpc>
-                <a:spcPct val="100000"/>
-              </a:lnSpc>
-            </a:pPr>
-            <a:r>
-              <a:rPr lang="en-GB" sz="1400" b="0" strike="noStrike" spc="-1">
-                <a:solidFill>
-                  <a:srgbClr val="FFFFFF"/>
-                </a:solidFill>
-                <a:uFill>
-                  <a:solidFill>
-                    <a:srgbClr val="FFFFFF"/>
-                  </a:solidFill>
-                </a:uFill>
-                <a:latin typeface="Verdana"/>
-                <a:ea typeface="Verdana"/>
-              </a:rPr>
-              <a:t>Attitude System</a:t>
-            </a:r>
-            <a:endParaRPr lang="en-GB" sz="1800" b="0" strike="noStrike" spc="-1">
-              <a:solidFill>
-                <a:srgbClr val="000000"/>
-              </a:solidFill>
-              <a:uFill>
-                <a:solidFill>
-                  <a:srgbClr val="FFFFFF"/>
-                </a:solidFill>
-              </a:uFill>
-              <a:latin typeface="Arial"/>
-            </a:endParaRPr>
-          </a:p>
-        </p:txBody>
-      </p:sp>
-      <p:sp>
-        <p:nvSpPr>
-          <p:cNvPr id="96" name="CustomShape 6"/>
-          <p:cNvSpPr/>
-          <p:nvPr/>
-        </p:nvSpPr>
-        <p:spPr>
-          <a:xfrm>
-            <a:off x="6145200" y="5110200"/>
-            <a:ext cx="776880" cy="587160"/>
-          </a:xfrm>
-          <a:prstGeom prst="rect">
-            <a:avLst/>
-          </a:prstGeom>
-          <a:ln>
-            <a:round/>
-          </a:ln>
-        </p:spPr>
-        <p:style>
-          <a:lnRef idx="2">
-            <a:schemeClr val="accent1">
-              <a:shade val="50000"/>
-            </a:schemeClr>
-          </a:lnRef>
-          <a:fillRef idx="1">
-            <a:schemeClr val="accent1"/>
-          </a:fillRef>
-          <a:effectRef idx="0">
-            <a:schemeClr val="accent1"/>
-          </a:effectRef>
-          <a:fontRef idx="minor"/>
-        </p:style>
-        <p:txBody>
-          <a:bodyPr lIns="90000" tIns="45000" rIns="90000" bIns="45000" anchor="ctr"/>
-          <a:lstStyle/>
-          <a:p>
-            <a:pPr algn="ctr">
-              <a:lnSpc>
-                <a:spcPct val="100000"/>
-              </a:lnSpc>
-            </a:pPr>
-            <a:r>
-              <a:rPr lang="en-GB" sz="1400" b="0" strike="noStrike" spc="-1">
-                <a:solidFill>
-                  <a:srgbClr val="FFFFFF"/>
-                </a:solidFill>
-                <a:uFill>
-                  <a:solidFill>
-                    <a:srgbClr val="FFFFFF"/>
-                  </a:solidFill>
-                </a:uFill>
-                <a:latin typeface="Verdana"/>
-                <a:ea typeface="Verdana"/>
-              </a:rPr>
-              <a:t>A/D</a:t>
-            </a:r>
-            <a:endParaRPr lang="en-GB" sz="1800" b="0" strike="noStrike" spc="-1">
-              <a:solidFill>
-                <a:srgbClr val="000000"/>
-              </a:solidFill>
-              <a:uFill>
-                <a:solidFill>
-                  <a:srgbClr val="FFFFFF"/>
-                </a:solidFill>
-              </a:uFill>
-              <a:latin typeface="Arial"/>
-            </a:endParaRPr>
-          </a:p>
-        </p:txBody>
-      </p:sp>
-      <p:sp>
-        <p:nvSpPr>
-          <p:cNvPr id="97" name="CustomShape 7"/>
-          <p:cNvSpPr/>
-          <p:nvPr/>
-        </p:nvSpPr>
-        <p:spPr>
-          <a:xfrm>
-            <a:off x="7273080" y="4807440"/>
-            <a:ext cx="1402920" cy="1184760"/>
-          </a:xfrm>
-          <a:prstGeom prst="rect">
-            <a:avLst/>
-          </a:prstGeom>
-          <a:ln>
-            <a:round/>
-          </a:ln>
-        </p:spPr>
-        <p:style>
-          <a:lnRef idx="2">
-            <a:schemeClr val="accent1">
-              <a:shade val="50000"/>
-            </a:schemeClr>
-          </a:lnRef>
-          <a:fillRef idx="1">
-            <a:schemeClr val="accent1"/>
-          </a:fillRef>
-          <a:effectRef idx="0">
-            <a:schemeClr val="accent1"/>
-          </a:effectRef>
-          <a:fontRef idx="minor"/>
-        </p:style>
-        <p:txBody>
-          <a:bodyPr lIns="90000" tIns="45000" rIns="90000" bIns="45000" anchor="ctr"/>
-          <a:lstStyle/>
-          <a:p>
-            <a:pPr algn="ctr">
-              <a:lnSpc>
-                <a:spcPct val="100000"/>
-              </a:lnSpc>
-            </a:pPr>
-            <a:r>
-              <a:rPr lang="en-GB" sz="1400" b="0" strike="noStrike" spc="-1">
-                <a:solidFill>
-                  <a:srgbClr val="FFFFFF"/>
-                </a:solidFill>
-                <a:uFill>
-                  <a:solidFill>
-                    <a:srgbClr val="FFFFFF"/>
-                  </a:solidFill>
-                </a:uFill>
-                <a:latin typeface="Verdana"/>
-                <a:ea typeface="Verdana"/>
-              </a:rPr>
-              <a:t>Attitude and Position Controllers</a:t>
-            </a:r>
-            <a:endParaRPr lang="en-GB" sz="1800" b="0" strike="noStrike" spc="-1">
-              <a:solidFill>
-                <a:srgbClr val="000000"/>
-              </a:solidFill>
-              <a:uFill>
-                <a:solidFill>
-                  <a:srgbClr val="FFFFFF"/>
-                </a:solidFill>
-              </a:uFill>
-              <a:latin typeface="Arial"/>
-            </a:endParaRPr>
-          </a:p>
-        </p:txBody>
-      </p:sp>
-      <p:sp>
-        <p:nvSpPr>
-          <p:cNvPr id="98" name="CustomShape 8"/>
-          <p:cNvSpPr/>
-          <p:nvPr/>
-        </p:nvSpPr>
-        <p:spPr>
-          <a:xfrm>
-            <a:off x="7347240" y="3714480"/>
-            <a:ext cx="1262520" cy="822600"/>
-          </a:xfrm>
-          <a:prstGeom prst="rect">
-            <a:avLst/>
-          </a:prstGeom>
-          <a:ln>
-            <a:round/>
-          </a:ln>
-        </p:spPr>
-        <p:style>
-          <a:lnRef idx="2">
-            <a:schemeClr val="accent1">
-              <a:shade val="50000"/>
-            </a:schemeClr>
-          </a:lnRef>
-          <a:fillRef idx="1">
-            <a:schemeClr val="accent1"/>
-          </a:fillRef>
-          <a:effectRef idx="0">
-            <a:schemeClr val="accent1"/>
-          </a:effectRef>
-          <a:fontRef idx="minor"/>
-        </p:style>
-        <p:txBody>
-          <a:bodyPr lIns="90000" tIns="45000" rIns="90000" bIns="45000" anchor="ctr"/>
-          <a:lstStyle/>
-          <a:p>
-            <a:pPr algn="ctr">
-              <a:lnSpc>
-                <a:spcPct val="100000"/>
-              </a:lnSpc>
-            </a:pPr>
-            <a:r>
-              <a:rPr lang="en-GB" sz="1400" b="0" strike="noStrike" spc="-1">
-                <a:solidFill>
-                  <a:srgbClr val="FFFFFF"/>
-                </a:solidFill>
-                <a:uFill>
-                  <a:solidFill>
-                    <a:srgbClr val="FFFFFF"/>
-                  </a:solidFill>
-                </a:uFill>
-                <a:latin typeface="Verdana"/>
-                <a:ea typeface="Verdana"/>
-              </a:rPr>
-              <a:t>Flight Planning</a:t>
-            </a:r>
-            <a:endParaRPr lang="en-GB" sz="1800" b="0" strike="noStrike" spc="-1">
-              <a:solidFill>
-                <a:srgbClr val="000000"/>
-              </a:solidFill>
-              <a:uFill>
-                <a:solidFill>
-                  <a:srgbClr val="FFFFFF"/>
-                </a:solidFill>
-              </a:uFill>
-              <a:latin typeface="Arial"/>
-            </a:endParaRPr>
-          </a:p>
-        </p:txBody>
-      </p:sp>
-      <p:sp>
-        <p:nvSpPr>
-          <p:cNvPr id="99" name="CustomShape 9"/>
-          <p:cNvSpPr/>
-          <p:nvPr/>
-        </p:nvSpPr>
-        <p:spPr>
-          <a:xfrm>
-            <a:off x="6325920" y="4290840"/>
-            <a:ext cx="1473120" cy="515880"/>
-          </a:xfrm>
-          <a:prstGeom prst="rect">
-            <a:avLst/>
-          </a:prstGeom>
-          <a:noFill/>
-          <a:ln>
-            <a:noFill/>
-          </a:ln>
-        </p:spPr>
-        <p:style>
-          <a:lnRef idx="0">
-            <a:scrgbClr r="0" g="0" b="0"/>
-          </a:lnRef>
-          <a:fillRef idx="0">
-            <a:scrgbClr r="0" g="0" b="0"/>
-          </a:fillRef>
-          <a:effectRef idx="0">
-            <a:scrgbClr r="0" g="0" b="0"/>
-          </a:effectRef>
-          <a:fontRef idx="minor"/>
-        </p:style>
-        <p:txBody>
-          <a:bodyPr lIns="90000" tIns="45000" rIns="90000" bIns="45000"/>
-          <a:lstStyle/>
-          <a:p>
-            <a:pPr>
-              <a:lnSpc>
-                <a:spcPct val="100000"/>
-              </a:lnSpc>
-            </a:pPr>
-            <a:r>
-              <a:rPr lang="en-GB" sz="1400" b="0" strike="noStrike" spc="-1">
-                <a:solidFill>
-                  <a:srgbClr val="000000"/>
-                </a:solidFill>
-                <a:uFill>
-                  <a:solidFill>
-                    <a:srgbClr val="FFFFFF"/>
-                  </a:solidFill>
-                </a:uFill>
-                <a:latin typeface="Verdana"/>
-                <a:ea typeface="Verdana"/>
-              </a:rPr>
-              <a:t>Position References</a:t>
-            </a:r>
-            <a:endParaRPr lang="en-GB" sz="1800" b="0" strike="noStrike" spc="-1">
-              <a:solidFill>
-                <a:srgbClr val="000000"/>
-              </a:solidFill>
-              <a:uFill>
-                <a:solidFill>
-                  <a:srgbClr val="FFFFFF"/>
-                </a:solidFill>
-              </a:uFill>
-              <a:latin typeface="Arial"/>
-            </a:endParaRPr>
-          </a:p>
-        </p:txBody>
-      </p:sp>
-      <p:sp>
-        <p:nvSpPr>
-          <p:cNvPr id="100" name="CustomShape 10"/>
-          <p:cNvSpPr/>
-          <p:nvPr/>
-        </p:nvSpPr>
-        <p:spPr>
-          <a:xfrm>
-            <a:off x="1870920" y="5046480"/>
-            <a:ext cx="1473120" cy="302760"/>
-          </a:xfrm>
-          <a:prstGeom prst="rect">
-            <a:avLst/>
-          </a:prstGeom>
-          <a:noFill/>
-          <a:ln>
-            <a:noFill/>
-          </a:ln>
-        </p:spPr>
-        <p:style>
-          <a:lnRef idx="0">
-            <a:scrgbClr r="0" g="0" b="0"/>
-          </a:lnRef>
-          <a:fillRef idx="0">
-            <a:scrgbClr r="0" g="0" b="0"/>
-          </a:fillRef>
-          <a:effectRef idx="0">
-            <a:scrgbClr r="0" g="0" b="0"/>
-          </a:effectRef>
-          <a:fontRef idx="minor"/>
-        </p:style>
-        <p:txBody>
-          <a:bodyPr lIns="90000" tIns="45000" rIns="90000" bIns="45000"/>
-          <a:lstStyle/>
-          <a:p>
-            <a:pPr>
-              <a:lnSpc>
-                <a:spcPct val="100000"/>
-              </a:lnSpc>
-            </a:pPr>
-            <a:r>
-              <a:rPr lang="en-GB" sz="1400" b="0" strike="noStrike" spc="-1">
-                <a:solidFill>
-                  <a:srgbClr val="000000"/>
-                </a:solidFill>
-                <a:uFill>
-                  <a:solidFill>
-                    <a:srgbClr val="FFFFFF"/>
-                  </a:solidFill>
-                </a:uFill>
-                <a:latin typeface="Verdana"/>
-                <a:ea typeface="Verdana"/>
-              </a:rPr>
-              <a:t>u(t)</a:t>
-            </a:r>
-            <a:endParaRPr lang="en-GB" sz="1800" b="0" strike="noStrike" spc="-1">
-              <a:solidFill>
-                <a:srgbClr val="000000"/>
-              </a:solidFill>
-              <a:uFill>
-                <a:solidFill>
-                  <a:srgbClr val="FFFFFF"/>
-                </a:solidFill>
-              </a:uFill>
-              <a:latin typeface="Arial"/>
-            </a:endParaRPr>
-          </a:p>
-        </p:txBody>
-      </p:sp>
-      <p:sp>
-        <p:nvSpPr>
-          <p:cNvPr id="101" name="CustomShape 11"/>
-          <p:cNvSpPr/>
-          <p:nvPr/>
-        </p:nvSpPr>
-        <p:spPr>
-          <a:xfrm>
-            <a:off x="5928120" y="6074280"/>
-            <a:ext cx="2027880" cy="516600"/>
-          </a:xfrm>
-          <a:prstGeom prst="rect">
-            <a:avLst/>
-          </a:prstGeom>
-          <a:noFill/>
-          <a:ln>
-            <a:noFill/>
-          </a:ln>
-        </p:spPr>
-        <p:style>
-          <a:lnRef idx="0">
-            <a:scrgbClr r="0" g="0" b="0"/>
-          </a:lnRef>
-          <a:fillRef idx="0">
-            <a:scrgbClr r="0" g="0" b="0"/>
-          </a:fillRef>
-          <a:effectRef idx="0">
-            <a:scrgbClr r="0" g="0" b="0"/>
-          </a:effectRef>
-          <a:fontRef idx="minor"/>
-        </p:style>
-        <p:txBody>
-          <a:bodyPr lIns="90000" tIns="45000" rIns="90000" bIns="45000"/>
-          <a:lstStyle/>
-          <a:p>
-            <a:pPr algn="r">
-              <a:lnSpc>
-                <a:spcPct val="100000"/>
-              </a:lnSpc>
-            </a:pPr>
-            <a:r>
-              <a:rPr lang="en-GB" sz="1400" b="0" i="1" strike="noStrike" spc="-1">
-                <a:solidFill>
-                  <a:srgbClr val="000000"/>
-                </a:solidFill>
-                <a:uFill>
-                  <a:solidFill>
-                    <a:srgbClr val="FFFFFF"/>
-                  </a:solidFill>
-                </a:uFill>
-                <a:latin typeface="Verdana"/>
-                <a:ea typeface="Verdana"/>
-              </a:rPr>
-              <a:t>r(t)</a:t>
-            </a:r>
-            <a:r>
-              <a:rPr lang="en-GB" sz="1400" b="0" strike="noStrike" spc="-1">
-                <a:solidFill>
-                  <a:srgbClr val="000000"/>
-                </a:solidFill>
-                <a:uFill>
-                  <a:solidFill>
-                    <a:srgbClr val="FFFFFF"/>
-                  </a:solidFill>
-                </a:uFill>
-                <a:latin typeface="Verdana"/>
-                <a:ea typeface="Verdana"/>
-              </a:rPr>
-              <a:t> </a:t>
-            </a:r>
-            <a:endParaRPr lang="en-GB" sz="1800" b="0" strike="noStrike" spc="-1">
-              <a:solidFill>
-                <a:srgbClr val="000000"/>
-              </a:solidFill>
-              <a:uFill>
-                <a:solidFill>
-                  <a:srgbClr val="FFFFFF"/>
-                </a:solidFill>
-              </a:uFill>
-              <a:latin typeface="Arial"/>
-            </a:endParaRPr>
-          </a:p>
-          <a:p>
-            <a:pPr algn="r">
-              <a:lnSpc>
-                <a:spcPct val="100000"/>
-              </a:lnSpc>
-            </a:pPr>
-            <a:r>
-              <a:rPr lang="en-GB" sz="1400" b="0" strike="noStrike" spc="-1">
-                <a:solidFill>
-                  <a:srgbClr val="000000"/>
-                </a:solidFill>
-                <a:uFill>
-                  <a:solidFill>
-                    <a:srgbClr val="FFFFFF"/>
-                  </a:solidFill>
-                </a:uFill>
-                <a:latin typeface="Verdana"/>
-                <a:ea typeface="Verdana"/>
-              </a:rPr>
-              <a:t>Angles References</a:t>
-            </a:r>
-            <a:endParaRPr lang="en-GB" sz="1800" b="0" strike="noStrike" spc="-1">
-              <a:solidFill>
-                <a:srgbClr val="000000"/>
-              </a:solidFill>
-              <a:uFill>
-                <a:solidFill>
-                  <a:srgbClr val="FFFFFF"/>
-                </a:solidFill>
-              </a:uFill>
-              <a:latin typeface="Arial"/>
-            </a:endParaRPr>
-          </a:p>
-        </p:txBody>
-      </p:sp>
-      <p:sp>
-        <p:nvSpPr>
-          <p:cNvPr id="102" name="CustomShape 12"/>
-          <p:cNvSpPr/>
-          <p:nvPr/>
-        </p:nvSpPr>
-        <p:spPr>
-          <a:xfrm>
-            <a:off x="1870920" y="5403960"/>
-            <a:ext cx="643320" cy="360"/>
-          </a:xfrm>
-          <a:custGeom>
-            <a:avLst/>
-            <a:gdLst/>
-            <a:ahLst/>
-            <a:cxnLst/>
-            <a:rect l="l" t="t" r="r" b="b"/>
-            <a:pathLst>
-              <a:path w="21600" h="21600">
-                <a:moveTo>
-                  <a:pt x="0" y="0"/>
-                </a:moveTo>
-                <a:lnTo>
-                  <a:pt x="21600" y="21600"/>
-                </a:lnTo>
-              </a:path>
-            </a:pathLst>
-          </a:custGeom>
-          <a:noFill/>
-          <a:ln w="19080">
-            <a:solidFill>
-              <a:srgbClr val="4A7EBB"/>
-            </a:solidFill>
-            <a:round/>
-            <a:tailEnd type="triangle" w="med" len="med"/>
-          </a:ln>
-        </p:spPr>
-        <p:style>
-          <a:lnRef idx="1">
-            <a:schemeClr val="accent1"/>
-          </a:lnRef>
-          <a:fillRef idx="0">
-            <a:schemeClr val="accent1"/>
-          </a:fillRef>
-          <a:effectRef idx="0">
-            <a:schemeClr val="accent1"/>
-          </a:effectRef>
-          <a:fontRef idx="minor"/>
-        </p:style>
-      </p:sp>
-      <p:sp>
-        <p:nvSpPr>
-          <p:cNvPr id="103" name="CustomShape 13"/>
-          <p:cNvSpPr/>
-          <p:nvPr/>
-        </p:nvSpPr>
-        <p:spPr>
-          <a:xfrm>
-            <a:off x="3917520" y="5404320"/>
-            <a:ext cx="268200" cy="360"/>
-          </a:xfrm>
-          <a:custGeom>
-            <a:avLst/>
-            <a:gdLst/>
-            <a:ahLst/>
-            <a:cxnLst/>
-            <a:rect l="l" t="t" r="r" b="b"/>
-            <a:pathLst>
-              <a:path w="21600" h="21600">
-                <a:moveTo>
-                  <a:pt x="0" y="0"/>
-                </a:moveTo>
-                <a:lnTo>
-                  <a:pt x="21600" y="21600"/>
-                </a:lnTo>
-              </a:path>
-            </a:pathLst>
-          </a:custGeom>
-          <a:noFill/>
-          <a:ln w="19080">
-            <a:solidFill>
-              <a:srgbClr val="4A7EBB"/>
-            </a:solidFill>
-            <a:round/>
-            <a:tailEnd type="triangle" w="med" len="med"/>
-          </a:ln>
-        </p:spPr>
-        <p:style>
-          <a:lnRef idx="1">
-            <a:schemeClr val="accent1"/>
-          </a:lnRef>
-          <a:fillRef idx="0">
-            <a:schemeClr val="accent1"/>
-          </a:fillRef>
-          <a:effectRef idx="0">
-            <a:schemeClr val="accent1"/>
-          </a:effectRef>
-          <a:fontRef idx="minor"/>
-        </p:style>
-      </p:sp>
-      <p:sp>
-        <p:nvSpPr>
-          <p:cNvPr id="104" name="CustomShape 14"/>
-          <p:cNvSpPr/>
-          <p:nvPr/>
-        </p:nvSpPr>
-        <p:spPr>
-          <a:xfrm flipV="1">
-            <a:off x="5589360" y="5403240"/>
-            <a:ext cx="555480" cy="360"/>
-          </a:xfrm>
-          <a:custGeom>
-            <a:avLst/>
-            <a:gdLst/>
-            <a:ahLst/>
-            <a:cxnLst/>
-            <a:rect l="l" t="t" r="r" b="b"/>
-            <a:pathLst>
-              <a:path w="21600" h="21600">
-                <a:moveTo>
-                  <a:pt x="0" y="0"/>
-                </a:moveTo>
-                <a:lnTo>
-                  <a:pt x="21600" y="21600"/>
-                </a:lnTo>
-              </a:path>
-            </a:pathLst>
-          </a:custGeom>
-          <a:noFill/>
-          <a:ln w="19080">
-            <a:solidFill>
-              <a:srgbClr val="4A7EBB"/>
-            </a:solidFill>
-            <a:round/>
-            <a:tailEnd type="triangle" w="med" len="med"/>
-          </a:ln>
-        </p:spPr>
-        <p:style>
-          <a:lnRef idx="1">
-            <a:schemeClr val="accent1"/>
-          </a:lnRef>
-          <a:fillRef idx="0">
-            <a:schemeClr val="accent1"/>
-          </a:fillRef>
-          <a:effectRef idx="0">
-            <a:schemeClr val="accent1"/>
-          </a:effectRef>
-          <a:fontRef idx="minor"/>
-        </p:style>
-      </p:sp>
-      <p:sp>
-        <p:nvSpPr>
-          <p:cNvPr id="105" name="CustomShape 15"/>
-          <p:cNvSpPr/>
-          <p:nvPr/>
-        </p:nvSpPr>
-        <p:spPr>
-          <a:xfrm flipV="1">
-            <a:off x="6922440" y="5398920"/>
-            <a:ext cx="350280" cy="3960"/>
-          </a:xfrm>
-          <a:custGeom>
-            <a:avLst/>
-            <a:gdLst/>
-            <a:ahLst/>
-            <a:cxnLst/>
-            <a:rect l="l" t="t" r="r" b="b"/>
-            <a:pathLst>
-              <a:path w="21600" h="21600">
-                <a:moveTo>
-                  <a:pt x="0" y="0"/>
-                </a:moveTo>
-                <a:lnTo>
-                  <a:pt x="21600" y="21600"/>
-                </a:lnTo>
-              </a:path>
-            </a:pathLst>
-          </a:custGeom>
-          <a:noFill/>
-          <a:ln w="19080">
-            <a:solidFill>
-              <a:srgbClr val="4A7EBB"/>
-            </a:solidFill>
-            <a:round/>
-            <a:tailEnd type="triangle" w="med" len="med"/>
-          </a:ln>
-        </p:spPr>
-        <p:style>
-          <a:lnRef idx="1">
-            <a:schemeClr val="accent1"/>
-          </a:lnRef>
-          <a:fillRef idx="0">
-            <a:schemeClr val="accent1"/>
-          </a:fillRef>
-          <a:effectRef idx="0">
-            <a:schemeClr val="accent1"/>
-          </a:effectRef>
-          <a:fontRef idx="minor"/>
-        </p:style>
-      </p:sp>
-      <p:sp>
-        <p:nvSpPr>
-          <p:cNvPr id="106" name="CustomShape 16"/>
-          <p:cNvSpPr/>
-          <p:nvPr/>
-        </p:nvSpPr>
-        <p:spPr>
-          <a:xfrm flipH="1">
-            <a:off x="7974720" y="4537440"/>
-            <a:ext cx="3600" cy="269280"/>
-          </a:xfrm>
-          <a:custGeom>
-            <a:avLst/>
-            <a:gdLst/>
-            <a:ahLst/>
-            <a:cxnLst/>
-            <a:rect l="l" t="t" r="r" b="b"/>
-            <a:pathLst>
-              <a:path w="21600" h="21600">
-                <a:moveTo>
-                  <a:pt x="0" y="0"/>
-                </a:moveTo>
-                <a:lnTo>
-                  <a:pt x="21600" y="21600"/>
-                </a:lnTo>
-              </a:path>
-            </a:pathLst>
-          </a:custGeom>
-          <a:noFill/>
-          <a:ln w="19080">
-            <a:solidFill>
-              <a:srgbClr val="4A7EBB"/>
-            </a:solidFill>
-            <a:round/>
-            <a:tailEnd type="triangle" w="med" len="med"/>
-          </a:ln>
-        </p:spPr>
-        <p:style>
-          <a:lnRef idx="1">
-            <a:schemeClr val="accent1"/>
-          </a:lnRef>
-          <a:fillRef idx="0">
-            <a:schemeClr val="accent1"/>
-          </a:fillRef>
-          <a:effectRef idx="0">
-            <a:schemeClr val="accent1"/>
-          </a:effectRef>
-          <a:fontRef idx="minor"/>
-        </p:style>
-      </p:sp>
-      <p:sp>
-        <p:nvSpPr>
-          <p:cNvPr id="107" name="CustomShape 17"/>
-          <p:cNvSpPr/>
-          <p:nvPr/>
-        </p:nvSpPr>
-        <p:spPr>
-          <a:xfrm rot="5400000">
-            <a:off x="4569840" y="2591280"/>
-            <a:ext cx="3960" cy="6805440"/>
-          </a:xfrm>
-          <a:prstGeom prst="bentConnector3">
-            <a:avLst>
-              <a:gd name="adj1" fmla="val 14375317"/>
-            </a:avLst>
-          </a:prstGeom>
-          <a:noFill/>
-          <a:ln w="19080">
-            <a:solidFill>
-              <a:srgbClr val="4A7EBB"/>
-            </a:solidFill>
-            <a:round/>
-            <a:tailEnd type="triangle" w="med" len="med"/>
-          </a:ln>
-        </p:spPr>
-        <p:style>
-          <a:lnRef idx="1">
-            <a:schemeClr val="accent1"/>
-          </a:lnRef>
-          <a:fillRef idx="0">
-            <a:schemeClr val="accent1"/>
-          </a:fillRef>
-          <a:effectRef idx="0">
-            <a:schemeClr val="accent1"/>
-          </a:effectRef>
-          <a:fontRef idx="minor"/>
-        </p:style>
-      </p:sp>
-      <p:sp>
-        <p:nvSpPr>
-          <p:cNvPr id="108" name="CustomShape 18"/>
-          <p:cNvSpPr/>
-          <p:nvPr/>
-        </p:nvSpPr>
-        <p:spPr>
-          <a:xfrm>
-            <a:off x="2361960" y="4263120"/>
-            <a:ext cx="3367440" cy="302760"/>
-          </a:xfrm>
-          <a:prstGeom prst="rect">
-            <a:avLst/>
-          </a:prstGeom>
-          <a:noFill/>
-          <a:ln>
-            <a:noFill/>
-          </a:ln>
-        </p:spPr>
-        <p:style>
-          <a:lnRef idx="0">
-            <a:scrgbClr r="0" g="0" b="0"/>
-          </a:lnRef>
-          <a:fillRef idx="0">
-            <a:scrgbClr r="0" g="0" b="0"/>
-          </a:fillRef>
-          <a:effectRef idx="0">
-            <a:scrgbClr r="0" g="0" b="0"/>
-          </a:effectRef>
-          <a:fontRef idx="minor"/>
-        </p:style>
-        <p:txBody>
-          <a:bodyPr lIns="90000" tIns="45000" rIns="90000" bIns="45000"/>
-          <a:lstStyle/>
-          <a:p>
-            <a:pPr algn="ctr">
-              <a:lnSpc>
-                <a:spcPct val="100000"/>
-              </a:lnSpc>
-            </a:pPr>
-            <a:r>
-              <a:rPr lang="en-GB" sz="1400" b="0" strike="noStrike" spc="-1">
-                <a:solidFill>
-                  <a:srgbClr val="000000"/>
-                </a:solidFill>
-                <a:uFill>
-                  <a:solidFill>
-                    <a:srgbClr val="FFFFFF"/>
-                  </a:solidFill>
-                </a:uFill>
-                <a:latin typeface="Verdana"/>
-                <a:ea typeface="Verdana"/>
-              </a:rPr>
-              <a:t>UAV</a:t>
-            </a:r>
-            <a:endParaRPr lang="en-GB" sz="1800" b="0" strike="noStrike" spc="-1">
-              <a:solidFill>
-                <a:srgbClr val="000000"/>
-              </a:solidFill>
-              <a:uFill>
-                <a:solidFill>
-                  <a:srgbClr val="FFFFFF"/>
-                </a:solidFill>
-              </a:uFill>
-              <a:latin typeface="Arial"/>
-            </a:endParaRPr>
-          </a:p>
-        </p:txBody>
-      </p:sp>
-      <p:pic>
-        <p:nvPicPr>
-          <p:cNvPr id="109" name="Imagem 2"/>
-          <p:cNvPicPr/>
-          <p:nvPr/>
-        </p:nvPicPr>
-        <p:blipFill>
-          <a:blip r:embed="rId3"/>
-          <a:stretch/>
-        </p:blipFill>
-        <p:spPr>
-          <a:xfrm>
-            <a:off x="539640" y="1732680"/>
-            <a:ext cx="1154520" cy="769680"/>
-          </a:xfrm>
-          <a:prstGeom prst="rect">
-            <a:avLst/>
-          </a:prstGeom>
-          <a:ln>
-            <a:noFill/>
-          </a:ln>
-        </p:spPr>
-      </p:pic>
-      <p:sp>
-        <p:nvSpPr>
-          <p:cNvPr id="110" name="CustomShape 19"/>
-          <p:cNvSpPr/>
-          <p:nvPr/>
-        </p:nvSpPr>
-        <p:spPr>
-          <a:xfrm>
-            <a:off x="2773080" y="1556640"/>
-            <a:ext cx="1295640" cy="548280"/>
-          </a:xfrm>
-          <a:prstGeom prst="flowChartProcess">
-            <a:avLst/>
-          </a:prstGeom>
-          <a:solidFill>
-            <a:srgbClr val="999999"/>
-          </a:solidFill>
-          <a:ln w="9360">
-            <a:solidFill>
-              <a:srgbClr val="C5000B"/>
-            </a:solidFill>
-            <a:round/>
-          </a:ln>
-        </p:spPr>
-        <p:style>
-          <a:lnRef idx="0">
-            <a:scrgbClr r="0" g="0" b="0"/>
-          </a:lnRef>
-          <a:fillRef idx="0">
-            <a:scrgbClr r="0" g="0" b="0"/>
-          </a:fillRef>
-          <a:effectRef idx="0">
-            <a:scrgbClr r="0" g="0" b="0"/>
-          </a:effectRef>
-          <a:fontRef idx="minor"/>
-        </p:style>
-        <p:txBody>
-          <a:bodyPr wrap="none" lIns="90000" tIns="64440" rIns="90000" bIns="45000" anchor="ctr"/>
-          <a:lstStyle/>
-          <a:p>
-            <a:pPr algn="ctr">
-              <a:lnSpc>
-                <a:spcPct val="100000"/>
-              </a:lnSpc>
-            </a:pPr>
-            <a:r>
-              <a:rPr lang="en-GB" sz="1600" b="1" strike="noStrike" spc="-1">
-                <a:solidFill>
-                  <a:srgbClr val="000000"/>
-                </a:solidFill>
-                <a:uFill>
-                  <a:solidFill>
-                    <a:srgbClr val="FFFFFF"/>
-                  </a:solidFill>
-                </a:uFill>
-                <a:latin typeface="Verdana"/>
-                <a:ea typeface="Verdana"/>
-              </a:rPr>
-              <a:t>Obstacle 1</a:t>
-            </a:r>
-            <a:endParaRPr lang="en-GB" sz="1800" b="0" strike="noStrike" spc="-1">
-              <a:solidFill>
-                <a:srgbClr val="000000"/>
-              </a:solidFill>
-              <a:uFill>
-                <a:solidFill>
-                  <a:srgbClr val="FFFFFF"/>
-                </a:solidFill>
-              </a:uFill>
-              <a:latin typeface="Arial"/>
-            </a:endParaRPr>
-          </a:p>
-        </p:txBody>
-      </p:sp>
-      <p:sp>
-        <p:nvSpPr>
-          <p:cNvPr id="111" name="CustomShape 20"/>
-          <p:cNvSpPr/>
-          <p:nvPr/>
-        </p:nvSpPr>
-        <p:spPr>
-          <a:xfrm>
-            <a:off x="3277440" y="2579040"/>
-            <a:ext cx="1627560" cy="533520"/>
-          </a:xfrm>
-          <a:prstGeom prst="flowChartProcess">
-            <a:avLst/>
-          </a:prstGeom>
-          <a:solidFill>
-            <a:srgbClr val="999999"/>
-          </a:solidFill>
-          <a:ln w="9360">
-            <a:solidFill>
-              <a:srgbClr val="C5000B"/>
-            </a:solidFill>
-            <a:round/>
-          </a:ln>
-        </p:spPr>
-        <p:style>
-          <a:lnRef idx="0">
-            <a:scrgbClr r="0" g="0" b="0"/>
-          </a:lnRef>
-          <a:fillRef idx="0">
-            <a:scrgbClr r="0" g="0" b="0"/>
-          </a:fillRef>
-          <a:effectRef idx="0">
-            <a:scrgbClr r="0" g="0" b="0"/>
-          </a:effectRef>
-          <a:fontRef idx="minor"/>
-        </p:style>
-        <p:txBody>
-          <a:bodyPr wrap="none" lIns="90000" tIns="64440" rIns="90000" bIns="45000" anchor="ctr"/>
-          <a:lstStyle/>
-          <a:p>
-            <a:pPr algn="ctr">
-              <a:lnSpc>
-                <a:spcPct val="100000"/>
-              </a:lnSpc>
-            </a:pPr>
-            <a:r>
-              <a:rPr lang="en-GB" sz="1600" b="1" strike="noStrike" spc="-1">
-                <a:solidFill>
-                  <a:srgbClr val="000000"/>
-                </a:solidFill>
-                <a:uFill>
-                  <a:solidFill>
-                    <a:srgbClr val="FFFFFF"/>
-                  </a:solidFill>
-                </a:uFill>
-                <a:latin typeface="Verdana"/>
-                <a:ea typeface="Verdana"/>
-              </a:rPr>
-              <a:t>Obstacle 2</a:t>
-            </a:r>
-            <a:endParaRPr lang="en-GB" sz="1800" b="0" strike="noStrike" spc="-1">
-              <a:solidFill>
-                <a:srgbClr val="000000"/>
-              </a:solidFill>
-              <a:uFill>
-                <a:solidFill>
-                  <a:srgbClr val="FFFFFF"/>
-                </a:solidFill>
-              </a:uFill>
-              <a:latin typeface="Arial"/>
-            </a:endParaRPr>
-          </a:p>
-        </p:txBody>
-      </p:sp>
-      <p:sp>
-        <p:nvSpPr>
-          <p:cNvPr id="112" name="CustomShape 21"/>
-          <p:cNvSpPr/>
-          <p:nvPr/>
-        </p:nvSpPr>
-        <p:spPr>
-          <a:xfrm>
-            <a:off x="5149440" y="1816920"/>
-            <a:ext cx="1011960" cy="827280"/>
-          </a:xfrm>
-          <a:prstGeom prst="flowChartProcess">
-            <a:avLst/>
-          </a:prstGeom>
-          <a:solidFill>
-            <a:srgbClr val="999999"/>
-          </a:solidFill>
-          <a:ln w="9360">
-            <a:solidFill>
-              <a:srgbClr val="C5000B"/>
-            </a:solidFill>
-            <a:round/>
-          </a:ln>
-        </p:spPr>
-        <p:style>
-          <a:lnRef idx="0">
-            <a:scrgbClr r="0" g="0" b="0"/>
-          </a:lnRef>
-          <a:fillRef idx="0">
-            <a:scrgbClr r="0" g="0" b="0"/>
-          </a:fillRef>
-          <a:effectRef idx="0">
-            <a:scrgbClr r="0" g="0" b="0"/>
-          </a:effectRef>
-          <a:fontRef idx="minor"/>
-        </p:style>
-        <p:txBody>
-          <a:bodyPr wrap="none" lIns="90000" tIns="64440" rIns="90000" bIns="45000" anchor="ctr"/>
-          <a:lstStyle/>
-          <a:p>
-            <a:pPr algn="ctr">
-              <a:lnSpc>
-                <a:spcPct val="100000"/>
-              </a:lnSpc>
-            </a:pPr>
-            <a:r>
-              <a:rPr lang="en-GB" sz="1600" b="1" strike="noStrike" spc="-1">
-                <a:solidFill>
-                  <a:srgbClr val="000000"/>
-                </a:solidFill>
-                <a:uFill>
-                  <a:solidFill>
-                    <a:srgbClr val="FFFFFF"/>
-                  </a:solidFill>
-                </a:uFill>
-                <a:latin typeface="Verdana"/>
-                <a:ea typeface="Verdana"/>
-              </a:rPr>
-              <a:t>Obstacle</a:t>
-            </a:r>
-            <a:endParaRPr lang="en-GB" sz="1800" b="0" strike="noStrike" spc="-1">
-              <a:solidFill>
-                <a:srgbClr val="000000"/>
-              </a:solidFill>
-              <a:uFill>
-                <a:solidFill>
-                  <a:srgbClr val="FFFFFF"/>
-                </a:solidFill>
-              </a:uFill>
-              <a:latin typeface="Arial"/>
-            </a:endParaRPr>
-          </a:p>
-          <a:p>
-            <a:pPr algn="ctr">
-              <a:lnSpc>
-                <a:spcPct val="100000"/>
-              </a:lnSpc>
-            </a:pPr>
-            <a:r>
-              <a:rPr lang="en-GB" sz="1600" b="1" strike="noStrike" spc="-1">
-                <a:solidFill>
-                  <a:srgbClr val="000000"/>
-                </a:solidFill>
-                <a:uFill>
-                  <a:solidFill>
-                    <a:srgbClr val="FFFFFF"/>
-                  </a:solidFill>
-                </a:uFill>
-                <a:latin typeface="Verdana"/>
-                <a:ea typeface="Verdana"/>
-              </a:rPr>
-              <a:t>3</a:t>
-            </a:r>
-            <a:endParaRPr lang="en-GB" sz="1800" b="0" strike="noStrike" spc="-1">
-              <a:solidFill>
-                <a:srgbClr val="000000"/>
-              </a:solidFill>
-              <a:uFill>
-                <a:solidFill>
-                  <a:srgbClr val="FFFFFF"/>
-                </a:solidFill>
-              </a:uFill>
-              <a:latin typeface="Arial"/>
-            </a:endParaRPr>
-          </a:p>
-        </p:txBody>
-      </p:sp>
-      <p:sp>
-        <p:nvSpPr>
-          <p:cNvPr id="113" name="CustomShape 22"/>
-          <p:cNvSpPr/>
-          <p:nvPr/>
-        </p:nvSpPr>
-        <p:spPr>
-          <a:xfrm>
-            <a:off x="6697800" y="1340640"/>
-            <a:ext cx="1078920" cy="587160"/>
-          </a:xfrm>
-          <a:prstGeom prst="flowChartProcess">
-            <a:avLst/>
-          </a:prstGeom>
-          <a:solidFill>
-            <a:srgbClr val="999999"/>
-          </a:solidFill>
-          <a:ln w="9360">
-            <a:solidFill>
-              <a:srgbClr val="C5000B"/>
-            </a:solidFill>
-            <a:round/>
-          </a:ln>
-        </p:spPr>
-        <p:style>
-          <a:lnRef idx="0">
-            <a:scrgbClr r="0" g="0" b="0"/>
-          </a:lnRef>
-          <a:fillRef idx="0">
-            <a:scrgbClr r="0" g="0" b="0"/>
-          </a:fillRef>
-          <a:effectRef idx="0">
-            <a:scrgbClr r="0" g="0" b="0"/>
-          </a:effectRef>
-          <a:fontRef idx="minor"/>
-        </p:style>
-        <p:txBody>
-          <a:bodyPr wrap="none" lIns="90000" tIns="64440" rIns="90000" bIns="45000" anchor="ctr"/>
-          <a:lstStyle/>
-          <a:p>
-            <a:pPr algn="ctr">
-              <a:lnSpc>
-                <a:spcPct val="100000"/>
-              </a:lnSpc>
-            </a:pPr>
-            <a:r>
-              <a:rPr lang="en-GB" sz="1600" b="1" strike="noStrike" spc="-1">
-                <a:solidFill>
-                  <a:srgbClr val="000000"/>
-                </a:solidFill>
-                <a:uFill>
-                  <a:solidFill>
-                    <a:srgbClr val="FFFFFF"/>
-                  </a:solidFill>
-                </a:uFill>
-                <a:latin typeface="Verdana"/>
-                <a:ea typeface="Verdana"/>
-              </a:rPr>
-              <a:t>Obstacle</a:t>
-            </a:r>
-            <a:endParaRPr lang="en-GB" sz="1800" b="0" strike="noStrike" spc="-1">
-              <a:solidFill>
-                <a:srgbClr val="000000"/>
-              </a:solidFill>
-              <a:uFill>
-                <a:solidFill>
-                  <a:srgbClr val="FFFFFF"/>
-                </a:solidFill>
-              </a:uFill>
-              <a:latin typeface="Arial"/>
-            </a:endParaRPr>
-          </a:p>
-          <a:p>
-            <a:pPr algn="ctr">
-              <a:lnSpc>
-                <a:spcPct val="100000"/>
-              </a:lnSpc>
-            </a:pPr>
-            <a:r>
-              <a:rPr lang="en-GB" sz="1600" b="1" strike="noStrike" spc="-1">
-                <a:solidFill>
-                  <a:srgbClr val="000000"/>
-                </a:solidFill>
-                <a:uFill>
-                  <a:solidFill>
-                    <a:srgbClr val="FFFFFF"/>
-                  </a:solidFill>
-                </a:uFill>
-                <a:latin typeface="Verdana"/>
-                <a:ea typeface="Verdana"/>
-              </a:rPr>
-              <a:t>4</a:t>
-            </a:r>
-            <a:endParaRPr lang="en-GB" sz="1800" b="0" strike="noStrike" spc="-1">
-              <a:solidFill>
-                <a:srgbClr val="000000"/>
-              </a:solidFill>
-              <a:uFill>
-                <a:solidFill>
-                  <a:srgbClr val="FFFFFF"/>
-                </a:solidFill>
-              </a:uFill>
-              <a:latin typeface="Arial"/>
-            </a:endParaRPr>
-          </a:p>
-        </p:txBody>
-      </p:sp>
-      <p:sp>
-        <p:nvSpPr>
-          <p:cNvPr id="114" name="CustomShape 23"/>
-          <p:cNvSpPr/>
-          <p:nvPr/>
-        </p:nvSpPr>
-        <p:spPr>
-          <a:xfrm>
-            <a:off x="6373800" y="2464920"/>
-            <a:ext cx="1007640" cy="682560"/>
-          </a:xfrm>
-          <a:prstGeom prst="ellipse">
-            <a:avLst/>
-          </a:prstGeom>
-          <a:solidFill>
-            <a:srgbClr val="00B050"/>
-          </a:solidFill>
-          <a:ln>
-            <a:solidFill>
-              <a:srgbClr val="336600"/>
-            </a:solidFill>
-            <a:round/>
-          </a:ln>
-        </p:spPr>
-        <p:style>
-          <a:lnRef idx="2">
-            <a:schemeClr val="accent1">
-              <a:shade val="50000"/>
-            </a:schemeClr>
-          </a:lnRef>
-          <a:fillRef idx="1">
-            <a:schemeClr val="accent1"/>
-          </a:fillRef>
-          <a:effectRef idx="0">
-            <a:schemeClr val="accent1"/>
-          </a:effectRef>
-          <a:fontRef idx="minor"/>
-        </p:style>
-        <p:txBody>
-          <a:bodyPr lIns="90000" tIns="45000" rIns="90000" bIns="45000" anchor="ctr"/>
-          <a:lstStyle/>
-          <a:p>
-            <a:pPr algn="ctr">
-              <a:lnSpc>
-                <a:spcPct val="100000"/>
-              </a:lnSpc>
-            </a:pPr>
-            <a:r>
               <a:rPr lang="en-GB" sz="1600" b="0" strike="noStrike" spc="-1">
                 <a:solidFill>
                   <a:srgbClr val="FFFFFF"/>
@@ -8335,12 +8599,12 @@
         </p:nvSpPr>
         <p:spPr>
           <a:xfrm>
-            <a:off x="1694520" y="2117880"/>
-            <a:ext cx="4678560" cy="688320"/>
+            <a:off x="1681124" y="3022966"/>
+            <a:ext cx="4214160" cy="689400"/>
           </a:xfrm>
           <a:prstGeom prst="curvedConnector3">
             <a:avLst>
-              <a:gd name="adj1" fmla="val 67401"/>
+              <a:gd name="adj1" fmla="val 64078"/>
             </a:avLst>
           </a:prstGeom>
           <a:noFill/>
@@ -8349,6 +8613,7 @@
               <a:srgbClr val="4A7EBB"/>
             </a:solidFill>
             <a:round/>
+            <a:tailEnd type="stealth"/>
           </a:ln>
         </p:spPr>
         <p:style>
@@ -8372,8 +8637,8 @@
         </p:nvSpPr>
         <p:spPr>
           <a:xfrm rot="16200000" flipH="1">
-            <a:off x="3630600" y="-781200"/>
-            <a:ext cx="731880" cy="5760360"/>
+            <a:off x="3394489" y="366651"/>
+            <a:ext cx="730290" cy="5278579"/>
           </a:xfrm>
           <a:prstGeom prst="curvedConnector3">
             <a:avLst>
@@ -8386,6 +8651,7 @@
               <a:srgbClr val="4A7EBB"/>
             </a:solidFill>
             <a:round/>
+            <a:tailEnd type="stealth"/>
           </a:ln>
         </p:spPr>
         <p:style>
@@ -8403,112 +8669,13 @@
       </p:sp>
       <p:sp>
         <p:nvSpPr>
-          <p:cNvPr id="117" name="CustomShape 26"/>
-          <p:cNvSpPr/>
-          <p:nvPr/>
-        </p:nvSpPr>
-        <p:spPr>
-          <a:xfrm>
-            <a:off x="410760" y="2690280"/>
-            <a:ext cx="2621880" cy="1736280"/>
-          </a:xfrm>
-          <a:prstGeom prst="rect">
-            <a:avLst/>
-          </a:prstGeom>
-          <a:noFill/>
-          <a:ln>
-            <a:noFill/>
-          </a:ln>
-        </p:spPr>
-        <p:style>
-          <a:lnRef idx="0">
-            <a:scrgbClr r="0" g="0" b="0"/>
-          </a:lnRef>
-          <a:fillRef idx="0">
-            <a:scrgbClr r="0" g="0" b="0"/>
-          </a:fillRef>
-          <a:effectRef idx="0">
-            <a:scrgbClr r="0" g="0" b="0"/>
-          </a:effectRef>
-          <a:fontRef idx="minor"/>
-        </p:style>
-        <p:txBody>
-          <a:bodyPr lIns="90000" tIns="45000" rIns="90000" bIns="45000"/>
-          <a:lstStyle/>
-          <a:p>
-            <a:pPr>
-              <a:lnSpc>
-                <a:spcPct val="100000"/>
-              </a:lnSpc>
-            </a:pPr>
-            <a:r>
-              <a:rPr lang="en-GB" sz="1800" b="0" strike="noStrike" spc="-1">
-                <a:solidFill>
-                  <a:srgbClr val="000000"/>
-                </a:solidFill>
-                <a:uFill>
-                  <a:solidFill>
-                    <a:srgbClr val="FFFFFF"/>
-                  </a:solidFill>
-                </a:uFill>
-                <a:latin typeface="Verdana"/>
-                <a:ea typeface="Verdana"/>
-              </a:rPr>
-              <a:t>What is the </a:t>
-            </a:r>
-            <a:r>
-              <a:rPr lang="en-GB" sz="1800" b="1" strike="noStrike" spc="-1">
-                <a:solidFill>
-                  <a:srgbClr val="000000"/>
-                </a:solidFill>
-                <a:uFill>
-                  <a:solidFill>
-                    <a:srgbClr val="FFFFFF"/>
-                  </a:solidFill>
-                </a:uFill>
-                <a:latin typeface="Verdana"/>
-                <a:ea typeface="Verdana"/>
-              </a:rPr>
-              <a:t>shortest trajectory</a:t>
-            </a:r>
-            <a:r>
-              <a:rPr lang="en-GB" sz="1800" b="0" strike="noStrike" spc="-1">
-                <a:solidFill>
-                  <a:srgbClr val="000000"/>
-                </a:solidFill>
-                <a:uFill>
-                  <a:solidFill>
-                    <a:srgbClr val="FFFFFF"/>
-                  </a:solidFill>
-                </a:uFill>
-                <a:latin typeface="Verdana"/>
-                <a:ea typeface="Verdana"/>
-              </a:rPr>
-              <a:t> considering the obstacles, dynamics, non-holonomic constraints?</a:t>
-            </a:r>
-            <a:endParaRPr lang="en-GB" sz="1800" b="0" strike="noStrike" spc="-1">
-              <a:solidFill>
-                <a:srgbClr val="000000"/>
-              </a:solidFill>
-              <a:uFill>
-                <a:solidFill>
-                  <a:srgbClr val="FFFFFF"/>
-                </a:solidFill>
-              </a:uFill>
-              <a:latin typeface="Arial"/>
-            </a:endParaRPr>
-          </a:p>
-        </p:txBody>
-      </p:sp>
-      <p:sp>
-        <p:nvSpPr>
           <p:cNvPr id="118" name="CustomShape 27"/>
           <p:cNvSpPr/>
           <p:nvPr/>
         </p:nvSpPr>
         <p:spPr>
           <a:xfrm>
-            <a:off x="4356000" y="2103480"/>
+            <a:off x="3878204" y="3009646"/>
             <a:ext cx="359640" cy="461160"/>
           </a:xfrm>
           <a:prstGeom prst="mathMultiply">
@@ -8541,6 +8708,1431 @@
           <a:fontRef idx="minor"/>
         </p:style>
       </p:sp>
+      <p:grpSp>
+        <p:nvGrpSpPr>
+          <p:cNvPr id="5" name="Grupo 4"/>
+          <p:cNvGrpSpPr/>
+          <p:nvPr/>
+        </p:nvGrpSpPr>
+        <p:grpSpPr>
+          <a:xfrm>
+            <a:off x="2281882" y="4019283"/>
+            <a:ext cx="6435308" cy="2579228"/>
+            <a:chOff x="467640" y="3714480"/>
+            <a:chExt cx="8208360" cy="2876400"/>
+          </a:xfrm>
+        </p:grpSpPr>
+        <p:sp>
+          <p:nvSpPr>
+            <p:cNvPr id="92" name="CustomShape 2"/>
+            <p:cNvSpPr/>
+            <p:nvPr/>
+          </p:nvSpPr>
+          <p:spPr>
+            <a:xfrm>
+              <a:off x="467640" y="4811760"/>
+              <a:ext cx="1402920" cy="1184760"/>
+            </a:xfrm>
+            <a:prstGeom prst="rect">
+              <a:avLst/>
+            </a:prstGeom>
+            <a:ln>
+              <a:round/>
+            </a:ln>
+          </p:spPr>
+          <p:style>
+            <a:lnRef idx="2">
+              <a:schemeClr val="accent1">
+                <a:shade val="50000"/>
+              </a:schemeClr>
+            </a:lnRef>
+            <a:fillRef idx="1">
+              <a:schemeClr val="accent1"/>
+            </a:fillRef>
+            <a:effectRef idx="0">
+              <a:schemeClr val="accent1"/>
+            </a:effectRef>
+            <a:fontRef idx="minor"/>
+          </p:style>
+          <p:txBody>
+            <a:bodyPr lIns="90000" tIns="45000" rIns="90000" bIns="45000" anchor="ctr"/>
+            <a:lstStyle/>
+            <a:p>
+              <a:pPr algn="ctr">
+                <a:lnSpc>
+                  <a:spcPct val="100000"/>
+                </a:lnSpc>
+              </a:pPr>
+              <a:r>
+                <a:rPr lang="en-GB" sz="1200" b="0" strike="noStrike" spc="-1" dirty="0">
+                  <a:solidFill>
+                    <a:srgbClr val="FFFFFF"/>
+                  </a:solidFill>
+                  <a:uFill>
+                    <a:solidFill>
+                      <a:srgbClr val="FFFFFF"/>
+                    </a:solidFill>
+                  </a:uFill>
+                  <a:latin typeface="Verdana"/>
+                  <a:ea typeface="Verdana"/>
+                </a:rPr>
+                <a:t>Attitude Digital </a:t>
+              </a:r>
+              <a:r>
+                <a:rPr lang="en-GB" sz="1200" b="0" strike="noStrike" spc="-1" dirty="0" smtClean="0">
+                  <a:solidFill>
+                    <a:srgbClr val="FFFFFF"/>
+                  </a:solidFill>
+                  <a:uFill>
+                    <a:solidFill>
+                      <a:srgbClr val="FFFFFF"/>
+                    </a:solidFill>
+                  </a:uFill>
+                  <a:latin typeface="Verdana"/>
+                  <a:ea typeface="Verdana"/>
+                </a:rPr>
+                <a:t>Controller</a:t>
+              </a:r>
+            </a:p>
+            <a:p>
+              <a:pPr algn="ctr">
+                <a:lnSpc>
+                  <a:spcPct val="100000"/>
+                </a:lnSpc>
+              </a:pPr>
+              <a:r>
+                <a:rPr lang="en-GB" sz="1200" spc="-1" dirty="0" smtClean="0">
+                  <a:solidFill>
+                    <a:srgbClr val="FFFFFF"/>
+                  </a:solidFill>
+                  <a:uFill>
+                    <a:solidFill>
+                      <a:srgbClr val="FFFFFF"/>
+                    </a:solidFill>
+                  </a:uFill>
+                  <a:latin typeface="Verdana"/>
+                  <a:ea typeface="Verdana"/>
+                </a:rPr>
+                <a:t>(</a:t>
+              </a:r>
+              <a:r>
+                <a:rPr lang="en-GB" sz="1200" spc="-1" dirty="0" err="1" smtClean="0">
+                  <a:solidFill>
+                    <a:srgbClr val="FFFFFF"/>
+                  </a:solidFill>
+                  <a:uFill>
+                    <a:solidFill>
+                      <a:srgbClr val="FFFFFF"/>
+                    </a:solidFill>
+                  </a:uFill>
+                  <a:latin typeface="Verdana"/>
+                  <a:ea typeface="Verdana"/>
+                </a:rPr>
+                <a:t>Pitch,Roll</a:t>
+              </a:r>
+              <a:r>
+                <a:rPr lang="en-GB" sz="1200" spc="-1" dirty="0" smtClean="0">
+                  <a:solidFill>
+                    <a:srgbClr val="FFFFFF"/>
+                  </a:solidFill>
+                  <a:uFill>
+                    <a:solidFill>
+                      <a:srgbClr val="FFFFFF"/>
+                    </a:solidFill>
+                  </a:uFill>
+                  <a:latin typeface="Verdana"/>
+                  <a:ea typeface="Verdana"/>
+                </a:rPr>
+                <a:t>, Yaw)</a:t>
+              </a:r>
+              <a:endParaRPr lang="en-GB" sz="1600" b="0" strike="noStrike" spc="-1" dirty="0">
+                <a:solidFill>
+                  <a:srgbClr val="000000"/>
+                </a:solidFill>
+                <a:uFill>
+                  <a:solidFill>
+                    <a:srgbClr val="FFFFFF"/>
+                  </a:solidFill>
+                </a:uFill>
+                <a:latin typeface="Arial"/>
+              </a:endParaRPr>
+            </a:p>
+          </p:txBody>
+        </p:sp>
+        <p:sp>
+          <p:nvSpPr>
+            <p:cNvPr id="93" name="CustomShape 3"/>
+            <p:cNvSpPr/>
+            <p:nvPr/>
+          </p:nvSpPr>
+          <p:spPr>
+            <a:xfrm>
+              <a:off x="2361960" y="4622400"/>
+              <a:ext cx="3367440" cy="1602720"/>
+            </a:xfrm>
+            <a:prstGeom prst="rect">
+              <a:avLst/>
+            </a:prstGeom>
+            <a:noFill/>
+            <a:ln>
+              <a:round/>
+            </a:ln>
+          </p:spPr>
+          <p:style>
+            <a:lnRef idx="2">
+              <a:schemeClr val="accent1">
+                <a:shade val="50000"/>
+              </a:schemeClr>
+            </a:lnRef>
+            <a:fillRef idx="1">
+              <a:schemeClr val="accent1"/>
+            </a:fillRef>
+            <a:effectRef idx="0">
+              <a:schemeClr val="accent1"/>
+            </a:effectRef>
+            <a:fontRef idx="minor"/>
+          </p:style>
+          <p:txBody>
+            <a:bodyPr lIns="90000" tIns="45000" rIns="90000" bIns="45000" anchor="ctr"/>
+            <a:lstStyle/>
+            <a:p>
+              <a:pPr algn="ctr">
+                <a:lnSpc>
+                  <a:spcPct val="100000"/>
+                </a:lnSpc>
+              </a:pPr>
+              <a:endParaRPr lang="en-GB" sz="1600" b="0" strike="noStrike" spc="-1">
+                <a:solidFill>
+                  <a:srgbClr val="000000"/>
+                </a:solidFill>
+                <a:uFill>
+                  <a:solidFill>
+                    <a:srgbClr val="FFFFFF"/>
+                  </a:solidFill>
+                </a:uFill>
+                <a:latin typeface="Arial"/>
+              </a:endParaRPr>
+            </a:p>
+            <a:p>
+              <a:pPr algn="ctr">
+                <a:lnSpc>
+                  <a:spcPct val="100000"/>
+                </a:lnSpc>
+              </a:pPr>
+              <a:endParaRPr lang="en-GB" sz="1600" b="0" strike="noStrike" spc="-1">
+                <a:solidFill>
+                  <a:srgbClr val="000000"/>
+                </a:solidFill>
+                <a:uFill>
+                  <a:solidFill>
+                    <a:srgbClr val="FFFFFF"/>
+                  </a:solidFill>
+                </a:uFill>
+                <a:latin typeface="Arial"/>
+              </a:endParaRPr>
+            </a:p>
+            <a:p>
+              <a:pPr algn="ctr">
+                <a:lnSpc>
+                  <a:spcPct val="100000"/>
+                </a:lnSpc>
+              </a:pPr>
+              <a:endParaRPr lang="en-GB" sz="1600" b="0" strike="noStrike" spc="-1">
+                <a:solidFill>
+                  <a:srgbClr val="000000"/>
+                </a:solidFill>
+                <a:uFill>
+                  <a:solidFill>
+                    <a:srgbClr val="FFFFFF"/>
+                  </a:solidFill>
+                </a:uFill>
+                <a:latin typeface="Arial"/>
+              </a:endParaRPr>
+            </a:p>
+          </p:txBody>
+        </p:sp>
+        <p:sp>
+          <p:nvSpPr>
+            <p:cNvPr id="94" name="CustomShape 4"/>
+            <p:cNvSpPr/>
+            <p:nvPr/>
+          </p:nvSpPr>
+          <p:spPr>
+            <a:xfrm>
+              <a:off x="4186080" y="4831560"/>
+              <a:ext cx="1402920" cy="1145520"/>
+            </a:xfrm>
+            <a:prstGeom prst="rect">
+              <a:avLst/>
+            </a:prstGeom>
+            <a:ln>
+              <a:round/>
+            </a:ln>
+          </p:spPr>
+          <p:style>
+            <a:lnRef idx="2">
+              <a:schemeClr val="accent1">
+                <a:shade val="50000"/>
+              </a:schemeClr>
+            </a:lnRef>
+            <a:fillRef idx="1">
+              <a:schemeClr val="accent1"/>
+            </a:fillRef>
+            <a:effectRef idx="0">
+              <a:schemeClr val="accent1"/>
+            </a:effectRef>
+            <a:fontRef idx="minor"/>
+          </p:style>
+          <p:txBody>
+            <a:bodyPr lIns="90000" tIns="45000" rIns="90000" bIns="45000" anchor="ctr"/>
+            <a:lstStyle/>
+            <a:p>
+              <a:pPr algn="ctr">
+                <a:lnSpc>
+                  <a:spcPct val="100000"/>
+                </a:lnSpc>
+              </a:pPr>
+              <a:r>
+                <a:rPr lang="en-GB" sz="1200" b="0" strike="noStrike" spc="-1" dirty="0" smtClean="0">
+                  <a:solidFill>
+                    <a:srgbClr val="FFFFFF"/>
+                  </a:solidFill>
+                  <a:uFill>
+                    <a:solidFill>
+                      <a:srgbClr val="FFFFFF"/>
+                    </a:solidFill>
+                  </a:uFill>
+                  <a:latin typeface="Verdana"/>
+                  <a:ea typeface="Verdana"/>
+                </a:rPr>
+                <a:t>Altitude </a:t>
+              </a:r>
+              <a:r>
+                <a:rPr lang="en-GB" sz="1200" b="0" strike="noStrike" spc="-1" dirty="0">
+                  <a:solidFill>
+                    <a:srgbClr val="FFFFFF"/>
+                  </a:solidFill>
+                  <a:uFill>
+                    <a:solidFill>
+                      <a:srgbClr val="FFFFFF"/>
+                    </a:solidFill>
+                  </a:uFill>
+                  <a:latin typeface="Verdana"/>
+                  <a:ea typeface="Verdana"/>
+                </a:rPr>
+                <a:t>and Position System</a:t>
+              </a:r>
+              <a:endParaRPr lang="en-GB" sz="1600" b="0" strike="noStrike" spc="-1" dirty="0">
+                <a:solidFill>
+                  <a:srgbClr val="000000"/>
+                </a:solidFill>
+                <a:uFill>
+                  <a:solidFill>
+                    <a:srgbClr val="FFFFFF"/>
+                  </a:solidFill>
+                </a:uFill>
+                <a:latin typeface="Arial"/>
+              </a:endParaRPr>
+            </a:p>
+          </p:txBody>
+        </p:sp>
+        <p:sp>
+          <p:nvSpPr>
+            <p:cNvPr id="95" name="CustomShape 5"/>
+            <p:cNvSpPr/>
+            <p:nvPr/>
+          </p:nvSpPr>
+          <p:spPr>
+            <a:xfrm>
+              <a:off x="2514600" y="4831560"/>
+              <a:ext cx="1402920" cy="1145520"/>
+            </a:xfrm>
+            <a:prstGeom prst="rect">
+              <a:avLst/>
+            </a:prstGeom>
+            <a:ln>
+              <a:round/>
+            </a:ln>
+          </p:spPr>
+          <p:style>
+            <a:lnRef idx="2">
+              <a:schemeClr val="accent1">
+                <a:shade val="50000"/>
+              </a:schemeClr>
+            </a:lnRef>
+            <a:fillRef idx="1">
+              <a:schemeClr val="accent1"/>
+            </a:fillRef>
+            <a:effectRef idx="0">
+              <a:schemeClr val="accent1"/>
+            </a:effectRef>
+            <a:fontRef idx="minor"/>
+          </p:style>
+          <p:txBody>
+            <a:bodyPr lIns="90000" tIns="45000" rIns="90000" bIns="45000" anchor="ctr"/>
+            <a:lstStyle/>
+            <a:p>
+              <a:pPr algn="ctr">
+                <a:lnSpc>
+                  <a:spcPct val="100000"/>
+                </a:lnSpc>
+              </a:pPr>
+              <a:r>
+                <a:rPr lang="en-GB" sz="1200" b="0" strike="noStrike" spc="-1">
+                  <a:solidFill>
+                    <a:srgbClr val="FFFFFF"/>
+                  </a:solidFill>
+                  <a:uFill>
+                    <a:solidFill>
+                      <a:srgbClr val="FFFFFF"/>
+                    </a:solidFill>
+                  </a:uFill>
+                  <a:latin typeface="Verdana"/>
+                  <a:ea typeface="Verdana"/>
+                </a:rPr>
+                <a:t>Attitude System</a:t>
+              </a:r>
+              <a:endParaRPr lang="en-GB" sz="1600" b="0" strike="noStrike" spc="-1">
+                <a:solidFill>
+                  <a:srgbClr val="000000"/>
+                </a:solidFill>
+                <a:uFill>
+                  <a:solidFill>
+                    <a:srgbClr val="FFFFFF"/>
+                  </a:solidFill>
+                </a:uFill>
+                <a:latin typeface="Arial"/>
+              </a:endParaRPr>
+            </a:p>
+          </p:txBody>
+        </p:sp>
+        <p:sp>
+          <p:nvSpPr>
+            <p:cNvPr id="96" name="CustomShape 6"/>
+            <p:cNvSpPr/>
+            <p:nvPr/>
+          </p:nvSpPr>
+          <p:spPr>
+            <a:xfrm>
+              <a:off x="6145200" y="5110200"/>
+              <a:ext cx="776880" cy="587160"/>
+            </a:xfrm>
+            <a:prstGeom prst="rect">
+              <a:avLst/>
+            </a:prstGeom>
+            <a:ln>
+              <a:round/>
+            </a:ln>
+          </p:spPr>
+          <p:style>
+            <a:lnRef idx="2">
+              <a:schemeClr val="accent1">
+                <a:shade val="50000"/>
+              </a:schemeClr>
+            </a:lnRef>
+            <a:fillRef idx="1">
+              <a:schemeClr val="accent1"/>
+            </a:fillRef>
+            <a:effectRef idx="0">
+              <a:schemeClr val="accent1"/>
+            </a:effectRef>
+            <a:fontRef idx="minor"/>
+          </p:style>
+          <p:txBody>
+            <a:bodyPr lIns="90000" tIns="45000" rIns="90000" bIns="45000" anchor="ctr"/>
+            <a:lstStyle/>
+            <a:p>
+              <a:pPr algn="ctr">
+                <a:lnSpc>
+                  <a:spcPct val="100000"/>
+                </a:lnSpc>
+              </a:pPr>
+              <a:r>
+                <a:rPr lang="en-GB" sz="1200" b="0" strike="noStrike" spc="-1">
+                  <a:solidFill>
+                    <a:srgbClr val="FFFFFF"/>
+                  </a:solidFill>
+                  <a:uFill>
+                    <a:solidFill>
+                      <a:srgbClr val="FFFFFF"/>
+                    </a:solidFill>
+                  </a:uFill>
+                  <a:latin typeface="Verdana"/>
+                  <a:ea typeface="Verdana"/>
+                </a:rPr>
+                <a:t>A/D</a:t>
+              </a:r>
+              <a:endParaRPr lang="en-GB" sz="1600" b="0" strike="noStrike" spc="-1">
+                <a:solidFill>
+                  <a:srgbClr val="000000"/>
+                </a:solidFill>
+                <a:uFill>
+                  <a:solidFill>
+                    <a:srgbClr val="FFFFFF"/>
+                  </a:solidFill>
+                </a:uFill>
+                <a:latin typeface="Arial"/>
+              </a:endParaRPr>
+            </a:p>
+          </p:txBody>
+        </p:sp>
+        <p:sp>
+          <p:nvSpPr>
+            <p:cNvPr id="97" name="CustomShape 7"/>
+            <p:cNvSpPr/>
+            <p:nvPr/>
+          </p:nvSpPr>
+          <p:spPr>
+            <a:xfrm>
+              <a:off x="7273080" y="4807440"/>
+              <a:ext cx="1402920" cy="1184760"/>
+            </a:xfrm>
+            <a:prstGeom prst="rect">
+              <a:avLst/>
+            </a:prstGeom>
+            <a:ln>
+              <a:round/>
+            </a:ln>
+          </p:spPr>
+          <p:style>
+            <a:lnRef idx="2">
+              <a:schemeClr val="accent1">
+                <a:shade val="50000"/>
+              </a:schemeClr>
+            </a:lnRef>
+            <a:fillRef idx="1">
+              <a:schemeClr val="accent1"/>
+            </a:fillRef>
+            <a:effectRef idx="0">
+              <a:schemeClr val="accent1"/>
+            </a:effectRef>
+            <a:fontRef idx="minor"/>
+          </p:style>
+          <p:txBody>
+            <a:bodyPr lIns="90000" tIns="45000" rIns="90000" bIns="45000" anchor="ctr"/>
+            <a:lstStyle/>
+            <a:p>
+              <a:pPr algn="ctr">
+                <a:lnSpc>
+                  <a:spcPct val="100000"/>
+                </a:lnSpc>
+              </a:pPr>
+              <a:r>
+                <a:rPr lang="en-GB" sz="1200" b="0" strike="noStrike" spc="-1">
+                  <a:solidFill>
+                    <a:srgbClr val="FFFFFF"/>
+                  </a:solidFill>
+                  <a:uFill>
+                    <a:solidFill>
+                      <a:srgbClr val="FFFFFF"/>
+                    </a:solidFill>
+                  </a:uFill>
+                  <a:latin typeface="Verdana"/>
+                  <a:ea typeface="Verdana"/>
+                </a:rPr>
+                <a:t>Attitude and Position Controllers</a:t>
+              </a:r>
+              <a:endParaRPr lang="en-GB" sz="1600" b="0" strike="noStrike" spc="-1">
+                <a:solidFill>
+                  <a:srgbClr val="000000"/>
+                </a:solidFill>
+                <a:uFill>
+                  <a:solidFill>
+                    <a:srgbClr val="FFFFFF"/>
+                  </a:solidFill>
+                </a:uFill>
+                <a:latin typeface="Arial"/>
+              </a:endParaRPr>
+            </a:p>
+          </p:txBody>
+        </p:sp>
+        <p:sp>
+          <p:nvSpPr>
+            <p:cNvPr id="98" name="CustomShape 8"/>
+            <p:cNvSpPr/>
+            <p:nvPr/>
+          </p:nvSpPr>
+          <p:spPr>
+            <a:xfrm>
+              <a:off x="7347240" y="3714480"/>
+              <a:ext cx="1262520" cy="822600"/>
+            </a:xfrm>
+            <a:prstGeom prst="rect">
+              <a:avLst/>
+            </a:prstGeom>
+            <a:ln>
+              <a:round/>
+            </a:ln>
+          </p:spPr>
+          <p:style>
+            <a:lnRef idx="2">
+              <a:schemeClr val="accent1">
+                <a:shade val="50000"/>
+              </a:schemeClr>
+            </a:lnRef>
+            <a:fillRef idx="1">
+              <a:schemeClr val="accent1"/>
+            </a:fillRef>
+            <a:effectRef idx="0">
+              <a:schemeClr val="accent1"/>
+            </a:effectRef>
+            <a:fontRef idx="minor"/>
+          </p:style>
+          <p:txBody>
+            <a:bodyPr lIns="90000" tIns="45000" rIns="90000" bIns="45000" anchor="ctr"/>
+            <a:lstStyle/>
+            <a:p>
+              <a:pPr algn="ctr">
+                <a:lnSpc>
+                  <a:spcPct val="100000"/>
+                </a:lnSpc>
+              </a:pPr>
+              <a:r>
+                <a:rPr lang="en-GB" sz="1200" b="0" strike="noStrike" spc="-1">
+                  <a:solidFill>
+                    <a:srgbClr val="FFFFFF"/>
+                  </a:solidFill>
+                  <a:uFill>
+                    <a:solidFill>
+                      <a:srgbClr val="FFFFFF"/>
+                    </a:solidFill>
+                  </a:uFill>
+                  <a:latin typeface="Verdana"/>
+                  <a:ea typeface="Verdana"/>
+                </a:rPr>
+                <a:t>Flight Planning</a:t>
+              </a:r>
+              <a:endParaRPr lang="en-GB" sz="1600" b="0" strike="noStrike" spc="-1">
+                <a:solidFill>
+                  <a:srgbClr val="000000"/>
+                </a:solidFill>
+                <a:uFill>
+                  <a:solidFill>
+                    <a:srgbClr val="FFFFFF"/>
+                  </a:solidFill>
+                </a:uFill>
+                <a:latin typeface="Arial"/>
+              </a:endParaRPr>
+            </a:p>
+          </p:txBody>
+        </p:sp>
+        <p:sp>
+          <p:nvSpPr>
+            <p:cNvPr id="99" name="CustomShape 9"/>
+            <p:cNvSpPr/>
+            <p:nvPr/>
+          </p:nvSpPr>
+          <p:spPr>
+            <a:xfrm>
+              <a:off x="6325920" y="4290840"/>
+              <a:ext cx="1473120" cy="515880"/>
+            </a:xfrm>
+            <a:prstGeom prst="rect">
+              <a:avLst/>
+            </a:prstGeom>
+            <a:noFill/>
+            <a:ln>
+              <a:noFill/>
+            </a:ln>
+          </p:spPr>
+          <p:style>
+            <a:lnRef idx="0">
+              <a:scrgbClr r="0" g="0" b="0"/>
+            </a:lnRef>
+            <a:fillRef idx="0">
+              <a:scrgbClr r="0" g="0" b="0"/>
+            </a:fillRef>
+            <a:effectRef idx="0">
+              <a:scrgbClr r="0" g="0" b="0"/>
+            </a:effectRef>
+            <a:fontRef idx="minor"/>
+          </p:style>
+          <p:txBody>
+            <a:bodyPr lIns="90000" tIns="45000" rIns="90000" bIns="45000"/>
+            <a:lstStyle/>
+            <a:p>
+              <a:pPr>
+                <a:lnSpc>
+                  <a:spcPct val="100000"/>
+                </a:lnSpc>
+              </a:pPr>
+              <a:r>
+                <a:rPr lang="en-GB" sz="1200" b="0" strike="noStrike" spc="-1">
+                  <a:solidFill>
+                    <a:srgbClr val="000000"/>
+                  </a:solidFill>
+                  <a:uFill>
+                    <a:solidFill>
+                      <a:srgbClr val="FFFFFF"/>
+                    </a:solidFill>
+                  </a:uFill>
+                  <a:latin typeface="Verdana"/>
+                  <a:ea typeface="Verdana"/>
+                </a:rPr>
+                <a:t>Position References</a:t>
+              </a:r>
+              <a:endParaRPr lang="en-GB" sz="1600" b="0" strike="noStrike" spc="-1">
+                <a:solidFill>
+                  <a:srgbClr val="000000"/>
+                </a:solidFill>
+                <a:uFill>
+                  <a:solidFill>
+                    <a:srgbClr val="FFFFFF"/>
+                  </a:solidFill>
+                </a:uFill>
+                <a:latin typeface="Arial"/>
+              </a:endParaRPr>
+            </a:p>
+          </p:txBody>
+        </p:sp>
+        <p:sp>
+          <p:nvSpPr>
+            <p:cNvPr id="100" name="CustomShape 10"/>
+            <p:cNvSpPr/>
+            <p:nvPr/>
+          </p:nvSpPr>
+          <p:spPr>
+            <a:xfrm>
+              <a:off x="1870920" y="5046480"/>
+              <a:ext cx="1473120" cy="302760"/>
+            </a:xfrm>
+            <a:prstGeom prst="rect">
+              <a:avLst/>
+            </a:prstGeom>
+            <a:noFill/>
+            <a:ln>
+              <a:noFill/>
+            </a:ln>
+          </p:spPr>
+          <p:style>
+            <a:lnRef idx="0">
+              <a:scrgbClr r="0" g="0" b="0"/>
+            </a:lnRef>
+            <a:fillRef idx="0">
+              <a:scrgbClr r="0" g="0" b="0"/>
+            </a:fillRef>
+            <a:effectRef idx="0">
+              <a:scrgbClr r="0" g="0" b="0"/>
+            </a:effectRef>
+            <a:fontRef idx="minor"/>
+          </p:style>
+          <p:txBody>
+            <a:bodyPr lIns="90000" tIns="45000" rIns="90000" bIns="45000"/>
+            <a:lstStyle/>
+            <a:p>
+              <a:pPr>
+                <a:lnSpc>
+                  <a:spcPct val="100000"/>
+                </a:lnSpc>
+              </a:pPr>
+              <a:r>
+                <a:rPr lang="en-GB" sz="1200" b="0" strike="noStrike" spc="-1">
+                  <a:solidFill>
+                    <a:srgbClr val="000000"/>
+                  </a:solidFill>
+                  <a:uFill>
+                    <a:solidFill>
+                      <a:srgbClr val="FFFFFF"/>
+                    </a:solidFill>
+                  </a:uFill>
+                  <a:latin typeface="Verdana"/>
+                  <a:ea typeface="Verdana"/>
+                </a:rPr>
+                <a:t>u(t)</a:t>
+              </a:r>
+              <a:endParaRPr lang="en-GB" sz="1600" b="0" strike="noStrike" spc="-1">
+                <a:solidFill>
+                  <a:srgbClr val="000000"/>
+                </a:solidFill>
+                <a:uFill>
+                  <a:solidFill>
+                    <a:srgbClr val="FFFFFF"/>
+                  </a:solidFill>
+                </a:uFill>
+                <a:latin typeface="Arial"/>
+              </a:endParaRPr>
+            </a:p>
+          </p:txBody>
+        </p:sp>
+        <p:sp>
+          <p:nvSpPr>
+            <p:cNvPr id="101" name="CustomShape 11"/>
+            <p:cNvSpPr/>
+            <p:nvPr/>
+          </p:nvSpPr>
+          <p:spPr>
+            <a:xfrm>
+              <a:off x="5928120" y="6074280"/>
+              <a:ext cx="2027880" cy="516600"/>
+            </a:xfrm>
+            <a:prstGeom prst="rect">
+              <a:avLst/>
+            </a:prstGeom>
+            <a:noFill/>
+            <a:ln>
+              <a:noFill/>
+            </a:ln>
+          </p:spPr>
+          <p:style>
+            <a:lnRef idx="0">
+              <a:scrgbClr r="0" g="0" b="0"/>
+            </a:lnRef>
+            <a:fillRef idx="0">
+              <a:scrgbClr r="0" g="0" b="0"/>
+            </a:fillRef>
+            <a:effectRef idx="0">
+              <a:scrgbClr r="0" g="0" b="0"/>
+            </a:effectRef>
+            <a:fontRef idx="minor"/>
+          </p:style>
+          <p:txBody>
+            <a:bodyPr lIns="90000" tIns="45000" rIns="90000" bIns="45000"/>
+            <a:lstStyle/>
+            <a:p>
+              <a:pPr algn="r">
+                <a:lnSpc>
+                  <a:spcPct val="100000"/>
+                </a:lnSpc>
+              </a:pPr>
+              <a:r>
+                <a:rPr lang="en-GB" sz="1200" b="0" i="1" strike="noStrike" spc="-1">
+                  <a:solidFill>
+                    <a:srgbClr val="000000"/>
+                  </a:solidFill>
+                  <a:uFill>
+                    <a:solidFill>
+                      <a:srgbClr val="FFFFFF"/>
+                    </a:solidFill>
+                  </a:uFill>
+                  <a:latin typeface="Verdana"/>
+                  <a:ea typeface="Verdana"/>
+                </a:rPr>
+                <a:t>r(t)</a:t>
+              </a:r>
+              <a:r>
+                <a:rPr lang="en-GB" sz="1200" b="0" strike="noStrike" spc="-1">
+                  <a:solidFill>
+                    <a:srgbClr val="000000"/>
+                  </a:solidFill>
+                  <a:uFill>
+                    <a:solidFill>
+                      <a:srgbClr val="FFFFFF"/>
+                    </a:solidFill>
+                  </a:uFill>
+                  <a:latin typeface="Verdana"/>
+                  <a:ea typeface="Verdana"/>
+                </a:rPr>
+                <a:t> </a:t>
+              </a:r>
+              <a:endParaRPr lang="en-GB" sz="1600" b="0" strike="noStrike" spc="-1">
+                <a:solidFill>
+                  <a:srgbClr val="000000"/>
+                </a:solidFill>
+                <a:uFill>
+                  <a:solidFill>
+                    <a:srgbClr val="FFFFFF"/>
+                  </a:solidFill>
+                </a:uFill>
+                <a:latin typeface="Arial"/>
+              </a:endParaRPr>
+            </a:p>
+            <a:p>
+              <a:pPr algn="r">
+                <a:lnSpc>
+                  <a:spcPct val="100000"/>
+                </a:lnSpc>
+              </a:pPr>
+              <a:r>
+                <a:rPr lang="en-GB" sz="1200" b="0" strike="noStrike" spc="-1">
+                  <a:solidFill>
+                    <a:srgbClr val="000000"/>
+                  </a:solidFill>
+                  <a:uFill>
+                    <a:solidFill>
+                      <a:srgbClr val="FFFFFF"/>
+                    </a:solidFill>
+                  </a:uFill>
+                  <a:latin typeface="Verdana"/>
+                  <a:ea typeface="Verdana"/>
+                </a:rPr>
+                <a:t>Angles References</a:t>
+              </a:r>
+              <a:endParaRPr lang="en-GB" sz="1600" b="0" strike="noStrike" spc="-1">
+                <a:solidFill>
+                  <a:srgbClr val="000000"/>
+                </a:solidFill>
+                <a:uFill>
+                  <a:solidFill>
+                    <a:srgbClr val="FFFFFF"/>
+                  </a:solidFill>
+                </a:uFill>
+                <a:latin typeface="Arial"/>
+              </a:endParaRPr>
+            </a:p>
+          </p:txBody>
+        </p:sp>
+        <p:sp>
+          <p:nvSpPr>
+            <p:cNvPr id="102" name="CustomShape 12"/>
+            <p:cNvSpPr/>
+            <p:nvPr/>
+          </p:nvSpPr>
+          <p:spPr>
+            <a:xfrm>
+              <a:off x="1870920" y="5403960"/>
+              <a:ext cx="643320" cy="360"/>
+            </a:xfrm>
+            <a:custGeom>
+              <a:avLst/>
+              <a:gdLst/>
+              <a:ahLst/>
+              <a:cxnLst/>
+              <a:rect l="l" t="t" r="r" b="b"/>
+              <a:pathLst>
+                <a:path w="21600" h="21600">
+                  <a:moveTo>
+                    <a:pt x="0" y="0"/>
+                  </a:moveTo>
+                  <a:lnTo>
+                    <a:pt x="21600" y="21600"/>
+                  </a:lnTo>
+                </a:path>
+              </a:pathLst>
+            </a:custGeom>
+            <a:noFill/>
+            <a:ln w="19080">
+              <a:solidFill>
+                <a:srgbClr val="4A7EBB"/>
+              </a:solidFill>
+              <a:round/>
+              <a:tailEnd type="triangle" w="med" len="med"/>
+            </a:ln>
+          </p:spPr>
+          <p:style>
+            <a:lnRef idx="1">
+              <a:schemeClr val="accent1"/>
+            </a:lnRef>
+            <a:fillRef idx="0">
+              <a:schemeClr val="accent1"/>
+            </a:fillRef>
+            <a:effectRef idx="0">
+              <a:schemeClr val="accent1"/>
+            </a:effectRef>
+            <a:fontRef idx="minor"/>
+          </p:style>
+        </p:sp>
+        <p:sp>
+          <p:nvSpPr>
+            <p:cNvPr id="103" name="CustomShape 13"/>
+            <p:cNvSpPr/>
+            <p:nvPr/>
+          </p:nvSpPr>
+          <p:spPr>
+            <a:xfrm>
+              <a:off x="3917520" y="5404320"/>
+              <a:ext cx="268200" cy="360"/>
+            </a:xfrm>
+            <a:custGeom>
+              <a:avLst/>
+              <a:gdLst/>
+              <a:ahLst/>
+              <a:cxnLst/>
+              <a:rect l="l" t="t" r="r" b="b"/>
+              <a:pathLst>
+                <a:path w="21600" h="21600">
+                  <a:moveTo>
+                    <a:pt x="0" y="0"/>
+                  </a:moveTo>
+                  <a:lnTo>
+                    <a:pt x="21600" y="21600"/>
+                  </a:lnTo>
+                </a:path>
+              </a:pathLst>
+            </a:custGeom>
+            <a:noFill/>
+            <a:ln w="19080">
+              <a:solidFill>
+                <a:srgbClr val="4A7EBB"/>
+              </a:solidFill>
+              <a:round/>
+              <a:tailEnd type="triangle" w="med" len="med"/>
+            </a:ln>
+          </p:spPr>
+          <p:style>
+            <a:lnRef idx="1">
+              <a:schemeClr val="accent1"/>
+            </a:lnRef>
+            <a:fillRef idx="0">
+              <a:schemeClr val="accent1"/>
+            </a:fillRef>
+            <a:effectRef idx="0">
+              <a:schemeClr val="accent1"/>
+            </a:effectRef>
+            <a:fontRef idx="minor"/>
+          </p:style>
+        </p:sp>
+        <p:sp>
+          <p:nvSpPr>
+            <p:cNvPr id="104" name="CustomShape 14"/>
+            <p:cNvSpPr/>
+            <p:nvPr/>
+          </p:nvSpPr>
+          <p:spPr>
+            <a:xfrm flipV="1">
+              <a:off x="5589360" y="5403240"/>
+              <a:ext cx="555480" cy="360"/>
+            </a:xfrm>
+            <a:custGeom>
+              <a:avLst/>
+              <a:gdLst/>
+              <a:ahLst/>
+              <a:cxnLst/>
+              <a:rect l="l" t="t" r="r" b="b"/>
+              <a:pathLst>
+                <a:path w="21600" h="21600">
+                  <a:moveTo>
+                    <a:pt x="0" y="0"/>
+                  </a:moveTo>
+                  <a:lnTo>
+                    <a:pt x="21600" y="21600"/>
+                  </a:lnTo>
+                </a:path>
+              </a:pathLst>
+            </a:custGeom>
+            <a:noFill/>
+            <a:ln w="19080">
+              <a:solidFill>
+                <a:srgbClr val="4A7EBB"/>
+              </a:solidFill>
+              <a:round/>
+              <a:tailEnd type="triangle" w="med" len="med"/>
+            </a:ln>
+          </p:spPr>
+          <p:style>
+            <a:lnRef idx="1">
+              <a:schemeClr val="accent1"/>
+            </a:lnRef>
+            <a:fillRef idx="0">
+              <a:schemeClr val="accent1"/>
+            </a:fillRef>
+            <a:effectRef idx="0">
+              <a:schemeClr val="accent1"/>
+            </a:effectRef>
+            <a:fontRef idx="minor"/>
+          </p:style>
+        </p:sp>
+        <p:sp>
+          <p:nvSpPr>
+            <p:cNvPr id="105" name="CustomShape 15"/>
+            <p:cNvSpPr/>
+            <p:nvPr/>
+          </p:nvSpPr>
+          <p:spPr>
+            <a:xfrm flipV="1">
+              <a:off x="6922440" y="5398920"/>
+              <a:ext cx="350280" cy="3960"/>
+            </a:xfrm>
+            <a:custGeom>
+              <a:avLst/>
+              <a:gdLst/>
+              <a:ahLst/>
+              <a:cxnLst/>
+              <a:rect l="l" t="t" r="r" b="b"/>
+              <a:pathLst>
+                <a:path w="21600" h="21600">
+                  <a:moveTo>
+                    <a:pt x="0" y="0"/>
+                  </a:moveTo>
+                  <a:lnTo>
+                    <a:pt x="21600" y="21600"/>
+                  </a:lnTo>
+                </a:path>
+              </a:pathLst>
+            </a:custGeom>
+            <a:noFill/>
+            <a:ln w="19080">
+              <a:solidFill>
+                <a:srgbClr val="4A7EBB"/>
+              </a:solidFill>
+              <a:round/>
+              <a:tailEnd type="triangle" w="med" len="med"/>
+            </a:ln>
+          </p:spPr>
+          <p:style>
+            <a:lnRef idx="1">
+              <a:schemeClr val="accent1"/>
+            </a:lnRef>
+            <a:fillRef idx="0">
+              <a:schemeClr val="accent1"/>
+            </a:fillRef>
+            <a:effectRef idx="0">
+              <a:schemeClr val="accent1"/>
+            </a:effectRef>
+            <a:fontRef idx="minor"/>
+          </p:style>
+        </p:sp>
+        <p:sp>
+          <p:nvSpPr>
+            <p:cNvPr id="106" name="CustomShape 16"/>
+            <p:cNvSpPr/>
+            <p:nvPr/>
+          </p:nvSpPr>
+          <p:spPr>
+            <a:xfrm flipH="1">
+              <a:off x="7974720" y="4537440"/>
+              <a:ext cx="3600" cy="269280"/>
+            </a:xfrm>
+            <a:custGeom>
+              <a:avLst/>
+              <a:gdLst/>
+              <a:ahLst/>
+              <a:cxnLst/>
+              <a:rect l="l" t="t" r="r" b="b"/>
+              <a:pathLst>
+                <a:path w="21600" h="21600">
+                  <a:moveTo>
+                    <a:pt x="0" y="0"/>
+                  </a:moveTo>
+                  <a:lnTo>
+                    <a:pt x="21600" y="21600"/>
+                  </a:lnTo>
+                </a:path>
+              </a:pathLst>
+            </a:custGeom>
+            <a:noFill/>
+            <a:ln w="19080">
+              <a:solidFill>
+                <a:srgbClr val="4A7EBB"/>
+              </a:solidFill>
+              <a:round/>
+              <a:tailEnd type="triangle" w="med" len="med"/>
+            </a:ln>
+          </p:spPr>
+          <p:style>
+            <a:lnRef idx="1">
+              <a:schemeClr val="accent1"/>
+            </a:lnRef>
+            <a:fillRef idx="0">
+              <a:schemeClr val="accent1"/>
+            </a:fillRef>
+            <a:effectRef idx="0">
+              <a:schemeClr val="accent1"/>
+            </a:effectRef>
+            <a:fontRef idx="minor"/>
+          </p:style>
+        </p:sp>
+        <p:sp>
+          <p:nvSpPr>
+            <p:cNvPr id="108" name="CustomShape 18"/>
+            <p:cNvSpPr/>
+            <p:nvPr/>
+          </p:nvSpPr>
+          <p:spPr>
+            <a:xfrm>
+              <a:off x="2361960" y="4263120"/>
+              <a:ext cx="3367440" cy="302760"/>
+            </a:xfrm>
+            <a:prstGeom prst="rect">
+              <a:avLst/>
+            </a:prstGeom>
+            <a:noFill/>
+            <a:ln>
+              <a:noFill/>
+            </a:ln>
+          </p:spPr>
+          <p:style>
+            <a:lnRef idx="0">
+              <a:scrgbClr r="0" g="0" b="0"/>
+            </a:lnRef>
+            <a:fillRef idx="0">
+              <a:scrgbClr r="0" g="0" b="0"/>
+            </a:fillRef>
+            <a:effectRef idx="0">
+              <a:scrgbClr r="0" g="0" b="0"/>
+            </a:effectRef>
+            <a:fontRef idx="minor"/>
+          </p:style>
+          <p:txBody>
+            <a:bodyPr lIns="90000" tIns="45000" rIns="90000" bIns="45000"/>
+            <a:lstStyle/>
+            <a:p>
+              <a:pPr algn="ctr">
+                <a:lnSpc>
+                  <a:spcPct val="100000"/>
+                </a:lnSpc>
+              </a:pPr>
+              <a:r>
+                <a:rPr lang="en-GB" sz="1200" b="0" strike="noStrike" spc="-1">
+                  <a:solidFill>
+                    <a:srgbClr val="000000"/>
+                  </a:solidFill>
+                  <a:uFill>
+                    <a:solidFill>
+                      <a:srgbClr val="FFFFFF"/>
+                    </a:solidFill>
+                  </a:uFill>
+                  <a:latin typeface="Verdana"/>
+                  <a:ea typeface="Verdana"/>
+                </a:rPr>
+                <a:t>UAV</a:t>
+              </a:r>
+              <a:endParaRPr lang="en-GB" sz="1600" b="0" strike="noStrike" spc="-1">
+                <a:solidFill>
+                  <a:srgbClr val="000000"/>
+                </a:solidFill>
+                <a:uFill>
+                  <a:solidFill>
+                    <a:srgbClr val="FFFFFF"/>
+                  </a:solidFill>
+                </a:uFill>
+                <a:latin typeface="Arial"/>
+              </a:endParaRPr>
+            </a:p>
+          </p:txBody>
+        </p:sp>
+        <p:cxnSp>
+          <p:nvCxnSpPr>
+            <p:cNvPr id="3" name="Conector angulado 2"/>
+            <p:cNvCxnSpPr>
+              <a:stCxn id="97" idx="2"/>
+              <a:endCxn id="92" idx="2"/>
+            </p:cNvCxnSpPr>
+            <p:nvPr/>
+          </p:nvCxnSpPr>
+          <p:spPr>
+            <a:xfrm rot="5400000">
+              <a:off x="4569660" y="2591640"/>
+              <a:ext cx="4320" cy="6805440"/>
+            </a:xfrm>
+            <a:prstGeom prst="bentConnector3">
+              <a:avLst>
+                <a:gd name="adj1" fmla="val 15116898"/>
+              </a:avLst>
+            </a:prstGeom>
+            <a:ln w="19050">
+              <a:tailEnd type="triangle"/>
+            </a:ln>
+          </p:spPr>
+          <p:style>
+            <a:lnRef idx="1">
+              <a:schemeClr val="accent1"/>
+            </a:lnRef>
+            <a:fillRef idx="0">
+              <a:schemeClr val="accent1"/>
+            </a:fillRef>
+            <a:effectRef idx="0">
+              <a:schemeClr val="accent1"/>
+            </a:effectRef>
+            <a:fontRef idx="minor">
+              <a:schemeClr val="tx1"/>
+            </a:fontRef>
+          </p:style>
+        </p:cxnSp>
+      </p:grpSp>
+      <p:sp>
+        <p:nvSpPr>
+          <p:cNvPr id="7" name="Retângulo 6"/>
+          <p:cNvSpPr/>
+          <p:nvPr/>
+        </p:nvSpPr>
+        <p:spPr>
+          <a:xfrm>
+            <a:off x="526604" y="4342341"/>
+            <a:ext cx="1558542" cy="646331"/>
+          </a:xfrm>
+          <a:prstGeom prst="rect">
+            <a:avLst/>
+          </a:prstGeom>
+        </p:spPr>
+        <p:txBody>
+          <a:bodyPr wrap="square">
+            <a:spAutoFit/>
+          </a:bodyPr>
+          <a:lstStyle/>
+          <a:p>
+            <a:r>
+              <a:rPr lang="en-US" dirty="0" smtClean="0"/>
+              <a:t>System’s dynamics</a:t>
+            </a:r>
+            <a:endParaRPr lang="en-US" dirty="0"/>
+          </a:p>
+        </p:txBody>
+      </p:sp>
+      <p:sp>
+        <p:nvSpPr>
+          <p:cNvPr id="9" name="Seta para a direita 8"/>
+          <p:cNvSpPr/>
+          <p:nvPr/>
+        </p:nvSpPr>
+        <p:spPr>
+          <a:xfrm rot="5400000">
+            <a:off x="724058" y="3804184"/>
+            <a:ext cx="709059" cy="297700"/>
+          </a:xfrm>
+          <a:prstGeom prst="rightArrow">
+            <a:avLst/>
+          </a:prstGeom>
+        </p:spPr>
+        <p:style>
+          <a:lnRef idx="2">
+            <a:schemeClr val="accent1">
+              <a:shade val="50000"/>
+            </a:schemeClr>
+          </a:lnRef>
+          <a:fillRef idx="1">
+            <a:schemeClr val="accent1"/>
+          </a:fillRef>
+          <a:effectRef idx="0">
+            <a:schemeClr val="accent1"/>
+          </a:effectRef>
+          <a:fontRef idx="minor">
+            <a:schemeClr val="lt1"/>
+          </a:fontRef>
+        </p:style>
+        <p:txBody>
+          <a:bodyPr rtlCol="0" anchor="ctr"/>
+          <a:lstStyle/>
+          <a:p>
+            <a:pPr algn="ctr"/>
+            <a:endParaRPr lang="en-US"/>
+          </a:p>
+        </p:txBody>
+      </p:sp>
+      <p:sp>
+        <p:nvSpPr>
+          <p:cNvPr id="11" name="Seta dobrada para cima 10"/>
+          <p:cNvSpPr/>
+          <p:nvPr/>
+        </p:nvSpPr>
+        <p:spPr>
+          <a:xfrm rot="5400000">
+            <a:off x="1097753" y="4829501"/>
+            <a:ext cx="711914" cy="1030257"/>
+          </a:xfrm>
+          <a:prstGeom prst="bentUpArrow">
+            <a:avLst/>
+          </a:prstGeom>
+        </p:spPr>
+        <p:style>
+          <a:lnRef idx="2">
+            <a:schemeClr val="accent1">
+              <a:shade val="50000"/>
+            </a:schemeClr>
+          </a:lnRef>
+          <a:fillRef idx="1">
+            <a:schemeClr val="accent1"/>
+          </a:fillRef>
+          <a:effectRef idx="0">
+            <a:schemeClr val="accent1"/>
+          </a:effectRef>
+          <a:fontRef idx="minor">
+            <a:schemeClr val="lt1"/>
+          </a:fontRef>
+        </p:style>
+        <p:txBody>
+          <a:bodyPr rtlCol="0" anchor="ctr"/>
+          <a:lstStyle/>
+          <a:p>
+            <a:pPr algn="ctr"/>
+            <a:endParaRPr lang="en-US"/>
+          </a:p>
+        </p:txBody>
+      </p:sp>
+      <p:sp>
+        <p:nvSpPr>
+          <p:cNvPr id="12" name="Retângulo 11"/>
+          <p:cNvSpPr/>
+          <p:nvPr/>
+        </p:nvSpPr>
+        <p:spPr>
+          <a:xfrm>
+            <a:off x="6222029" y="1111858"/>
+            <a:ext cx="2707787" cy="923330"/>
+          </a:xfrm>
+          <a:prstGeom prst="rect">
+            <a:avLst/>
+          </a:prstGeom>
+        </p:spPr>
+        <p:txBody>
+          <a:bodyPr wrap="square">
+            <a:spAutoFit/>
+          </a:bodyPr>
+          <a:lstStyle/>
+          <a:p>
+            <a:r>
+              <a:rPr lang="en-GB" spc="-1" dirty="0">
+                <a:solidFill>
+                  <a:srgbClr val="000000"/>
+                </a:solidFill>
+                <a:uFill>
+                  <a:solidFill>
+                    <a:srgbClr val="FFFFFF"/>
+                  </a:solidFill>
+                </a:uFill>
+                <a:ea typeface="Verdana"/>
+              </a:rPr>
+              <a:t>A*, LPA* and D*</a:t>
+            </a:r>
+            <a:r>
+              <a:rPr lang="en-GB" spc="-1" dirty="0" err="1">
+                <a:solidFill>
+                  <a:srgbClr val="000000"/>
+                </a:solidFill>
+                <a:uFill>
+                  <a:solidFill>
+                    <a:srgbClr val="FFFFFF"/>
+                  </a:solidFill>
+                </a:uFill>
+                <a:ea typeface="Verdana"/>
+              </a:rPr>
+              <a:t>Lite</a:t>
+            </a:r>
+            <a:r>
+              <a:rPr lang="en-GB" spc="-1" dirty="0">
+                <a:solidFill>
+                  <a:srgbClr val="000000"/>
+                </a:solidFill>
+                <a:uFill>
+                  <a:solidFill>
+                    <a:srgbClr val="FFFFFF"/>
+                  </a:solidFill>
+                </a:uFill>
+                <a:ea typeface="Verdana"/>
+              </a:rPr>
+              <a:t> </a:t>
+            </a:r>
+            <a:r>
+              <a:rPr lang="en-GB" spc="-1" dirty="0" smtClean="0">
+                <a:solidFill>
+                  <a:srgbClr val="000000"/>
+                </a:solidFill>
+                <a:uFill>
+                  <a:solidFill>
+                    <a:srgbClr val="FFFFFF"/>
+                  </a:solidFill>
+                </a:uFill>
+                <a:ea typeface="Verdana"/>
+              </a:rPr>
+              <a:t>to </a:t>
+            </a:r>
+            <a:r>
+              <a:rPr lang="en-GB" spc="-1" dirty="0">
+                <a:solidFill>
+                  <a:srgbClr val="000000"/>
+                </a:solidFill>
+                <a:uFill>
+                  <a:solidFill>
+                    <a:srgbClr val="FFFFFF"/>
+                  </a:solidFill>
+                </a:uFill>
+                <a:ea typeface="Verdana"/>
+              </a:rPr>
+              <a:t>solve the shortest path problem</a:t>
+            </a:r>
+            <a:endParaRPr lang="en-US" dirty="0"/>
+          </a:p>
+        </p:txBody>
+      </p:sp>
     </p:spTree>
   </p:cSld>
   <p:clrMapOvr>
@@ -8549,9 +10141,408 @@
   <p:timing>
     <p:tnLst>
       <p:par>
-        <p:cTn id="1" dur="indefinite" restart="never" nodeType="tmRoot"/>
+        <p:cTn id="1" dur="indefinite" restart="never" nodeType="tmRoot">
+          <p:childTnLst>
+            <p:seq concurrent="1" nextAc="seek">
+              <p:cTn id="2" dur="indefinite" nodeType="mainSeq">
+                <p:childTnLst>
+                  <p:par>
+                    <p:cTn id="3" fill="hold">
+                      <p:stCondLst>
+                        <p:cond delay="indefinite"/>
+                      </p:stCondLst>
+                      <p:childTnLst>
+                        <p:par>
+                          <p:cTn id="4" fill="hold">
+                            <p:stCondLst>
+                              <p:cond delay="0"/>
+                            </p:stCondLst>
+                            <p:childTnLst>
+                              <p:par>
+                                <p:cTn id="5" presetID="1" presetClass="entr" presetSubtype="0" fill="hold" grpId="0" nodeType="clickEffect">
+                                  <p:stCondLst>
+                                    <p:cond delay="0"/>
+                                  </p:stCondLst>
+                                  <p:childTnLst>
+                                    <p:set>
+                                      <p:cBhvr>
+                                        <p:cTn id="6" dur="1" fill="hold">
+                                          <p:stCondLst>
+                                            <p:cond delay="0"/>
+                                          </p:stCondLst>
+                                        </p:cTn>
+                                        <p:tgtEl>
+                                          <p:spTgt spid="117"/>
+                                        </p:tgtEl>
+                                        <p:attrNameLst>
+                                          <p:attrName>style.visibility</p:attrName>
+                                        </p:attrNameLst>
+                                      </p:cBhvr>
+                                      <p:to>
+                                        <p:strVal val="visible"/>
+                                      </p:to>
+                                    </p:set>
+                                  </p:childTnLst>
+                                </p:cTn>
+                              </p:par>
+                            </p:childTnLst>
+                          </p:cTn>
+                        </p:par>
+                      </p:childTnLst>
+                    </p:cTn>
+                  </p:par>
+                  <p:par>
+                    <p:cTn id="7" fill="hold">
+                      <p:stCondLst>
+                        <p:cond delay="indefinite"/>
+                      </p:stCondLst>
+                      <p:childTnLst>
+                        <p:par>
+                          <p:cTn id="8" fill="hold">
+                            <p:stCondLst>
+                              <p:cond delay="0"/>
+                            </p:stCondLst>
+                            <p:childTnLst>
+                              <p:par>
+                                <p:cTn id="9" presetID="1" presetClass="entr" presetSubtype="0" fill="hold" grpId="0" nodeType="clickEffect">
+                                  <p:stCondLst>
+                                    <p:cond delay="0"/>
+                                  </p:stCondLst>
+                                  <p:childTnLst>
+                                    <p:set>
+                                      <p:cBhvr>
+                                        <p:cTn id="10" dur="1" fill="hold">
+                                          <p:stCondLst>
+                                            <p:cond delay="0"/>
+                                          </p:stCondLst>
+                                        </p:cTn>
+                                        <p:tgtEl>
+                                          <p:spTgt spid="12"/>
+                                        </p:tgtEl>
+                                        <p:attrNameLst>
+                                          <p:attrName>style.visibility</p:attrName>
+                                        </p:attrNameLst>
+                                      </p:cBhvr>
+                                      <p:to>
+                                        <p:strVal val="visible"/>
+                                      </p:to>
+                                    </p:set>
+                                  </p:childTnLst>
+                                </p:cTn>
+                              </p:par>
+                            </p:childTnLst>
+                          </p:cTn>
+                        </p:par>
+                      </p:childTnLst>
+                    </p:cTn>
+                  </p:par>
+                  <p:par>
+                    <p:cTn id="11" fill="hold">
+                      <p:stCondLst>
+                        <p:cond delay="indefinite"/>
+                      </p:stCondLst>
+                      <p:childTnLst>
+                        <p:par>
+                          <p:cTn id="12" fill="hold">
+                            <p:stCondLst>
+                              <p:cond delay="0"/>
+                            </p:stCondLst>
+                            <p:childTnLst>
+                              <p:par>
+                                <p:cTn id="13" presetID="1" presetClass="entr" presetSubtype="0" fill="hold" nodeType="clickEffect">
+                                  <p:stCondLst>
+                                    <p:cond delay="0"/>
+                                  </p:stCondLst>
+                                  <p:childTnLst>
+                                    <p:set>
+                                      <p:cBhvr>
+                                        <p:cTn id="14" dur="1" fill="hold">
+                                          <p:stCondLst>
+                                            <p:cond delay="0"/>
+                                          </p:stCondLst>
+                                        </p:cTn>
+                                        <p:tgtEl>
+                                          <p:spTgt spid="115"/>
+                                        </p:tgtEl>
+                                        <p:attrNameLst>
+                                          <p:attrName>style.visibility</p:attrName>
+                                        </p:attrNameLst>
+                                      </p:cBhvr>
+                                      <p:to>
+                                        <p:strVal val="visible"/>
+                                      </p:to>
+                                    </p:set>
+                                  </p:childTnLst>
+                                </p:cTn>
+                              </p:par>
+                            </p:childTnLst>
+                          </p:cTn>
+                        </p:par>
+                      </p:childTnLst>
+                    </p:cTn>
+                  </p:par>
+                  <p:par>
+                    <p:cTn id="15" fill="hold">
+                      <p:stCondLst>
+                        <p:cond delay="indefinite"/>
+                      </p:stCondLst>
+                      <p:childTnLst>
+                        <p:par>
+                          <p:cTn id="16" fill="hold">
+                            <p:stCondLst>
+                              <p:cond delay="0"/>
+                            </p:stCondLst>
+                            <p:childTnLst>
+                              <p:par>
+                                <p:cTn id="17" presetID="1" presetClass="entr" presetSubtype="0" fill="hold" grpId="0" nodeType="clickEffect">
+                                  <p:stCondLst>
+                                    <p:cond delay="0"/>
+                                  </p:stCondLst>
+                                  <p:childTnLst>
+                                    <p:set>
+                                      <p:cBhvr>
+                                        <p:cTn id="18" dur="1" fill="hold">
+                                          <p:stCondLst>
+                                            <p:cond delay="0"/>
+                                          </p:stCondLst>
+                                        </p:cTn>
+                                        <p:tgtEl>
+                                          <p:spTgt spid="9"/>
+                                        </p:tgtEl>
+                                        <p:attrNameLst>
+                                          <p:attrName>style.visibility</p:attrName>
+                                        </p:attrNameLst>
+                                      </p:cBhvr>
+                                      <p:to>
+                                        <p:strVal val="visible"/>
+                                      </p:to>
+                                    </p:set>
+                                  </p:childTnLst>
+                                </p:cTn>
+                              </p:par>
+                              <p:par>
+                                <p:cTn id="19" presetID="1" presetClass="entr" presetSubtype="0" fill="hold" grpId="0" nodeType="withEffect">
+                                  <p:stCondLst>
+                                    <p:cond delay="0"/>
+                                  </p:stCondLst>
+                                  <p:childTnLst>
+                                    <p:set>
+                                      <p:cBhvr>
+                                        <p:cTn id="20" dur="1" fill="hold">
+                                          <p:stCondLst>
+                                            <p:cond delay="0"/>
+                                          </p:stCondLst>
+                                        </p:cTn>
+                                        <p:tgtEl>
+                                          <p:spTgt spid="7"/>
+                                        </p:tgtEl>
+                                        <p:attrNameLst>
+                                          <p:attrName>style.visibility</p:attrName>
+                                        </p:attrNameLst>
+                                      </p:cBhvr>
+                                      <p:to>
+                                        <p:strVal val="visible"/>
+                                      </p:to>
+                                    </p:set>
+                                  </p:childTnLst>
+                                </p:cTn>
+                              </p:par>
+                            </p:childTnLst>
+                          </p:cTn>
+                        </p:par>
+                      </p:childTnLst>
+                    </p:cTn>
+                  </p:par>
+                  <p:par>
+                    <p:cTn id="21" fill="hold">
+                      <p:stCondLst>
+                        <p:cond delay="indefinite"/>
+                      </p:stCondLst>
+                      <p:childTnLst>
+                        <p:par>
+                          <p:cTn id="22" fill="hold">
+                            <p:stCondLst>
+                              <p:cond delay="0"/>
+                            </p:stCondLst>
+                            <p:childTnLst>
+                              <p:par>
+                                <p:cTn id="23" presetID="1" presetClass="entr" presetSubtype="0" fill="hold" nodeType="clickEffect">
+                                  <p:stCondLst>
+                                    <p:cond delay="0"/>
+                                  </p:stCondLst>
+                                  <p:childTnLst>
+                                    <p:set>
+                                      <p:cBhvr>
+                                        <p:cTn id="24" dur="1" fill="hold">
+                                          <p:stCondLst>
+                                            <p:cond delay="0"/>
+                                          </p:stCondLst>
+                                        </p:cTn>
+                                        <p:tgtEl>
+                                          <p:spTgt spid="5"/>
+                                        </p:tgtEl>
+                                        <p:attrNameLst>
+                                          <p:attrName>style.visibility</p:attrName>
+                                        </p:attrNameLst>
+                                      </p:cBhvr>
+                                      <p:to>
+                                        <p:strVal val="visible"/>
+                                      </p:to>
+                                    </p:set>
+                                  </p:childTnLst>
+                                </p:cTn>
+                              </p:par>
+                              <p:par>
+                                <p:cTn id="25" presetID="1" presetClass="entr" presetSubtype="0" fill="hold" grpId="0" nodeType="withEffect">
+                                  <p:stCondLst>
+                                    <p:cond delay="0"/>
+                                  </p:stCondLst>
+                                  <p:childTnLst>
+                                    <p:set>
+                                      <p:cBhvr>
+                                        <p:cTn id="26" dur="1" fill="hold">
+                                          <p:stCondLst>
+                                            <p:cond delay="0"/>
+                                          </p:stCondLst>
+                                        </p:cTn>
+                                        <p:tgtEl>
+                                          <p:spTgt spid="11"/>
+                                        </p:tgtEl>
+                                        <p:attrNameLst>
+                                          <p:attrName>style.visibility</p:attrName>
+                                        </p:attrNameLst>
+                                      </p:cBhvr>
+                                      <p:to>
+                                        <p:strVal val="visible"/>
+                                      </p:to>
+                                    </p:set>
+                                  </p:childTnLst>
+                                </p:cTn>
+                              </p:par>
+                            </p:childTnLst>
+                          </p:cTn>
+                        </p:par>
+                      </p:childTnLst>
+                    </p:cTn>
+                  </p:par>
+                  <p:par>
+                    <p:cTn id="27" fill="hold">
+                      <p:stCondLst>
+                        <p:cond delay="indefinite"/>
+                      </p:stCondLst>
+                      <p:childTnLst>
+                        <p:par>
+                          <p:cTn id="28" fill="hold">
+                            <p:stCondLst>
+                              <p:cond delay="0"/>
+                            </p:stCondLst>
+                            <p:childTnLst>
+                              <p:par>
+                                <p:cTn id="29" presetID="1" presetClass="entr" presetSubtype="0" fill="hold" nodeType="clickEffect">
+                                  <p:stCondLst>
+                                    <p:cond delay="0"/>
+                                  </p:stCondLst>
+                                  <p:childTnLst>
+                                    <p:set>
+                                      <p:cBhvr>
+                                        <p:cTn id="30" dur="1" fill="hold">
+                                          <p:stCondLst>
+                                            <p:cond delay="0"/>
+                                          </p:stCondLst>
+                                        </p:cTn>
+                                        <p:tgtEl>
+                                          <p:spTgt spid="118"/>
+                                        </p:tgtEl>
+                                        <p:attrNameLst>
+                                          <p:attrName>style.visibility</p:attrName>
+                                        </p:attrNameLst>
+                                      </p:cBhvr>
+                                      <p:to>
+                                        <p:strVal val="visible"/>
+                                      </p:to>
+                                    </p:set>
+                                  </p:childTnLst>
+                                </p:cTn>
+                              </p:par>
+                            </p:childTnLst>
+                          </p:cTn>
+                        </p:par>
+                      </p:childTnLst>
+                    </p:cTn>
+                  </p:par>
+                  <p:par>
+                    <p:cTn id="31" fill="hold">
+                      <p:stCondLst>
+                        <p:cond delay="indefinite"/>
+                      </p:stCondLst>
+                      <p:childTnLst>
+                        <p:par>
+                          <p:cTn id="32" fill="hold">
+                            <p:stCondLst>
+                              <p:cond delay="0"/>
+                            </p:stCondLst>
+                            <p:childTnLst>
+                              <p:par>
+                                <p:cTn id="33" presetID="1" presetClass="entr" presetSubtype="0" fill="hold" nodeType="clickEffect">
+                                  <p:stCondLst>
+                                    <p:cond delay="0"/>
+                                  </p:stCondLst>
+                                  <p:childTnLst>
+                                    <p:set>
+                                      <p:cBhvr>
+                                        <p:cTn id="34" dur="1" fill="hold">
+                                          <p:stCondLst>
+                                            <p:cond delay="0"/>
+                                          </p:stCondLst>
+                                        </p:cTn>
+                                        <p:tgtEl>
+                                          <p:spTgt spid="116"/>
+                                        </p:tgtEl>
+                                        <p:attrNameLst>
+                                          <p:attrName>style.visibility</p:attrName>
+                                        </p:attrNameLst>
+                                      </p:cBhvr>
+                                      <p:to>
+                                        <p:strVal val="visible"/>
+                                      </p:to>
+                                    </p:set>
+                                  </p:childTnLst>
+                                </p:cTn>
+                              </p:par>
+                            </p:childTnLst>
+                          </p:cTn>
+                        </p:par>
+                      </p:childTnLst>
+                    </p:cTn>
+                  </p:par>
+                </p:childTnLst>
+              </p:cTn>
+              <p:prevCondLst>
+                <p:cond evt="onPrev" delay="0">
+                  <p:tgtEl>
+                    <p:sldTgt/>
+                  </p:tgtEl>
+                </p:cond>
+              </p:prevCondLst>
+              <p:nextCondLst>
+                <p:cond evt="onNext" delay="0">
+                  <p:tgtEl>
+                    <p:sldTgt/>
+                  </p:tgtEl>
+                </p:cond>
+              </p:nextCondLst>
+            </p:seq>
+          </p:childTnLst>
+        </p:cTn>
       </p:par>
     </p:tnLst>
+    <p:bldLst>
+      <p:bldP spid="117" grpId="0"/>
+      <p:bldP spid="7" grpId="0"/>
+      <p:bldP spid="9" grpId="0" animBg="1"/>
+      <p:bldP spid="11" grpId="0" animBg="1"/>
+      <p:bldP spid="12" grpId="0"/>
+    </p:bldLst>
   </p:timing>
 </p:sld>
 </file>
@@ -8581,8 +10572,8 @@
         </p:nvSpPr>
         <p:spPr>
           <a:xfrm>
-            <a:off x="179640" y="44640"/>
-            <a:ext cx="8915040" cy="1151640"/>
+            <a:off x="262020" y="11688"/>
+            <a:ext cx="8915040" cy="1053911"/>
           </a:xfrm>
           <a:prstGeom prst="rect">
             <a:avLst/>
@@ -8602,7 +10593,7 @@
               </a:lnSpc>
             </a:pPr>
             <a:r>
-              <a:rPr lang="en-US" sz="3200" b="1" strike="noStrike" spc="-1">
+              <a:rPr lang="en-US" sz="3600" b="1" strike="noStrike" spc="-1" smtClean="0">
                 <a:solidFill>
                   <a:srgbClr val="000000"/>
                 </a:solidFill>
@@ -8613,9 +10604,51 @@
                 </a:uFill>
                 <a:latin typeface="Arial"/>
               </a:rPr>
-              <a:t>Synthesizing Control Software in UAVs</a:t>
+              <a:t>Synthesizing </a:t>
             </a:r>
-            <a:endParaRPr lang="en-US" sz="1800" b="0" strike="noStrike" spc="-1">
+            <a:r>
+              <a:rPr lang="en-US" sz="3600" b="1" spc="-1" dirty="0">
+                <a:solidFill>
+                  <a:srgbClr val="000000"/>
+                </a:solidFill>
+                <a:uFill>
+                  <a:solidFill>
+                    <a:srgbClr val="FFFFFF"/>
+                  </a:solidFill>
+                </a:uFill>
+                <a:latin typeface="Arial"/>
+              </a:rPr>
+              <a:t>c</a:t>
+            </a:r>
+            <a:r>
+              <a:rPr lang="en-US" sz="3600" b="1" strike="noStrike" spc="-1" dirty="0" smtClean="0">
+                <a:solidFill>
+                  <a:srgbClr val="000000"/>
+                </a:solidFill>
+                <a:uFill>
+                  <a:solidFill>
+                    <a:srgbClr val="FFFFFF"/>
+                  </a:solidFill>
+                </a:uFill>
+                <a:latin typeface="Arial"/>
+              </a:rPr>
+              <a:t>ontrol software </a:t>
+            </a:r>
+            <a:r>
+              <a:rPr lang="en-US" sz="3600" b="1" strike="noStrike" spc="-1" dirty="0">
+                <a:solidFill>
+                  <a:srgbClr val="000000"/>
+                </a:solidFill>
+                <a:uFill>
+                  <a:solidFill>
+                    <a:srgbClr val="FFFFFF"/>
+                  </a:solidFill>
+                </a:uFill>
+                <a:latin typeface="Arial"/>
+              </a:rPr>
+              <a:t>in UAVs</a:t>
+            </a:r>
+            <a:endParaRPr lang="en-US" sz="3600" b="0" strike="noStrike" spc="-1" dirty="0">
               <a:solidFill>
                 <a:srgbClr val="000000"/>
               </a:solidFill>
@@ -8637,7 +10670,7 @@
         </p:nvSpPr>
         <p:spPr>
           <a:xfrm>
-            <a:off x="2974680" y="2493000"/>
+            <a:off x="2974680" y="2789568"/>
             <a:ext cx="1766160" cy="866880"/>
           </a:xfrm>
           <a:prstGeom prst="roundRect">
@@ -8676,7 +10709,7 @@
               </a:lnSpc>
             </a:pPr>
             <a:r>
-              <a:rPr lang="en-GB" sz="1800" b="0" strike="noStrike" spc="-1">
+              <a:rPr lang="en-GB" sz="1800" b="0" strike="noStrike" spc="-1" dirty="0">
                 <a:solidFill>
                   <a:srgbClr val="000000"/>
                 </a:solidFill>
@@ -8690,7 +10723,7 @@
               </a:rPr>
               <a:t>Input specification</a:t>
             </a:r>
-            <a:endParaRPr lang="en-GB" sz="1800" b="0" strike="noStrike" spc="-1">
+            <a:endParaRPr lang="en-GB" sz="1800" b="0" strike="noStrike" spc="-1" dirty="0">
               <a:solidFill>
                 <a:srgbClr val="000000"/>
               </a:solidFill>
@@ -8712,7 +10745,7 @@
         </p:nvSpPr>
         <p:spPr>
           <a:xfrm>
-            <a:off x="2986920" y="4147920"/>
+            <a:off x="2986920" y="4444488"/>
             <a:ext cx="1766160" cy="866880"/>
           </a:xfrm>
           <a:prstGeom prst="roundRect">
@@ -8790,7 +10823,7 @@
         </p:nvSpPr>
         <p:spPr>
           <a:xfrm>
-            <a:off x="5812920" y="4147920"/>
+            <a:off x="5812920" y="4444488"/>
             <a:ext cx="1766160" cy="866880"/>
           </a:xfrm>
           <a:prstGeom prst="roundRect">
@@ -8832,7 +10865,7 @@
               </a:lnSpc>
             </a:pPr>
             <a:r>
-              <a:rPr lang="en-GB" sz="1800" b="0" strike="noStrike" spc="-1">
+              <a:rPr lang="en-GB" sz="1800" b="0" strike="noStrike" spc="-1" dirty="0">
                 <a:solidFill>
                   <a:srgbClr val="000000"/>
                 </a:solidFill>
@@ -8846,7 +10879,7 @@
               </a:rPr>
               <a:t>Verify</a:t>
             </a:r>
-            <a:endParaRPr lang="en-GB" sz="1800" b="0" strike="noStrike" spc="-1">
+            <a:endParaRPr lang="en-GB" sz="1800" b="0" strike="noStrike" spc="-1" dirty="0">
               <a:solidFill>
                 <a:srgbClr val="000000"/>
               </a:solidFill>
@@ -8868,7 +10901,7 @@
         </p:nvSpPr>
         <p:spPr>
           <a:xfrm>
-            <a:off x="3764520" y="3501000"/>
+            <a:off x="3764520" y="3797568"/>
             <a:ext cx="155520" cy="515880"/>
           </a:xfrm>
           <a:prstGeom prst="downArrow">
@@ -8910,7 +10943,7 @@
         </p:nvSpPr>
         <p:spPr>
           <a:xfrm>
-            <a:off x="4876920" y="4264560"/>
+            <a:off x="4876920" y="4561128"/>
             <a:ext cx="799560" cy="168480"/>
           </a:xfrm>
           <a:prstGeom prst="rightArrow">
@@ -8952,7 +10985,7 @@
         </p:nvSpPr>
         <p:spPr>
           <a:xfrm rot="10800000">
-            <a:off x="5676840" y="4938480"/>
+            <a:off x="4876920" y="5095144"/>
             <a:ext cx="799560" cy="168480"/>
           </a:xfrm>
           <a:prstGeom prst="rightArrow">
@@ -8994,7 +11027,7 @@
         </p:nvSpPr>
         <p:spPr>
           <a:xfrm>
-            <a:off x="3764520" y="5145840"/>
+            <a:off x="3764520" y="5442408"/>
             <a:ext cx="155520" cy="515880"/>
           </a:xfrm>
           <a:prstGeom prst="downArrow">
@@ -9036,7 +11069,7 @@
         </p:nvSpPr>
         <p:spPr>
           <a:xfrm>
-            <a:off x="6689880" y="5145840"/>
+            <a:off x="6689880" y="5442408"/>
             <a:ext cx="155520" cy="515880"/>
           </a:xfrm>
           <a:prstGeom prst="downArrow">
@@ -9078,7 +11111,7 @@
         </p:nvSpPr>
         <p:spPr>
           <a:xfrm>
-            <a:off x="2051640" y="3436560"/>
+            <a:off x="2051640" y="3733128"/>
             <a:ext cx="2384640" cy="729720"/>
           </a:xfrm>
           <a:prstGeom prst="rect">
@@ -9213,7 +11246,7 @@
         </p:nvSpPr>
         <p:spPr>
           <a:xfrm>
-            <a:off x="4765680" y="3642120"/>
+            <a:off x="4765680" y="3938688"/>
             <a:ext cx="1122840" cy="516600"/>
           </a:xfrm>
           <a:prstGeom prst="rect">
@@ -9246,7 +11279,7 @@
               </a:lnSpc>
             </a:pPr>
             <a:r>
-              <a:rPr lang="en-GB" sz="1400" b="0" strike="noStrike" spc="-1">
+              <a:rPr lang="en-GB" sz="1400" b="0" strike="noStrike" spc="-1" dirty="0">
                 <a:solidFill>
                   <a:srgbClr val="000000"/>
                 </a:solidFill>
@@ -9260,7 +11293,7 @@
               </a:rPr>
               <a:t>candidate </a:t>
             </a:r>
-            <a:endParaRPr lang="en-GB" sz="1800" b="0" strike="noStrike" spc="-1">
+            <a:endParaRPr lang="en-GB" sz="1800" b="0" strike="noStrike" spc="-1" dirty="0">
               <a:solidFill>
                 <a:srgbClr val="000000"/>
               </a:solidFill>
@@ -9279,7 +11312,7 @@
               </a:lnSpc>
             </a:pPr>
             <a:r>
-              <a:rPr lang="en-GB" sz="1400" b="0" strike="noStrike" spc="-1">
+              <a:rPr lang="en-GB" sz="1400" b="0" strike="noStrike" spc="-1" dirty="0">
                 <a:solidFill>
                   <a:srgbClr val="000000"/>
                 </a:solidFill>
@@ -9293,7 +11326,7 @@
               </a:rPr>
               <a:t>solution</a:t>
             </a:r>
-            <a:endParaRPr lang="en-GB" sz="1800" b="0" strike="noStrike" spc="-1">
+            <a:endParaRPr lang="en-GB" sz="1800" b="0" strike="noStrike" spc="-1" dirty="0">
               <a:solidFill>
                 <a:srgbClr val="000000"/>
               </a:solidFill>
@@ -9315,7 +11348,7 @@
         </p:nvSpPr>
         <p:spPr>
           <a:xfrm>
-            <a:off x="4775760" y="4938120"/>
+            <a:off x="4775760" y="5234688"/>
             <a:ext cx="1036800" cy="516600"/>
           </a:xfrm>
           <a:prstGeom prst="rect">
@@ -9417,7 +11450,7 @@
         </p:nvSpPr>
         <p:spPr>
           <a:xfrm>
-            <a:off x="6003000" y="5792760"/>
+            <a:off x="6003000" y="6089328"/>
             <a:ext cx="1524600" cy="516600"/>
           </a:xfrm>
           <a:prstGeom prst="rect">
@@ -9486,7 +11519,7 @@
         </p:nvSpPr>
         <p:spPr>
           <a:xfrm>
-            <a:off x="3079800" y="5792760"/>
+            <a:off x="3079800" y="6089328"/>
             <a:ext cx="1524600" cy="516600"/>
           </a:xfrm>
           <a:prstGeom prst="rect">
@@ -9555,7 +11588,7 @@
         </p:nvSpPr>
         <p:spPr>
           <a:xfrm>
-            <a:off x="4897080" y="4449240"/>
+            <a:off x="4897080" y="4745808"/>
             <a:ext cx="828720" cy="303480"/>
           </a:xfrm>
           <a:prstGeom prst="rect">
@@ -9624,8 +11657,8 @@
         </p:nvSpPr>
         <p:spPr>
           <a:xfrm>
-            <a:off x="251640" y="1157760"/>
-            <a:ext cx="8712720" cy="821880"/>
+            <a:off x="164758" y="1157760"/>
+            <a:ext cx="8792510" cy="821880"/>
           </a:xfrm>
           <a:prstGeom prst="rect">
             <a:avLst/>
@@ -9662,7 +11695,7 @@
               <a:buChar char="•"/>
             </a:pPr>
             <a:r>
-              <a:rPr lang="en-GB" sz="2400" b="0" strike="noStrike" spc="-1">
+              <a:rPr lang="en-GB" sz="2400" b="1" spc="-1" dirty="0" smtClean="0">
                 <a:solidFill>
                   <a:srgbClr val="000000"/>
                 </a:solidFill>
@@ -9673,10 +11706,78 @@
                 </a:uFill>
                 <a:latin typeface="Arial"/>
               </a:rPr>
-              <a:t>CEGIS automates the design of digital controllers that are </a:t>
+              <a:t>Counterexample guided induction synthesis</a:t>
             </a:r>
             <a:r>
-              <a:rPr lang="en-GB" sz="2400" b="1" strike="noStrike" spc="-1">
+              <a:rPr lang="en-GB" sz="2400" b="0" strike="noStrike" spc="-1" dirty="0" smtClean="0">
+                <a:solidFill>
+                  <a:srgbClr val="000000"/>
+                </a:solidFill>
+                <a:uFill>
+                  <a:solidFill>
+                    <a:srgbClr val="FFFFFF"/>
+                  </a:solidFill>
+                </a:uFill>
+                <a:latin typeface="Arial"/>
+              </a:rPr>
+              <a:t> </a:t>
+            </a:r>
+            <a:r>
+              <a:rPr lang="en-GB" sz="2400" b="0" strike="noStrike" spc="-1" dirty="0">
+                <a:solidFill>
+                  <a:srgbClr val="000000"/>
+                </a:solidFill>
+                <a:uFill>
+                  <a:solidFill>
+                    <a:srgbClr val="FFFFFF"/>
+                  </a:solidFill>
+                </a:uFill>
+                <a:latin typeface="Arial"/>
+              </a:rPr>
+              <a:t>automates the </a:t>
+            </a:r>
+            <a:r>
+              <a:rPr lang="en-GB" sz="2400" spc="-1" dirty="0" smtClean="0">
+                <a:solidFill>
+                  <a:srgbClr val="000000"/>
+                </a:solidFill>
+                <a:uFill>
+                  <a:solidFill>
+                    <a:srgbClr val="FFFFFF"/>
+                  </a:solidFill>
+                </a:uFill>
+              </a:rPr>
+              <a:t>controller </a:t>
+            </a:r>
+            <a:r>
+              <a:rPr lang="en-GB" sz="2400" spc="-1" dirty="0">
+                <a:solidFill>
+                  <a:srgbClr val="000000"/>
+                </a:solidFill>
+                <a:uFill>
+                  <a:solidFill>
+                    <a:srgbClr val="FFFFFF"/>
+                  </a:solidFill>
+                </a:uFill>
+              </a:rPr>
+              <a:t>design that </a:t>
+            </a:r>
+            <a:r>
+              <a:rPr lang="en-GB" sz="2400" b="0" strike="noStrike" spc="-1" dirty="0" smtClean="0">
+                <a:solidFill>
+                  <a:srgbClr val="000000"/>
+                </a:solidFill>
+                <a:uFill>
+                  <a:solidFill>
+                    <a:srgbClr val="FFFFFF"/>
+                  </a:solidFill>
+                </a:uFill>
+                <a:latin typeface="Arial"/>
+              </a:rPr>
+              <a:t>is </a:t>
+            </a:r>
+            <a:r>
+              <a:rPr lang="en-GB" sz="2400" b="1" strike="noStrike" spc="-1" dirty="0">
                 <a:solidFill>
                   <a:srgbClr val="000000"/>
                 </a:solidFill>
@@ -9689,7 +11790,7 @@
               </a:rPr>
               <a:t>correct-by-construction</a:t>
             </a:r>
-            <a:endParaRPr lang="en-GB" sz="1800" b="0" strike="noStrike" spc="-1">
+            <a:endParaRPr lang="en-GB" sz="2400" b="0" strike="noStrike" spc="-1" dirty="0">
               <a:solidFill>
                 <a:srgbClr val="000000"/>
               </a:solidFill>
@@ -9711,7 +11812,7 @@
         </p:nvSpPr>
         <p:spPr>
           <a:xfrm>
-            <a:off x="232920" y="4667760"/>
+            <a:off x="232920" y="4964328"/>
             <a:ext cx="2417400" cy="1553400"/>
           </a:xfrm>
           <a:prstGeom prst="rect">
@@ -9744,7 +11845,7 @@
               </a:lnSpc>
             </a:pPr>
             <a:r>
-              <a:rPr lang="en-GB" sz="2400" b="0" strike="noStrike" spc="-1">
+              <a:rPr lang="en-GB" sz="2400" b="0" strike="noStrike" spc="-1" dirty="0">
                 <a:solidFill>
                   <a:srgbClr val="000000"/>
                 </a:solidFill>
@@ -9757,7 +11858,7 @@
               </a:rPr>
               <a:t>finite-precision arithmetic and related rounding errors</a:t>
             </a:r>
-            <a:endParaRPr lang="en-GB" sz="1800" b="0" strike="noStrike" spc="-1">
+            <a:endParaRPr lang="en-GB" sz="1800" b="0" strike="noStrike" spc="-1" dirty="0">
               <a:solidFill>
                 <a:srgbClr val="000000"/>
               </a:solidFill>
@@ -9779,7 +11880,7 @@
         </p:nvSpPr>
         <p:spPr>
           <a:xfrm>
-            <a:off x="251640" y="2565000"/>
+            <a:off x="251640" y="2861568"/>
             <a:ext cx="2493000" cy="602640"/>
           </a:xfrm>
           <a:prstGeom prst="rect">
@@ -9811,7 +11912,7 @@
         </p:nvSpPr>
         <p:spPr>
           <a:xfrm>
-            <a:off x="251640" y="2565000"/>
+            <a:off x="251640" y="2861568"/>
             <a:ext cx="2493000" cy="602640"/>
           </a:xfrm>
           <a:prstGeom prst="rect">
@@ -9884,7 +11985,7 @@
         </p:nvSpPr>
         <p:spPr>
           <a:xfrm>
-            <a:off x="5076000" y="1772640"/>
+            <a:off x="5076000" y="2069208"/>
             <a:ext cx="2133720" cy="524520"/>
           </a:xfrm>
           <a:prstGeom prst="rect">
@@ -9916,7 +12017,7 @@
         </p:nvSpPr>
         <p:spPr>
           <a:xfrm>
-            <a:off x="5076000" y="1772640"/>
+            <a:off x="5076000" y="2069208"/>
             <a:ext cx="2133720" cy="524520"/>
           </a:xfrm>
           <a:prstGeom prst="rect">
@@ -9989,7 +12090,7 @@
         </p:nvSpPr>
         <p:spPr>
           <a:xfrm>
-            <a:off x="5076000" y="2409840"/>
+            <a:off x="5076000" y="2706408"/>
             <a:ext cx="3967560" cy="560160"/>
           </a:xfrm>
           <a:prstGeom prst="rect">
@@ -10021,7 +12122,7 @@
         </p:nvSpPr>
         <p:spPr>
           <a:xfrm>
-            <a:off x="5076000" y="2409840"/>
+            <a:off x="5076000" y="2706408"/>
             <a:ext cx="3967560" cy="560160"/>
           </a:xfrm>
           <a:prstGeom prst="rect">
@@ -10094,7 +12195,7 @@
         </p:nvSpPr>
         <p:spPr>
           <a:xfrm>
-            <a:off x="5068440" y="3069000"/>
+            <a:off x="5068440" y="3365568"/>
             <a:ext cx="3839400" cy="560160"/>
           </a:xfrm>
           <a:prstGeom prst="rect">
@@ -10126,7 +12227,7 @@
         </p:nvSpPr>
         <p:spPr>
           <a:xfrm>
-            <a:off x="5068440" y="3069000"/>
+            <a:off x="5068440" y="3365568"/>
             <a:ext cx="3839400" cy="560160"/>
           </a:xfrm>
           <a:prstGeom prst="rect">
@@ -10191,6 +12292,36 @@
           </a:p>
         </p:txBody>
       </p:sp>
+      <p:sp>
+        <p:nvSpPr>
+          <p:cNvPr id="2" name="CaixaDeTexto 1"/>
+          <p:cNvSpPr txBox="1"/>
+          <p:nvPr/>
+        </p:nvSpPr>
+        <p:spPr>
+          <a:xfrm>
+            <a:off x="344398" y="2066557"/>
+            <a:ext cx="3296726" cy="646331"/>
+          </a:xfrm>
+          <a:prstGeom prst="rect">
+            <a:avLst/>
+          </a:prstGeom>
+          <a:noFill/>
+        </p:spPr>
+        <p:txBody>
+          <a:bodyPr wrap="square" rtlCol="0">
+            <a:spAutoFit/>
+          </a:bodyPr>
+          <a:lstStyle/>
+          <a:p>
+            <a:r>
+              <a:rPr lang="en-US" dirty="0" smtClean="0"/>
+              <a:t>stability, safety, performance specifications</a:t>
+            </a:r>
+            <a:endParaRPr lang="en-US" dirty="0"/>
+          </a:p>
+        </p:txBody>
+      </p:sp>
     </p:spTree>
   </p:cSld>
   <p:clrMapOvr>
@@ -10199,9 +12330,733 @@
   <p:timing>
     <p:tnLst>
       <p:par>
-        <p:cTn id="1" dur="indefinite" restart="never" nodeType="tmRoot"/>
+        <p:cTn id="1" dur="indefinite" restart="never" nodeType="tmRoot">
+          <p:childTnLst>
+            <p:seq concurrent="1" nextAc="seek">
+              <p:cTn id="2" dur="indefinite" nodeType="mainSeq">
+                <p:childTnLst>
+                  <p:par>
+                    <p:cTn id="3" fill="hold">
+                      <p:stCondLst>
+                        <p:cond delay="indefinite"/>
+                      </p:stCondLst>
+                      <p:childTnLst>
+                        <p:par>
+                          <p:cTn id="4" fill="hold">
+                            <p:stCondLst>
+                              <p:cond delay="0"/>
+                            </p:stCondLst>
+                            <p:childTnLst>
+                              <p:par>
+                                <p:cTn id="5" presetID="1" presetClass="entr" presetSubtype="0" fill="hold" grpId="0" nodeType="clickEffect">
+                                  <p:stCondLst>
+                                    <p:cond delay="0"/>
+                                  </p:stCondLst>
+                                  <p:childTnLst>
+                                    <p:set>
+                                      <p:cBhvr>
+                                        <p:cTn id="6" dur="1" fill="hold">
+                                          <p:stCondLst>
+                                            <p:cond delay="0"/>
+                                          </p:stCondLst>
+                                        </p:cTn>
+                                        <p:tgtEl>
+                                          <p:spTgt spid="120"/>
+                                        </p:tgtEl>
+                                        <p:attrNameLst>
+                                          <p:attrName>style.visibility</p:attrName>
+                                        </p:attrNameLst>
+                                      </p:cBhvr>
+                                      <p:to>
+                                        <p:strVal val="visible"/>
+                                      </p:to>
+                                    </p:set>
+                                  </p:childTnLst>
+                                </p:cTn>
+                              </p:par>
+                              <p:par>
+                                <p:cTn id="7" presetID="1" presetClass="entr" presetSubtype="0" fill="hold" grpId="0" nodeType="withEffect">
+                                  <p:stCondLst>
+                                    <p:cond delay="0"/>
+                                  </p:stCondLst>
+                                  <p:childTnLst>
+                                    <p:set>
+                                      <p:cBhvr>
+                                        <p:cTn id="8" dur="1" fill="hold">
+                                          <p:stCondLst>
+                                            <p:cond delay="0"/>
+                                          </p:stCondLst>
+                                        </p:cTn>
+                                        <p:tgtEl>
+                                          <p:spTgt spid="2"/>
+                                        </p:tgtEl>
+                                        <p:attrNameLst>
+                                          <p:attrName>style.visibility</p:attrName>
+                                        </p:attrNameLst>
+                                      </p:cBhvr>
+                                      <p:to>
+                                        <p:strVal val="visible"/>
+                                      </p:to>
+                                    </p:set>
+                                  </p:childTnLst>
+                                </p:cTn>
+                              </p:par>
+                            </p:childTnLst>
+                          </p:cTn>
+                        </p:par>
+                      </p:childTnLst>
+                    </p:cTn>
+                  </p:par>
+                  <p:par>
+                    <p:cTn id="9" fill="hold">
+                      <p:stCondLst>
+                        <p:cond delay="indefinite"/>
+                      </p:stCondLst>
+                      <p:childTnLst>
+                        <p:par>
+                          <p:cTn id="10" fill="hold">
+                            <p:stCondLst>
+                              <p:cond delay="0"/>
+                            </p:stCondLst>
+                            <p:childTnLst>
+                              <p:par>
+                                <p:cTn id="11" presetID="1" presetClass="entr" presetSubtype="0" fill="hold" grpId="0" nodeType="clickEffect">
+                                  <p:stCondLst>
+                                    <p:cond delay="0"/>
+                                  </p:stCondLst>
+                                  <p:childTnLst>
+                                    <p:set>
+                                      <p:cBhvr>
+                                        <p:cTn id="12" dur="1" fill="hold">
+                                          <p:stCondLst>
+                                            <p:cond delay="0"/>
+                                          </p:stCondLst>
+                                        </p:cTn>
+                                        <p:tgtEl>
+                                          <p:spTgt spid="137"/>
+                                        </p:tgtEl>
+                                        <p:attrNameLst>
+                                          <p:attrName>style.visibility</p:attrName>
+                                        </p:attrNameLst>
+                                      </p:cBhvr>
+                                      <p:to>
+                                        <p:strVal val="visible"/>
+                                      </p:to>
+                                    </p:set>
+                                  </p:childTnLst>
+                                </p:cTn>
+                              </p:par>
+                              <p:par>
+                                <p:cTn id="13" presetID="1" presetClass="entr" presetSubtype="0" fill="hold" grpId="0" nodeType="withEffect">
+                                  <p:stCondLst>
+                                    <p:cond delay="0"/>
+                                  </p:stCondLst>
+                                  <p:childTnLst>
+                                    <p:set>
+                                      <p:cBhvr>
+                                        <p:cTn id="14" dur="1" fill="hold">
+                                          <p:stCondLst>
+                                            <p:cond delay="0"/>
+                                          </p:stCondLst>
+                                        </p:cTn>
+                                        <p:tgtEl>
+                                          <p:spTgt spid="128"/>
+                                        </p:tgtEl>
+                                        <p:attrNameLst>
+                                          <p:attrName>style.visibility</p:attrName>
+                                        </p:attrNameLst>
+                                      </p:cBhvr>
+                                      <p:to>
+                                        <p:strVal val="visible"/>
+                                      </p:to>
+                                    </p:set>
+                                  </p:childTnLst>
+                                </p:cTn>
+                              </p:par>
+                              <p:par>
+                                <p:cTn id="15" presetID="1" presetClass="entr" presetSubtype="0" fill="hold" nodeType="withEffect">
+                                  <p:stCondLst>
+                                    <p:cond delay="0"/>
+                                  </p:stCondLst>
+                                  <p:childTnLst>
+                                    <p:set>
+                                      <p:cBhvr>
+                                        <p:cTn id="16" dur="1" fill="hold">
+                                          <p:stCondLst>
+                                            <p:cond delay="0"/>
+                                          </p:stCondLst>
+                                        </p:cTn>
+                                        <p:tgtEl>
+                                          <p:spTgt spid="123"/>
+                                        </p:tgtEl>
+                                        <p:attrNameLst>
+                                          <p:attrName>style.visibility</p:attrName>
+                                        </p:attrNameLst>
+                                      </p:cBhvr>
+                                      <p:to>
+                                        <p:strVal val="visible"/>
+                                      </p:to>
+                                    </p:set>
+                                  </p:childTnLst>
+                                </p:cTn>
+                              </p:par>
+                              <p:par>
+                                <p:cTn id="17" presetID="1" presetClass="entr" presetSubtype="0" fill="hold" grpId="0" nodeType="withEffect">
+                                  <p:stCondLst>
+                                    <p:cond delay="0"/>
+                                  </p:stCondLst>
+                                  <p:childTnLst>
+                                    <p:set>
+                                      <p:cBhvr>
+                                        <p:cTn id="18" dur="1" fill="hold">
+                                          <p:stCondLst>
+                                            <p:cond delay="0"/>
+                                          </p:stCondLst>
+                                        </p:cTn>
+                                        <p:tgtEl>
+                                          <p:spTgt spid="121"/>
+                                        </p:tgtEl>
+                                        <p:attrNameLst>
+                                          <p:attrName>style.visibility</p:attrName>
+                                        </p:attrNameLst>
+                                      </p:cBhvr>
+                                      <p:to>
+                                        <p:strVal val="visible"/>
+                                      </p:to>
+                                    </p:set>
+                                  </p:childTnLst>
+                                </p:cTn>
+                              </p:par>
+                            </p:childTnLst>
+                          </p:cTn>
+                        </p:par>
+                      </p:childTnLst>
+                    </p:cTn>
+                  </p:par>
+                  <p:par>
+                    <p:cTn id="19" fill="hold">
+                      <p:stCondLst>
+                        <p:cond delay="indefinite"/>
+                      </p:stCondLst>
+                      <p:childTnLst>
+                        <p:par>
+                          <p:cTn id="20" fill="hold">
+                            <p:stCondLst>
+                              <p:cond delay="0"/>
+                            </p:stCondLst>
+                            <p:childTnLst>
+                              <p:par>
+                                <p:cTn id="21" presetID="1" presetClass="entr" presetSubtype="0" fill="hold" grpId="0" nodeType="clickEffect">
+                                  <p:stCondLst>
+                                    <p:cond delay="0"/>
+                                  </p:stCondLst>
+                                  <p:childTnLst>
+                                    <p:set>
+                                      <p:cBhvr>
+                                        <p:cTn id="22" dur="1" fill="hold">
+                                          <p:stCondLst>
+                                            <p:cond delay="0"/>
+                                          </p:stCondLst>
+                                        </p:cTn>
+                                        <p:tgtEl>
+                                          <p:spTgt spid="129"/>
+                                        </p:tgtEl>
+                                        <p:attrNameLst>
+                                          <p:attrName>style.visibility</p:attrName>
+                                        </p:attrNameLst>
+                                      </p:cBhvr>
+                                      <p:to>
+                                        <p:strVal val="visible"/>
+                                      </p:to>
+                                    </p:set>
+                                  </p:childTnLst>
+                                </p:cTn>
+                              </p:par>
+                              <p:par>
+                                <p:cTn id="23" presetID="1" presetClass="entr" presetSubtype="0" fill="hold" nodeType="withEffect">
+                                  <p:stCondLst>
+                                    <p:cond delay="0"/>
+                                  </p:stCondLst>
+                                  <p:childTnLst>
+                                    <p:set>
+                                      <p:cBhvr>
+                                        <p:cTn id="24" dur="1" fill="hold">
+                                          <p:stCondLst>
+                                            <p:cond delay="0"/>
+                                          </p:stCondLst>
+                                        </p:cTn>
+                                        <p:tgtEl>
+                                          <p:spTgt spid="124"/>
+                                        </p:tgtEl>
+                                        <p:attrNameLst>
+                                          <p:attrName>style.visibility</p:attrName>
+                                        </p:attrNameLst>
+                                      </p:cBhvr>
+                                      <p:to>
+                                        <p:strVal val="visible"/>
+                                      </p:to>
+                                    </p:set>
+                                  </p:childTnLst>
+                                </p:cTn>
+                              </p:par>
+                              <p:par>
+                                <p:cTn id="25" presetID="1" presetClass="entr" presetSubtype="0" fill="hold" grpId="0" nodeType="withEffect">
+                                  <p:stCondLst>
+                                    <p:cond delay="0"/>
+                                  </p:stCondLst>
+                                  <p:childTnLst>
+                                    <p:set>
+                                      <p:cBhvr>
+                                        <p:cTn id="26" dur="1" fill="hold">
+                                          <p:stCondLst>
+                                            <p:cond delay="0"/>
+                                          </p:stCondLst>
+                                        </p:cTn>
+                                        <p:tgtEl>
+                                          <p:spTgt spid="133"/>
+                                        </p:tgtEl>
+                                        <p:attrNameLst>
+                                          <p:attrName>style.visibility</p:attrName>
+                                        </p:attrNameLst>
+                                      </p:cBhvr>
+                                      <p:to>
+                                        <p:strVal val="visible"/>
+                                      </p:to>
+                                    </p:set>
+                                  </p:childTnLst>
+                                </p:cTn>
+                              </p:par>
+                              <p:par>
+                                <p:cTn id="27" presetID="1" presetClass="entr" presetSubtype="0" fill="hold" grpId="0" nodeType="withEffect">
+                                  <p:stCondLst>
+                                    <p:cond delay="0"/>
+                                  </p:stCondLst>
+                                  <p:childTnLst>
+                                    <p:set>
+                                      <p:cBhvr>
+                                        <p:cTn id="28" dur="1" fill="hold">
+                                          <p:stCondLst>
+                                            <p:cond delay="0"/>
+                                          </p:stCondLst>
+                                        </p:cTn>
+                                        <p:tgtEl>
+                                          <p:spTgt spid="139"/>
+                                        </p:tgtEl>
+                                        <p:attrNameLst>
+                                          <p:attrName>style.visibility</p:attrName>
+                                        </p:attrNameLst>
+                                      </p:cBhvr>
+                                      <p:to>
+                                        <p:strVal val="visible"/>
+                                      </p:to>
+                                    </p:set>
+                                  </p:childTnLst>
+                                </p:cTn>
+                              </p:par>
+                            </p:childTnLst>
+                          </p:cTn>
+                        </p:par>
+                      </p:childTnLst>
+                    </p:cTn>
+                  </p:par>
+                  <p:par>
+                    <p:cTn id="29" fill="hold">
+                      <p:stCondLst>
+                        <p:cond delay="indefinite"/>
+                      </p:stCondLst>
+                      <p:childTnLst>
+                        <p:par>
+                          <p:cTn id="30" fill="hold">
+                            <p:stCondLst>
+                              <p:cond delay="0"/>
+                            </p:stCondLst>
+                            <p:childTnLst>
+                              <p:par>
+                                <p:cTn id="31" presetID="1" presetClass="entr" presetSubtype="0" fill="hold" grpId="0" nodeType="clickEffect">
+                                  <p:stCondLst>
+                                    <p:cond delay="0"/>
+                                  </p:stCondLst>
+                                  <p:childTnLst>
+                                    <p:set>
+                                      <p:cBhvr>
+                                        <p:cTn id="32" dur="1" fill="hold">
+                                          <p:stCondLst>
+                                            <p:cond delay="0"/>
+                                          </p:stCondLst>
+                                        </p:cTn>
+                                        <p:tgtEl>
+                                          <p:spTgt spid="122"/>
+                                        </p:tgtEl>
+                                        <p:attrNameLst>
+                                          <p:attrName>style.visibility</p:attrName>
+                                        </p:attrNameLst>
+                                      </p:cBhvr>
+                                      <p:to>
+                                        <p:strVal val="visible"/>
+                                      </p:to>
+                                    </p:set>
+                                  </p:childTnLst>
+                                </p:cTn>
+                              </p:par>
+                              <p:par>
+                                <p:cTn id="33" presetID="1" presetClass="entr" presetSubtype="0" fill="hold" nodeType="withEffect">
+                                  <p:stCondLst>
+                                    <p:cond delay="0"/>
+                                  </p:stCondLst>
+                                  <p:childTnLst>
+                                    <p:set>
+                                      <p:cBhvr>
+                                        <p:cTn id="34" dur="1" fill="hold">
+                                          <p:stCondLst>
+                                            <p:cond delay="0"/>
+                                          </p:stCondLst>
+                                        </p:cTn>
+                                        <p:tgtEl>
+                                          <p:spTgt spid="125"/>
+                                        </p:tgtEl>
+                                        <p:attrNameLst>
+                                          <p:attrName>style.visibility</p:attrName>
+                                        </p:attrNameLst>
+                                      </p:cBhvr>
+                                      <p:to>
+                                        <p:strVal val="visible"/>
+                                      </p:to>
+                                    </p:set>
+                                  </p:childTnLst>
+                                </p:cTn>
+                              </p:par>
+                              <p:par>
+                                <p:cTn id="35" presetID="1" presetClass="entr" presetSubtype="0" fill="hold" grpId="0" nodeType="withEffect">
+                                  <p:stCondLst>
+                                    <p:cond delay="0"/>
+                                  </p:stCondLst>
+                                  <p:childTnLst>
+                                    <p:set>
+                                      <p:cBhvr>
+                                        <p:cTn id="36" dur="1" fill="hold">
+                                          <p:stCondLst>
+                                            <p:cond delay="0"/>
+                                          </p:stCondLst>
+                                        </p:cTn>
+                                        <p:tgtEl>
+                                          <p:spTgt spid="130"/>
+                                        </p:tgtEl>
+                                        <p:attrNameLst>
+                                          <p:attrName>style.visibility</p:attrName>
+                                        </p:attrNameLst>
+                                      </p:cBhvr>
+                                      <p:to>
+                                        <p:strVal val="visible"/>
+                                      </p:to>
+                                    </p:set>
+                                  </p:childTnLst>
+                                </p:cTn>
+                              </p:par>
+                              <p:par>
+                                <p:cTn id="37" presetID="1" presetClass="entr" presetSubtype="0" fill="hold" grpId="0" nodeType="withEffect">
+                                  <p:stCondLst>
+                                    <p:cond delay="0"/>
+                                  </p:stCondLst>
+                                  <p:childTnLst>
+                                    <p:set>
+                                      <p:cBhvr>
+                                        <p:cTn id="38" dur="1" fill="hold">
+                                          <p:stCondLst>
+                                            <p:cond delay="0"/>
+                                          </p:stCondLst>
+                                        </p:cTn>
+                                        <p:tgtEl>
+                                          <p:spTgt spid="135"/>
+                                        </p:tgtEl>
+                                        <p:attrNameLst>
+                                          <p:attrName>style.visibility</p:attrName>
+                                        </p:attrNameLst>
+                                      </p:cBhvr>
+                                      <p:to>
+                                        <p:strVal val="visible"/>
+                                      </p:to>
+                                    </p:set>
+                                  </p:childTnLst>
+                                </p:cTn>
+                              </p:par>
+                            </p:childTnLst>
+                          </p:cTn>
+                        </p:par>
+                      </p:childTnLst>
+                    </p:cTn>
+                  </p:par>
+                  <p:par>
+                    <p:cTn id="39" fill="hold">
+                      <p:stCondLst>
+                        <p:cond delay="indefinite"/>
+                      </p:stCondLst>
+                      <p:childTnLst>
+                        <p:par>
+                          <p:cTn id="40" fill="hold">
+                            <p:stCondLst>
+                              <p:cond delay="0"/>
+                            </p:stCondLst>
+                            <p:childTnLst>
+                              <p:par>
+                                <p:cTn id="41" presetID="1" presetClass="entr" presetSubtype="0" fill="hold" grpId="0" nodeType="clickEffect">
+                                  <p:stCondLst>
+                                    <p:cond delay="0"/>
+                                  </p:stCondLst>
+                                  <p:childTnLst>
+                                    <p:set>
+                                      <p:cBhvr>
+                                        <p:cTn id="42" dur="1" fill="hold">
+                                          <p:stCondLst>
+                                            <p:cond delay="0"/>
+                                          </p:stCondLst>
+                                        </p:cTn>
+                                        <p:tgtEl>
+                                          <p:spTgt spid="141"/>
+                                        </p:tgtEl>
+                                        <p:attrNameLst>
+                                          <p:attrName>style.visibility</p:attrName>
+                                        </p:attrNameLst>
+                                      </p:cBhvr>
+                                      <p:to>
+                                        <p:strVal val="visible"/>
+                                      </p:to>
+                                    </p:set>
+                                  </p:childTnLst>
+                                </p:cTn>
+                              </p:par>
+                            </p:childTnLst>
+                          </p:cTn>
+                        </p:par>
+                      </p:childTnLst>
+                    </p:cTn>
+                  </p:par>
+                  <p:par>
+                    <p:cTn id="43" fill="hold">
+                      <p:stCondLst>
+                        <p:cond delay="indefinite"/>
+                      </p:stCondLst>
+                      <p:childTnLst>
+                        <p:par>
+                          <p:cTn id="44" fill="hold">
+                            <p:stCondLst>
+                              <p:cond delay="0"/>
+                            </p:stCondLst>
+                            <p:childTnLst>
+                              <p:par>
+                                <p:cTn id="45" presetID="1" presetClass="entr" presetSubtype="0" fill="hold" grpId="0" nodeType="clickEffect">
+                                  <p:stCondLst>
+                                    <p:cond delay="0"/>
+                                  </p:stCondLst>
+                                  <p:childTnLst>
+                                    <p:set>
+                                      <p:cBhvr>
+                                        <p:cTn id="46" dur="1" fill="hold">
+                                          <p:stCondLst>
+                                            <p:cond delay="0"/>
+                                          </p:stCondLst>
+                                        </p:cTn>
+                                        <p:tgtEl>
+                                          <p:spTgt spid="143"/>
+                                        </p:tgtEl>
+                                        <p:attrNameLst>
+                                          <p:attrName>style.visibility</p:attrName>
+                                        </p:attrNameLst>
+                                      </p:cBhvr>
+                                      <p:to>
+                                        <p:strVal val="visible"/>
+                                      </p:to>
+                                    </p:set>
+                                  </p:childTnLst>
+                                </p:cTn>
+                              </p:par>
+                            </p:childTnLst>
+                          </p:cTn>
+                        </p:par>
+                      </p:childTnLst>
+                    </p:cTn>
+                  </p:par>
+                  <p:par>
+                    <p:cTn id="47" fill="hold">
+                      <p:stCondLst>
+                        <p:cond delay="indefinite"/>
+                      </p:stCondLst>
+                      <p:childTnLst>
+                        <p:par>
+                          <p:cTn id="48" fill="hold">
+                            <p:stCondLst>
+                              <p:cond delay="0"/>
+                            </p:stCondLst>
+                            <p:childTnLst>
+                              <p:par>
+                                <p:cTn id="49" presetID="1" presetClass="entr" presetSubtype="0" fill="hold" nodeType="clickEffect">
+                                  <p:stCondLst>
+                                    <p:cond delay="0"/>
+                                  </p:stCondLst>
+                                  <p:childTnLst>
+                                    <p:set>
+                                      <p:cBhvr>
+                                        <p:cTn id="50" dur="1" fill="hold">
+                                          <p:stCondLst>
+                                            <p:cond delay="0"/>
+                                          </p:stCondLst>
+                                        </p:cTn>
+                                        <p:tgtEl>
+                                          <p:spTgt spid="127"/>
+                                        </p:tgtEl>
+                                        <p:attrNameLst>
+                                          <p:attrName>style.visibility</p:attrName>
+                                        </p:attrNameLst>
+                                      </p:cBhvr>
+                                      <p:to>
+                                        <p:strVal val="visible"/>
+                                      </p:to>
+                                    </p:set>
+                                  </p:childTnLst>
+                                </p:cTn>
+                              </p:par>
+                              <p:par>
+                                <p:cTn id="51" presetID="1" presetClass="entr" presetSubtype="0" fill="hold" grpId="0" nodeType="withEffect">
+                                  <p:stCondLst>
+                                    <p:cond delay="0"/>
+                                  </p:stCondLst>
+                                  <p:childTnLst>
+                                    <p:set>
+                                      <p:cBhvr>
+                                        <p:cTn id="52" dur="1" fill="hold">
+                                          <p:stCondLst>
+                                            <p:cond delay="0"/>
+                                          </p:stCondLst>
+                                        </p:cTn>
+                                        <p:tgtEl>
+                                          <p:spTgt spid="131"/>
+                                        </p:tgtEl>
+                                        <p:attrNameLst>
+                                          <p:attrName>style.visibility</p:attrName>
+                                        </p:attrNameLst>
+                                      </p:cBhvr>
+                                      <p:to>
+                                        <p:strVal val="visible"/>
+                                      </p:to>
+                                    </p:set>
+                                  </p:childTnLst>
+                                </p:cTn>
+                              </p:par>
+                            </p:childTnLst>
+                          </p:cTn>
+                        </p:par>
+                      </p:childTnLst>
+                    </p:cTn>
+                  </p:par>
+                  <p:par>
+                    <p:cTn id="53" fill="hold">
+                      <p:stCondLst>
+                        <p:cond delay="indefinite"/>
+                      </p:stCondLst>
+                      <p:childTnLst>
+                        <p:par>
+                          <p:cTn id="54" fill="hold">
+                            <p:stCondLst>
+                              <p:cond delay="0"/>
+                            </p:stCondLst>
+                            <p:childTnLst>
+                              <p:par>
+                                <p:cTn id="55" presetID="1" presetClass="entr" presetSubtype="0" fill="hold" nodeType="clickEffect">
+                                  <p:stCondLst>
+                                    <p:cond delay="0"/>
+                                  </p:stCondLst>
+                                  <p:childTnLst>
+                                    <p:set>
+                                      <p:cBhvr>
+                                        <p:cTn id="56" dur="1" fill="hold">
+                                          <p:stCondLst>
+                                            <p:cond delay="0"/>
+                                          </p:stCondLst>
+                                        </p:cTn>
+                                        <p:tgtEl>
+                                          <p:spTgt spid="126"/>
+                                        </p:tgtEl>
+                                        <p:attrNameLst>
+                                          <p:attrName>style.visibility</p:attrName>
+                                        </p:attrNameLst>
+                                      </p:cBhvr>
+                                      <p:to>
+                                        <p:strVal val="visible"/>
+                                      </p:to>
+                                    </p:set>
+                                  </p:childTnLst>
+                                </p:cTn>
+                              </p:par>
+                              <p:par>
+                                <p:cTn id="57" presetID="1" presetClass="entr" presetSubtype="0" fill="hold" grpId="0" nodeType="withEffect">
+                                  <p:stCondLst>
+                                    <p:cond delay="0"/>
+                                  </p:stCondLst>
+                                  <p:childTnLst>
+                                    <p:set>
+                                      <p:cBhvr>
+                                        <p:cTn id="58" dur="1" fill="hold">
+                                          <p:stCondLst>
+                                            <p:cond delay="0"/>
+                                          </p:stCondLst>
+                                        </p:cTn>
+                                        <p:tgtEl>
+                                          <p:spTgt spid="132"/>
+                                        </p:tgtEl>
+                                        <p:attrNameLst>
+                                          <p:attrName>style.visibility</p:attrName>
+                                        </p:attrNameLst>
+                                      </p:cBhvr>
+                                      <p:to>
+                                        <p:strVal val="visible"/>
+                                      </p:to>
+                                    </p:set>
+                                  </p:childTnLst>
+                                </p:cTn>
+                              </p:par>
+                            </p:childTnLst>
+                          </p:cTn>
+                        </p:par>
+                      </p:childTnLst>
+                    </p:cTn>
+                  </p:par>
+                </p:childTnLst>
+              </p:cTn>
+              <p:prevCondLst>
+                <p:cond evt="onPrev" delay="0">
+                  <p:tgtEl>
+                    <p:sldTgt/>
+                  </p:tgtEl>
+                </p:cond>
+              </p:prevCondLst>
+              <p:nextCondLst>
+                <p:cond evt="onNext" delay="0">
+                  <p:tgtEl>
+                    <p:sldTgt/>
+                  </p:tgtEl>
+                </p:cond>
+              </p:nextCondLst>
+            </p:seq>
+          </p:childTnLst>
+        </p:cTn>
       </p:par>
     </p:tnLst>
+    <p:bldLst>
+      <p:bldP spid="120" grpId="0" animBg="1"/>
+      <p:bldP spid="121" grpId="0" animBg="1"/>
+      <p:bldP spid="122" grpId="0" animBg="1"/>
+      <p:bldP spid="128" grpId="0"/>
+      <p:bldP spid="129" grpId="0"/>
+      <p:bldP spid="130" grpId="0"/>
+      <p:bldP spid="131" grpId="0"/>
+      <p:bldP spid="132" grpId="0"/>
+      <p:bldP spid="133" grpId="0"/>
+      <p:bldP spid="135" grpId="0"/>
+      <p:bldP spid="137" grpId="0" animBg="1"/>
+      <p:bldP spid="139" grpId="0" animBg="1"/>
+      <p:bldP spid="141" grpId="0" animBg="1"/>
+      <p:bldP spid="143" grpId="0" animBg="1"/>
+      <p:bldP spid="2" grpId="0"/>
+    </p:bldLst>
   </p:timing>
 </p:sld>
 </file>

--- a/slides/project_taster_session.pptx
+++ b/slides/project_taster_session.pptx
@@ -10593,7 +10593,7 @@
               </a:lnSpc>
             </a:pPr>
             <a:r>
-              <a:rPr lang="en-US" sz="3600" b="1" strike="noStrike" spc="-1" smtClean="0">
+              <a:rPr lang="en-US" sz="3600" b="1" strike="noStrike" spc="-1" dirty="0" smtClean="0">
                 <a:solidFill>
                   <a:srgbClr val="000000"/>
                 </a:solidFill>

--- a/slides/project_taster_session.pptx
+++ b/slides/project_taster_session.pptx
@@ -17,7 +17,7 @@
     <p:sldId id="260" r:id="rId8"/>
   </p:sldIdLst>
   <p:sldSz cx="9144000" cy="6858000" type="screen4x3"/>
-  <p:notesSz cx="7099300" cy="10234613"/>
+  <p:notesSz cx="6797675" cy="9926638"/>
   <p:defaultTextStyle>
     <a:defPPr>
       <a:defRPr lang="en-US"/>
@@ -166,8 +166,8 @@
         </p:nvSpPr>
         <p:spPr>
           <a:xfrm>
-            <a:off x="756000" y="5078520"/>
-            <a:ext cx="6047640" cy="4811040"/>
+            <a:off x="723880" y="4925699"/>
+            <a:ext cx="5790696" cy="4666269"/>
           </a:xfrm>
           <a:prstGeom prst="rect">
             <a:avLst/>
@@ -178,7 +178,7 @@
           <a:lstStyle/>
           <a:p>
             <a:r>
-              <a:rPr lang="en-GB" sz="2000" b="0" strike="noStrike" spc="-1">
+              <a:rPr lang="en-GB" sz="1900" b="0" strike="noStrike" spc="-1">
                 <a:solidFill>
                   <a:srgbClr val="000000"/>
                 </a:solidFill>
@@ -207,7 +207,7 @@
         <p:spPr>
           <a:xfrm>
             <a:off x="0" y="0"/>
-            <a:ext cx="3280680" cy="534240"/>
+            <a:ext cx="3141295" cy="518164"/>
           </a:xfrm>
           <a:prstGeom prst="rect">
             <a:avLst/>
@@ -246,8 +246,8 @@
         </p:nvSpPr>
         <p:spPr>
           <a:xfrm>
-            <a:off x="4278960" y="0"/>
-            <a:ext cx="3280680" cy="534240"/>
+            <a:off x="4097162" y="0"/>
+            <a:ext cx="3141295" cy="518164"/>
           </a:xfrm>
           <a:prstGeom prst="rect">
             <a:avLst/>
@@ -287,8 +287,8 @@
         </p:nvSpPr>
         <p:spPr>
           <a:xfrm>
-            <a:off x="0" y="10157400"/>
-            <a:ext cx="3280680" cy="534240"/>
+            <a:off x="0" y="9851748"/>
+            <a:ext cx="3141295" cy="518164"/>
           </a:xfrm>
           <a:prstGeom prst="rect">
             <a:avLst/>
@@ -327,8 +327,8 @@
         </p:nvSpPr>
         <p:spPr>
           <a:xfrm>
-            <a:off x="4278960" y="10157400"/>
-            <a:ext cx="3280680" cy="534240"/>
+            <a:off x="4097162" y="9851748"/>
+            <a:ext cx="3141295" cy="518164"/>
           </a:xfrm>
           <a:prstGeom prst="rect">
             <a:avLst/>
@@ -499,18 +499,18 @@
         </p:nvSpPr>
         <p:spPr>
           <a:xfrm>
-            <a:off x="709920" y="4861440"/>
-            <a:ext cx="5679000" cy="4605120"/>
+            <a:off x="679758" y="4715152"/>
+            <a:ext cx="5437719" cy="4466545"/>
           </a:xfrm>
           <a:prstGeom prst="rect">
             <a:avLst/>
           </a:prstGeom>
         </p:spPr>
         <p:txBody>
-          <a:bodyPr lIns="99000" tIns="49680" rIns="99000" bIns="49680"/>
+          <a:bodyPr lIns="95515" tIns="47931" rIns="95515" bIns="47931"/>
           <a:lstStyle/>
           <a:p>
-            <a:endParaRPr lang="en-GB" sz="2000" b="0" strike="noStrike" spc="-1">
+            <a:endParaRPr lang="en-GB" sz="1900" spc="-1">
               <a:solidFill>
                 <a:srgbClr val="000000"/>
               </a:solidFill>
@@ -532,8 +532,8 @@
         </p:nvSpPr>
         <p:spPr>
           <a:xfrm>
-            <a:off x="0" y="9721080"/>
-            <a:ext cx="3075840" cy="511200"/>
+            <a:off x="0" y="9428558"/>
+            <a:ext cx="2945158" cy="495817"/>
           </a:xfrm>
           <a:prstGeom prst="rect">
             <a:avLst/>
@@ -544,10 +544,10 @@
           </a:ln>
         </p:spPr>
         <p:txBody>
-          <a:bodyPr lIns="99000" tIns="49680" rIns="99000" bIns="49680" anchor="b"/>
+          <a:bodyPr lIns="95515" tIns="47931" rIns="95515" bIns="47931" anchor="b"/>
           <a:lstStyle/>
           <a:p>
-            <a:endParaRPr lang="en-GB" sz="2400" b="0" strike="noStrike" spc="-1">
+            <a:endParaRPr lang="en-GB" sz="2300" spc="-1">
               <a:solidFill>
                 <a:srgbClr val="000000"/>
               </a:solidFill>
@@ -569,8 +569,8 @@
         </p:nvSpPr>
         <p:spPr>
           <a:xfrm>
-            <a:off x="4021200" y="9721080"/>
-            <a:ext cx="3075840" cy="511200"/>
+            <a:off x="3850353" y="9428558"/>
+            <a:ext cx="2945158" cy="495817"/>
           </a:xfrm>
           <a:prstGeom prst="rect">
             <a:avLst/>
@@ -581,7 +581,7 @@
           </a:ln>
         </p:spPr>
         <p:txBody>
-          <a:bodyPr lIns="99000" tIns="49680" rIns="99000" bIns="49680" anchor="b"/>
+          <a:bodyPr lIns="95515" tIns="47931" rIns="95515" bIns="47931" anchor="b"/>
           <a:lstStyle/>
           <a:p>
             <a:pPr algn="r">
@@ -590,7 +590,7 @@
               </a:lnSpc>
             </a:pPr>
             <a:fld id="{06850729-FFF8-4C93-ABCC-D0F05FB7D666}" type="slidenum">
-              <a:rPr lang="en-GB" sz="1300" b="0" strike="noStrike" spc="-1">
+              <a:rPr lang="en-GB" sz="1300" spc="-1">
                 <a:solidFill>
                   <a:srgbClr val="000000"/>
                 </a:solidFill>
@@ -599,12 +599,10 @@
                     <a:srgbClr val="FFFFFF"/>
                   </a:solidFill>
                 </a:uFill>
-                <a:latin typeface="+mn-lt"/>
-                <a:ea typeface="+mn-ea"/>
               </a:rPr>
               <a:t>5</a:t>
             </a:fld>
-            <a:endParaRPr lang="en-GB" sz="1400" b="0" strike="noStrike" spc="-1">
+            <a:endParaRPr lang="en-GB" sz="1400" spc="-1">
               <a:solidFill>
                 <a:srgbClr val="000000"/>
               </a:solidFill>
@@ -660,18 +658,18 @@
         </p:nvSpPr>
         <p:spPr>
           <a:xfrm>
-            <a:off x="709920" y="4861440"/>
-            <a:ext cx="5679000" cy="4605120"/>
+            <a:off x="679758" y="4715152"/>
+            <a:ext cx="5437719" cy="4466545"/>
           </a:xfrm>
           <a:prstGeom prst="rect">
             <a:avLst/>
           </a:prstGeom>
         </p:spPr>
         <p:txBody>
-          <a:bodyPr lIns="99000" tIns="49680" rIns="99000" bIns="49680"/>
+          <a:bodyPr lIns="95515" tIns="47931" rIns="95515" bIns="47931"/>
           <a:lstStyle/>
           <a:p>
-            <a:endParaRPr lang="en-GB" sz="2000" b="0" strike="noStrike" spc="-1">
+            <a:endParaRPr lang="en-GB" sz="1900" spc="-1">
               <a:solidFill>
                 <a:srgbClr val="000000"/>
               </a:solidFill>
@@ -693,8 +691,8 @@
         </p:nvSpPr>
         <p:spPr>
           <a:xfrm>
-            <a:off x="0" y="9721080"/>
-            <a:ext cx="3075840" cy="511200"/>
+            <a:off x="0" y="9428558"/>
+            <a:ext cx="2945158" cy="495817"/>
           </a:xfrm>
           <a:prstGeom prst="rect">
             <a:avLst/>
@@ -705,10 +703,10 @@
           </a:ln>
         </p:spPr>
         <p:txBody>
-          <a:bodyPr lIns="99000" tIns="49680" rIns="99000" bIns="49680" anchor="b"/>
+          <a:bodyPr lIns="95515" tIns="47931" rIns="95515" bIns="47931" anchor="b"/>
           <a:lstStyle/>
           <a:p>
-            <a:endParaRPr lang="en-GB" sz="2400" b="0" strike="noStrike" spc="-1">
+            <a:endParaRPr lang="en-GB" sz="2300" spc="-1">
               <a:solidFill>
                 <a:srgbClr val="000000"/>
               </a:solidFill>
@@ -730,8 +728,8 @@
         </p:nvSpPr>
         <p:spPr>
           <a:xfrm>
-            <a:off x="4021200" y="9721080"/>
-            <a:ext cx="3075840" cy="511200"/>
+            <a:off x="3850353" y="9428558"/>
+            <a:ext cx="2945158" cy="495817"/>
           </a:xfrm>
           <a:prstGeom prst="rect">
             <a:avLst/>
@@ -742,7 +740,7 @@
           </a:ln>
         </p:spPr>
         <p:txBody>
-          <a:bodyPr lIns="99000" tIns="49680" rIns="99000" bIns="49680" anchor="b"/>
+          <a:bodyPr lIns="95515" tIns="47931" rIns="95515" bIns="47931" anchor="b"/>
           <a:lstStyle/>
           <a:p>
             <a:pPr algn="r">
@@ -751,7 +749,7 @@
               </a:lnSpc>
             </a:pPr>
             <a:fld id="{7913D343-FD56-483A-8ACE-D16FA326929D}" type="slidenum">
-              <a:rPr lang="en-GB" sz="1300" b="0" strike="noStrike" spc="-1">
+              <a:rPr lang="en-GB" sz="1300" spc="-1">
                 <a:solidFill>
                   <a:srgbClr val="000000"/>
                 </a:solidFill>
@@ -760,12 +758,10 @@
                     <a:srgbClr val="FFFFFF"/>
                   </a:solidFill>
                 </a:uFill>
-                <a:latin typeface="+mn-lt"/>
-                <a:ea typeface="+mn-ea"/>
               </a:rPr>
               <a:t>6</a:t>
             </a:fld>
-            <a:endParaRPr lang="en-GB" sz="1400" b="0" strike="noStrike" spc="-1">
+            <a:endParaRPr lang="en-GB" sz="1400" spc="-1">
               <a:solidFill>
                 <a:srgbClr val="000000"/>
               </a:solidFill>
@@ -6761,33 +6757,15 @@
                                   </p:childTnLst>
                                 </p:cTn>
                               </p:par>
-                            </p:childTnLst>
-                          </p:cTn>
-                        </p:par>
-                      </p:childTnLst>
-                    </p:cTn>
-                  </p:par>
-                  <p:par>
-                    <p:cTn id="7" fill="hold">
-                      <p:stCondLst>
-                        <p:cond delay="indefinite"/>
-                      </p:stCondLst>
-                      <p:childTnLst>
-                        <p:par>
-                          <p:cTn id="8" fill="hold">
-                            <p:stCondLst>
-                              <p:cond delay="0"/>
-                            </p:stCondLst>
-                            <p:childTnLst>
                               <p:par>
-                                <p:cTn id="9" presetID="1" presetClass="entr" presetSubtype="0" fill="hold" nodeType="clickEffect">
+                                <p:cTn id="7" presetID="1" presetClass="entr" presetSubtype="0" fill="hold" nodeType="withEffect">
                                   <p:stCondLst>
                                     <p:cond delay="0"/>
                                   </p:stCondLst>
                                   <p:childTnLst>
                                     <p:set>
                                       <p:cBhvr>
-                                        <p:cTn id="10" dur="1" fill="hold">
+                                        <p:cTn id="8" dur="1" fill="hold">
                                           <p:stCondLst>
                                             <p:cond delay="0"/>
                                           </p:stCondLst>
@@ -7128,17 +7106,6 @@
               </a:rPr>
               <a:t>deadlock</a:t>
             </a:r>
-            <a:endParaRPr lang="en-US" sz="2800" b="0" strike="noStrike" spc="-1" dirty="0" smtClean="0">
-              <a:solidFill>
-                <a:srgbClr val="000000"/>
-              </a:solidFill>
-              <a:uFill>
-                <a:solidFill>
-                  <a:srgbClr val="FFFFFF"/>
-                </a:solidFill>
-              </a:uFill>
-              <a:latin typeface="+mj-lt"/>
-            </a:endParaRPr>
           </a:p>
         </p:txBody>
       </p:sp>
@@ -7582,21 +7549,7 @@
                 </a:uFill>
                 <a:latin typeface="+mj-lt"/>
               </a:rPr>
-              <a:t>Control </a:t>
-            </a:r>
-            <a:r>
-              <a:rPr lang="en-US" sz="2800" b="1" spc="-1" dirty="0" smtClean="0">
-                <a:solidFill>
-                  <a:srgbClr val="000000"/>
-                </a:solidFill>
-                <a:uFill>
-                  <a:solidFill>
-                    <a:srgbClr val="FFFFFF"/>
-                  </a:solidFill>
-                </a:uFill>
-                <a:latin typeface="+mj-lt"/>
-              </a:rPr>
-              <a:t>System:</a:t>
+              <a:t>Control System:</a:t>
             </a:r>
             <a:r>
               <a:rPr lang="en-US" sz="2800" spc="-1" dirty="0" smtClean="0">
@@ -10419,33 +10372,15 @@
                                   </p:childTnLst>
                                 </p:cTn>
                               </p:par>
-                            </p:childTnLst>
-                          </p:cTn>
-                        </p:par>
-                      </p:childTnLst>
-                    </p:cTn>
-                  </p:par>
-                  <p:par>
-                    <p:cTn id="27" fill="hold">
-                      <p:stCondLst>
-                        <p:cond delay="indefinite"/>
-                      </p:stCondLst>
-                      <p:childTnLst>
-                        <p:par>
-                          <p:cTn id="28" fill="hold">
-                            <p:stCondLst>
-                              <p:cond delay="0"/>
-                            </p:stCondLst>
-                            <p:childTnLst>
                               <p:par>
-                                <p:cTn id="29" presetID="1" presetClass="entr" presetSubtype="0" fill="hold" nodeType="clickEffect">
+                                <p:cTn id="27" presetID="1" presetClass="entr" presetSubtype="0" fill="hold" nodeType="withEffect">
                                   <p:stCondLst>
                                     <p:cond delay="0"/>
                                   </p:stCondLst>
                                   <p:childTnLst>
                                     <p:set>
                                       <p:cBhvr>
-                                        <p:cTn id="30" dur="1" fill="hold">
+                                        <p:cTn id="28" dur="1" fill="hold">
                                           <p:stCondLst>
                                             <p:cond delay="0"/>
                                           </p:stCondLst>
@@ -10471,26 +10406,26 @@
                     </p:cTn>
                   </p:par>
                   <p:par>
-                    <p:cTn id="31" fill="hold">
+                    <p:cTn id="29" fill="hold">
                       <p:stCondLst>
                         <p:cond delay="indefinite"/>
                       </p:stCondLst>
                       <p:childTnLst>
                         <p:par>
-                          <p:cTn id="32" fill="hold">
+                          <p:cTn id="30" fill="hold">
                             <p:stCondLst>
                               <p:cond delay="0"/>
                             </p:stCondLst>
                             <p:childTnLst>
                               <p:par>
-                                <p:cTn id="33" presetID="1" presetClass="entr" presetSubtype="0" fill="hold" nodeType="clickEffect">
+                                <p:cTn id="31" presetID="1" presetClass="entr" presetSubtype="0" fill="hold" nodeType="clickEffect">
                                   <p:stCondLst>
                                     <p:cond delay="0"/>
                                   </p:stCondLst>
                                   <p:childTnLst>
                                     <p:set>
                                       <p:cBhvr>
-                                        <p:cTn id="34" dur="1" fill="hold">
+                                        <p:cTn id="32" dur="1" fill="hold">
                                           <p:stCondLst>
                                             <p:cond delay="0"/>
                                           </p:stCondLst>
